--- a/UKW/kindercare/docs/KinderCare-final.pptx
+++ b/UKW/kindercare/docs/KinderCare-final.pptx
@@ -3,17 +3,18 @@
 <p:presentation xmlns:a="http://schemas.openxmlformats.org/drawingml/2006/main" xmlns:p="http://schemas.openxmlformats.org/presentationml/2006/main" xmlns:r="http://schemas.openxmlformats.org/officeDocument/2006/relationships" xmlns:p14="http://schemas.microsoft.com/office/powerpoint/2010/main" xmlns:p15="http://schemas.microsoft.com/office/powerpoint/2012/main" xmlns:mc="http://schemas.openxmlformats.org/markup-compatibility/2006">
   <p:sldMasterIdLst>
     <p:sldMasterId id="2147483648" r:id="rId2"/>
+    <p:sldMasterId id="2147483656" r:id="rId3"/>
   </p:sldMasterIdLst>
   <p:notesMasterIdLst>
-    <p:notesMasterId r:id="rId3"/>
+    <p:notesMasterId r:id="rId4"/>
   </p:notesMasterIdLst>
   <p:sldIdLst>
-    <p:sldId id="256" r:id="rId4"/>
-    <p:sldId id="257" r:id="rId5"/>
-    <p:sldId id="258" r:id="rId6"/>
-    <p:sldId id="259" r:id="rId7"/>
-    <p:sldId id="260" r:id="rId8"/>
-    <p:sldId id="261" r:id="rId9"/>
+    <p:sldId id="256" r:id="rId5"/>
+    <p:sldId id="257" r:id="rId6"/>
+    <p:sldId id="258" r:id="rId7"/>
+    <p:sldId id="259" r:id="rId8"/>
+    <p:sldId id="260" r:id="rId9"/>
+    <p:sldId id="261" r:id="rId10"/>
   </p:sldIdLst>
   <p:sldSz cx="14630400" cy="8229600"/>
   <p:notesSz cx="8229600" cy="14630400"/>
@@ -39,7 +40,7 @@
       </p:grpSpPr>
       <p:sp>
         <p:nvSpPr>
-          <p:cNvPr id="22" name="PlaceHolder 1"/>
+          <p:cNvPr id="31" name="PlaceHolder 1"/>
           <p:cNvSpPr>
             <a:spLocks noGrp="1"/>
           </p:cNvSpPr>
@@ -49,8 +50,8 @@
         </p:nvSpPr>
         <p:spPr>
           <a:xfrm>
-            <a:off x="0" y="764280"/>
-            <a:ext cx="0" cy="0"/>
+            <a:off x="0" y="1222920"/>
+            <a:ext cx="86397480" cy="102960"/>
           </a:xfrm>
           <a:prstGeom prst="rect">
             <a:avLst/>
@@ -65,32 +66,31 @@
             <a:noAutofit/>
           </a:bodyPr>
           <a:p>
-            <a:pPr algn="ctr"/>
-            <a:r>
-              <a:rPr b="0" lang="en-US" sz="4400" strike="noStrike" u="none">
+            <a:r>
+              <a:rPr b="0" lang="de-DE" sz="3459" strike="noStrike" u="none">
                 <a:solidFill>
                   <a:schemeClr val="dk1"/>
                 </a:solidFill>
                 <a:effectLst/>
                 <a:uFillTx/>
-                <a:latin typeface="Calibri Light"/>
+                <a:latin typeface="Aptos"/>
               </a:rPr>
               <a:t>Click to move the slide</a:t>
             </a:r>
-            <a:endParaRPr b="0" lang="en-US" sz="4400" strike="noStrike" u="none">
+            <a:endParaRPr b="0" lang="de-DE" sz="3459" strike="noStrike" u="none">
               <a:solidFill>
                 <a:schemeClr val="dk1"/>
               </a:solidFill>
               <a:effectLst/>
               <a:uFillTx/>
-              <a:latin typeface="Calibri Light"/>
-            </a:endParaRPr>
-          </a:p>
-        </p:txBody>
-      </p:sp>
-      <p:sp>
-        <p:nvSpPr>
-          <p:cNvPr id="23" name="PlaceHolder 2"/>
+              <a:latin typeface="Aptos"/>
+            </a:endParaRPr>
+          </a:p>
+        </p:txBody>
+      </p:sp>
+      <p:sp>
+        <p:nvSpPr>
+          <p:cNvPr id="32" name="PlaceHolder 2"/>
           <p:cNvSpPr>
             <a:spLocks noGrp="1"/>
           </p:cNvSpPr>
@@ -100,8 +100,8 @@
         </p:nvSpPr>
         <p:spPr>
           <a:xfrm>
-            <a:off x="777240" y="4777560"/>
-            <a:ext cx="6217560" cy="4525920"/>
+            <a:off x="932400" y="7643880"/>
+            <a:ext cx="7461000" cy="7241400"/>
           </a:xfrm>
           <a:prstGeom prst="rect">
             <a:avLst/>
@@ -120,7 +120,7 @@
               <a:buNone/>
             </a:pPr>
             <a:r>
-              <a:rPr b="0" lang="en-US" sz="2000" strike="noStrike" u="none">
+              <a:rPr b="0" lang="en-US" sz="4220" strike="noStrike" u="none">
                 <a:solidFill>
                   <a:srgbClr val="000000"/>
                 </a:solidFill>
@@ -130,7 +130,7 @@
               </a:rPr>
               <a:t>Click to edit the notes format</a:t>
             </a:r>
-            <a:endParaRPr b="0" lang="en-US" sz="2000" strike="noStrike" u="none">
+            <a:endParaRPr b="0" lang="en-US" sz="4220" strike="noStrike" u="none">
               <a:solidFill>
                 <a:srgbClr val="000000"/>
               </a:solidFill>
@@ -143,7 +143,7 @@
       </p:sp>
       <p:sp>
         <p:nvSpPr>
-          <p:cNvPr id="24" name="PlaceHolder 3"/>
+          <p:cNvPr id="33" name="PlaceHolder 3"/>
           <p:cNvSpPr>
             <a:spLocks noGrp="1"/>
           </p:cNvSpPr>
@@ -154,7 +154,7 @@
         <p:spPr>
           <a:xfrm>
             <a:off x="0" y="0"/>
-            <a:ext cx="3372840" cy="502560"/>
+            <a:ext cx="4047480" cy="804240"/>
           </a:xfrm>
           <a:prstGeom prst="rect">
             <a:avLst/>
@@ -181,7 +181,7 @@
                 <a:uFillTx/>
                 <a:latin typeface="Times New Roman"/>
               </a:rPr>
-              <a:t>&lt;header&gt;</a:t>
+              <a:t> </a:t>
             </a:r>
             <a:endParaRPr b="0" lang="en-US" sz="1400" strike="noStrike" u="none">
               <a:solidFill>
@@ -196,18 +196,18 @@
       </p:sp>
       <p:sp>
         <p:nvSpPr>
-          <p:cNvPr id="25" name="PlaceHolder 4"/>
+          <p:cNvPr id="34" name="PlaceHolder 4"/>
           <p:cNvSpPr>
             <a:spLocks noGrp="1"/>
           </p:cNvSpPr>
           <p:nvPr>
-            <p:ph type="dt" idx="1"/>
+            <p:ph type="dt" idx="4"/>
           </p:nvPr>
         </p:nvSpPr>
         <p:spPr>
           <a:xfrm>
-            <a:off x="4399200" y="0"/>
-            <a:ext cx="3372840" cy="502560"/>
+            <a:off x="5279040" y="0"/>
+            <a:ext cx="4047480" cy="804240"/>
           </a:xfrm>
           <a:prstGeom prst="rect">
             <a:avLst/>
@@ -247,7 +247,7 @@
                 <a:uFillTx/>
                 <a:latin typeface="Times New Roman"/>
               </a:rPr>
-              <a:t>&lt;date/time&gt;</a:t>
+              <a:t> </a:t>
             </a:r>
             <a:endParaRPr b="0" lang="en-US" sz="1400" strike="noStrike" u="none">
               <a:solidFill>
@@ -262,18 +262,18 @@
       </p:sp>
       <p:sp>
         <p:nvSpPr>
-          <p:cNvPr id="26" name="PlaceHolder 5"/>
+          <p:cNvPr id="35" name="PlaceHolder 5"/>
           <p:cNvSpPr>
             <a:spLocks noGrp="1"/>
           </p:cNvSpPr>
           <p:nvPr>
-            <p:ph type="ftr" idx="2"/>
+            <p:ph type="ftr" idx="5"/>
           </p:nvPr>
         </p:nvSpPr>
         <p:spPr>
           <a:xfrm>
-            <a:off x="0" y="9555480"/>
-            <a:ext cx="3372840" cy="502560"/>
+            <a:off x="0" y="15288480"/>
+            <a:ext cx="4047480" cy="804240"/>
           </a:xfrm>
           <a:prstGeom prst="rect">
             <a:avLst/>
@@ -313,7 +313,7 @@
                 <a:uFillTx/>
                 <a:latin typeface="Times New Roman"/>
               </a:rPr>
-              <a:t>&lt;footer&gt;</a:t>
+              <a:t> </a:t>
             </a:r>
             <a:endParaRPr b="0" lang="en-US" sz="1400" strike="noStrike" u="none">
               <a:solidFill>
@@ -328,18 +328,18 @@
       </p:sp>
       <p:sp>
         <p:nvSpPr>
-          <p:cNvPr id="27" name="PlaceHolder 6"/>
+          <p:cNvPr id="36" name="PlaceHolder 6"/>
           <p:cNvSpPr>
             <a:spLocks noGrp="1"/>
           </p:cNvSpPr>
           <p:nvPr>
-            <p:ph type="sldNum" idx="3"/>
+            <p:ph type="sldNum" idx="6"/>
           </p:nvPr>
         </p:nvSpPr>
         <p:spPr>
           <a:xfrm>
-            <a:off x="4399200" y="9555480"/>
-            <a:ext cx="3372840" cy="502560"/>
+            <a:off x="5279040" y="15288480"/>
+            <a:ext cx="4047480" cy="804240"/>
           </a:xfrm>
           <a:prstGeom prst="rect">
             <a:avLst/>
@@ -370,7 +370,7 @@
             <a:pPr indent="0" algn="r">
               <a:buNone/>
             </a:pPr>
-            <a:fld id="{4FBFB904-A11A-476E-ADB4-D230B633A415}" type="slidenum">
+            <a:fld id="{98301613-49C6-491C-9F9C-98E5295BE93A}" type="slidenum">
               <a:rPr b="0" lang="en-US" sz="1400" strike="noStrike" u="none">
                 <a:solidFill>
                   <a:srgbClr val="000000"/>
@@ -379,7 +379,7 @@
                 <a:uFillTx/>
                 <a:latin typeface="Times New Roman"/>
               </a:rPr>
-              <a:t>&lt;number&gt;</a:t>
+              <a:t>1</a:t>
             </a:fld>
             <a:endParaRPr b="0" lang="en-US" sz="1400" strike="noStrike" u="none">
               <a:solidFill>
@@ -396,165 +396,6 @@
   </p:cSld>
   <p:clrMap bg1="lt1" bg2="lt2" tx1="dk1" tx2="dk2" accent1="accent1" accent2="accent2" accent3="accent3" accent4="accent4" accent5="accent5" accent6="accent6" hlink="hlink" folHlink="folHlink"/>
 </p:notesMaster>
-</file>
-
-<file path=ppt/notesSlides/notesSlide1.xml><?xml version="1.0" encoding="utf-8"?>
-<p:notes xmlns:a="http://schemas.openxmlformats.org/drawingml/2006/main" xmlns:p="http://schemas.openxmlformats.org/presentationml/2006/main" xmlns:r="http://schemas.openxmlformats.org/officeDocument/2006/relationships" xmlns:p14="http://schemas.microsoft.com/office/powerpoint/2010/main" xmlns:p15="http://schemas.microsoft.com/office/powerpoint/2012/main" xmlns:mc="http://schemas.openxmlformats.org/markup-compatibility/2006">
-  <p:cSld>
-    <p:spTree>
-      <p:nvGrpSpPr>
-        <p:cNvPr id="1" name=""/>
-        <p:cNvGrpSpPr/>
-        <p:nvPr/>
-      </p:nvGrpSpPr>
-      <p:grpSpPr>
-        <a:xfrm>
-          <a:off x="0" y="0"/>
-          <a:ext cx="0" cy="0"/>
-          <a:chOff x="0" y="0"/>
-          <a:chExt cx="0" cy="0"/>
-        </a:xfrm>
-      </p:grpSpPr>
-      <p:sp>
-        <p:nvSpPr>
-          <p:cNvPr id="80" name="PlaceHolder 1"/>
-          <p:cNvSpPr>
-            <a:spLocks noGrp="1"/>
-          </p:cNvSpPr>
-          <p:nvPr>
-            <p:ph type="sldImg"/>
-          </p:nvPr>
-        </p:nvSpPr>
-        <p:spPr>
-          <a:xfrm>
-            <a:off x="685800" y="1143000"/>
-            <a:ext cx="5486040" cy="3085920"/>
-          </a:xfrm>
-          <a:prstGeom prst="rect">
-            <a:avLst/>
-          </a:prstGeom>
-          <a:ln w="0">
-            <a:noFill/>
-          </a:ln>
-        </p:spPr>
-      </p:sp>
-      <p:sp>
-        <p:nvSpPr>
-          <p:cNvPr id="81" name="PlaceHolder 2"/>
-          <p:cNvSpPr>
-            <a:spLocks noGrp="1"/>
-          </p:cNvSpPr>
-          <p:nvPr>
-            <p:ph type="body"/>
-          </p:nvPr>
-        </p:nvSpPr>
-        <p:spPr>
-          <a:xfrm>
-            <a:off x="685800" y="4400640"/>
-            <a:ext cx="5486040" cy="3600000"/>
-          </a:xfrm>
-          <a:prstGeom prst="rect">
-            <a:avLst/>
-          </a:prstGeom>
-          <a:noFill/>
-          <a:ln w="0">
-            <a:noFill/>
-          </a:ln>
-        </p:spPr>
-        <p:txBody>
-          <a:bodyPr lIns="91440" rIns="91440" tIns="45720" bIns="45720" anchor="t">
-            <a:noAutofit/>
-          </a:bodyPr>
-          <a:p>
-            <a:pPr indent="0">
-              <a:buNone/>
-            </a:pPr>
-            <a:endParaRPr b="0" lang="en-US" sz="1800" strike="noStrike" u="none">
-              <a:solidFill>
-                <a:srgbClr val="000000"/>
-              </a:solidFill>
-              <a:effectLst/>
-              <a:uFillTx/>
-              <a:latin typeface="Arial"/>
-            </a:endParaRPr>
-          </a:p>
-        </p:txBody>
-      </p:sp>
-      <p:sp>
-        <p:nvSpPr>
-          <p:cNvPr id="82" name="PlaceHolder 3"/>
-          <p:cNvSpPr>
-            <a:spLocks noGrp="1"/>
-          </p:cNvSpPr>
-          <p:nvPr>
-            <p:ph type="sldNum" idx="4"/>
-          </p:nvPr>
-        </p:nvSpPr>
-        <p:spPr>
-          <a:xfrm>
-            <a:off x="3884760" y="8685360"/>
-            <a:ext cx="2971440" cy="458280"/>
-          </a:xfrm>
-          <a:prstGeom prst="rect">
-            <a:avLst/>
-          </a:prstGeom>
-          <a:noFill/>
-          <a:ln w="0">
-            <a:noFill/>
-          </a:ln>
-        </p:spPr>
-        <p:txBody>
-          <a:bodyPr lIns="91440" rIns="91440" tIns="45720" bIns="45720" anchor="b">
-            <a:noAutofit/>
-          </a:bodyPr>
-          <a:lstStyle>
-            <a:lvl1pPr indent="0" algn="r">
-              <a:lnSpc>
-                <a:spcPct val="100000"/>
-              </a:lnSpc>
-              <a:buNone/>
-              <a:defRPr b="0" lang="en-US" sz="1200" strike="noStrike" u="none">
-                <a:solidFill>
-                  <a:srgbClr val="000000"/>
-                </a:solidFill>
-                <a:effectLst/>
-                <a:uFillTx/>
-                <a:latin typeface="Times New Roman"/>
-              </a:defRPr>
-            </a:lvl1pPr>
-          </a:lstStyle>
-          <a:p>
-            <a:pPr indent="0" algn="r">
-              <a:lnSpc>
-                <a:spcPct val="100000"/>
-              </a:lnSpc>
-              <a:buNone/>
-            </a:pPr>
-            <a:fld id="{8068967C-1409-4874-B577-24579BFF5680}" type="slidenum">
-              <a:rPr b="0" lang="en-US" sz="1200" strike="noStrike" u="none">
-                <a:solidFill>
-                  <a:srgbClr val="000000"/>
-                </a:solidFill>
-                <a:effectLst/>
-                <a:uFillTx/>
-                <a:latin typeface="Times New Roman"/>
-              </a:rPr>
-              <a:t>&lt;number&gt;</a:t>
-            </a:fld>
-            <a:endParaRPr b="0" lang="en-US" sz="1200" strike="noStrike" u="none">
-              <a:solidFill>
-                <a:srgbClr val="000000"/>
-              </a:solidFill>
-              <a:effectLst/>
-              <a:uFillTx/>
-              <a:latin typeface="Times New Roman"/>
-            </a:endParaRPr>
-          </a:p>
-        </p:txBody>
-      </p:sp>
-    </p:spTree>
-  </p:cSld>
-</p:notes>
 </file>
 
 <file path=ppt/notesSlides/notesSlide2.xml><?xml version="1.0" encoding="utf-8"?>
@@ -576,7 +417,7 @@
       </p:grpSpPr>
       <p:sp>
         <p:nvSpPr>
-          <p:cNvPr id="83" name="PlaceHolder 1"/>
+          <p:cNvPr id="94" name="PlaceHolder 1"/>
           <p:cNvSpPr>
             <a:spLocks noGrp="1"/>
           </p:cNvSpPr>
@@ -586,20 +427,20 @@
         </p:nvSpPr>
         <p:spPr>
           <a:xfrm>
-            <a:off x="685800" y="1143000"/>
-            <a:ext cx="5486040" cy="3085920"/>
-          </a:xfrm>
-          <a:prstGeom prst="rect">
-            <a:avLst/>
-          </a:prstGeom>
-          <a:ln w="0">
-            <a:noFill/>
-          </a:ln>
-        </p:spPr>
-      </p:sp>
-      <p:sp>
-        <p:nvSpPr>
-          <p:cNvPr id="84" name="PlaceHolder 2"/>
+            <a:off x="822960" y="1828800"/>
+            <a:ext cx="6583320" cy="4937400"/>
+          </a:xfrm>
+          <a:prstGeom prst="rect">
+            <a:avLst/>
+          </a:prstGeom>
+          <a:ln w="0">
+            <a:noFill/>
+          </a:ln>
+        </p:spPr>
+      </p:sp>
+      <p:sp>
+        <p:nvSpPr>
+          <p:cNvPr id="95" name="PlaceHolder 2"/>
           <p:cNvSpPr>
             <a:spLocks noGrp="1"/>
           </p:cNvSpPr>
@@ -609,8 +450,8 @@
         </p:nvSpPr>
         <p:spPr>
           <a:xfrm>
-            <a:off x="685800" y="4400640"/>
-            <a:ext cx="5486040" cy="3600000"/>
+            <a:off x="822960" y="7040880"/>
+            <a:ext cx="6583320" cy="5760000"/>
           </a:xfrm>
           <a:prstGeom prst="rect">
             <a:avLst/>
@@ -641,18 +482,18 @@
       </p:sp>
       <p:sp>
         <p:nvSpPr>
-          <p:cNvPr id="85" name="PlaceHolder 3"/>
+          <p:cNvPr id="96" name="PlaceHolder 3"/>
           <p:cNvSpPr>
             <a:spLocks noGrp="1"/>
           </p:cNvSpPr>
           <p:nvPr>
-            <p:ph type="sldNum" idx="5"/>
+            <p:ph type="sldNum" idx="7"/>
           </p:nvPr>
         </p:nvSpPr>
         <p:spPr>
           <a:xfrm>
-            <a:off x="3884760" y="8685360"/>
-            <a:ext cx="2971440" cy="458280"/>
+            <a:off x="4661640" y="13896360"/>
+            <a:ext cx="3565800" cy="733320"/>
           </a:xfrm>
           <a:prstGeom prst="rect">
             <a:avLst/>
@@ -672,7 +513,7 @@
                 <a:spcPct val="100000"/>
               </a:lnSpc>
               <a:buNone/>
-              <a:defRPr b="0" lang="en-US" sz="1200" strike="noStrike" u="none">
+              <a:defRPr b="0" lang="en-GB" sz="1200" strike="noStrike" u="none">
                 <a:solidFill>
                   <a:srgbClr val="000000"/>
                 </a:solidFill>
@@ -689,8 +530,8 @@
               </a:lnSpc>
               <a:buNone/>
             </a:pPr>
-            <a:fld id="{55D82382-F180-42D1-96D4-09B408A4F70A}" type="slidenum">
-              <a:rPr b="0" lang="en-US" sz="1200" strike="noStrike" u="none">
+            <a:fld id="{C0E3CB38-A0A5-4413-A8D2-76E91FAEA453}" type="slidenum">
+              <a:rPr b="0" lang="en-GB" sz="1200" strike="noStrike" u="none">
                 <a:solidFill>
                   <a:srgbClr val="000000"/>
                 </a:solidFill>
@@ -698,7 +539,7 @@
                 <a:uFillTx/>
                 <a:latin typeface="Times New Roman"/>
               </a:rPr>
-              <a:t>&lt;number&gt;</a:t>
+              <a:t>1</a:t>
             </a:fld>
             <a:endParaRPr b="0" lang="en-US" sz="1200" strike="noStrike" u="none">
               <a:solidFill>
@@ -735,7 +576,7 @@
       </p:grpSpPr>
       <p:sp>
         <p:nvSpPr>
-          <p:cNvPr id="86" name="PlaceHolder 1"/>
+          <p:cNvPr id="97" name="PlaceHolder 1"/>
           <p:cNvSpPr>
             <a:spLocks noGrp="1"/>
           </p:cNvSpPr>
@@ -758,7 +599,7 @@
       </p:sp>
       <p:sp>
         <p:nvSpPr>
-          <p:cNvPr id="87" name="PlaceHolder 2"/>
+          <p:cNvPr id="98" name="PlaceHolder 2"/>
           <p:cNvSpPr>
             <a:spLocks noGrp="1"/>
           </p:cNvSpPr>
@@ -800,12 +641,12 @@
       </p:sp>
       <p:sp>
         <p:nvSpPr>
-          <p:cNvPr id="88" name="PlaceHolder 3"/>
+          <p:cNvPr id="99" name="PlaceHolder 3"/>
           <p:cNvSpPr>
             <a:spLocks noGrp="1"/>
           </p:cNvSpPr>
           <p:nvPr>
-            <p:ph type="sldNum" idx="6"/>
+            <p:ph type="sldNum" idx="8"/>
           </p:nvPr>
         </p:nvSpPr>
         <p:spPr>
@@ -848,7 +689,7 @@
               </a:lnSpc>
               <a:buNone/>
             </a:pPr>
-            <a:fld id="{5F200073-9FDB-4DEA-8FFE-7B2E2AFC92DF}" type="slidenum">
+            <a:fld id="{5E3EC4AC-3B9A-4081-9EA0-49405295FC98}" type="slidenum">
               <a:rPr b="0" lang="en-US" sz="1200" strike="noStrike" u="none">
                 <a:solidFill>
                   <a:srgbClr val="000000"/>
@@ -894,7 +735,7 @@
       </p:grpSpPr>
       <p:sp>
         <p:nvSpPr>
-          <p:cNvPr id="89" name="PlaceHolder 1"/>
+          <p:cNvPr id="100" name="PlaceHolder 1"/>
           <p:cNvSpPr>
             <a:spLocks noGrp="1"/>
           </p:cNvSpPr>
@@ -917,7 +758,7 @@
       </p:sp>
       <p:sp>
         <p:nvSpPr>
-          <p:cNvPr id="90" name="PlaceHolder 2"/>
+          <p:cNvPr id="101" name="PlaceHolder 2"/>
           <p:cNvSpPr>
             <a:spLocks noGrp="1"/>
           </p:cNvSpPr>
@@ -959,12 +800,12 @@
       </p:sp>
       <p:sp>
         <p:nvSpPr>
-          <p:cNvPr id="91" name="PlaceHolder 3"/>
+          <p:cNvPr id="102" name="PlaceHolder 3"/>
           <p:cNvSpPr>
             <a:spLocks noGrp="1"/>
           </p:cNvSpPr>
           <p:nvPr>
-            <p:ph type="sldNum" idx="7"/>
+            <p:ph type="sldNum" idx="9"/>
           </p:nvPr>
         </p:nvSpPr>
         <p:spPr>
@@ -1007,7 +848,7 @@
               </a:lnSpc>
               <a:buNone/>
             </a:pPr>
-            <a:fld id="{56C14EF8-1D75-42C0-8DFA-E21D66CF8CAA}" type="slidenum">
+            <a:fld id="{B8D27CED-08F3-4D8D-8E82-07E44377C929}" type="slidenum">
               <a:rPr b="0" lang="en-US" sz="1200" strike="noStrike" u="none">
                 <a:solidFill>
                   <a:srgbClr val="000000"/>
@@ -1053,7 +894,7 @@
       </p:grpSpPr>
       <p:sp>
         <p:nvSpPr>
-          <p:cNvPr id="92" name="PlaceHolder 1"/>
+          <p:cNvPr id="103" name="PlaceHolder 1"/>
           <p:cNvSpPr>
             <a:spLocks noGrp="1"/>
           </p:cNvSpPr>
@@ -1076,7 +917,7 @@
       </p:sp>
       <p:sp>
         <p:nvSpPr>
-          <p:cNvPr id="93" name="PlaceHolder 2"/>
+          <p:cNvPr id="104" name="PlaceHolder 2"/>
           <p:cNvSpPr>
             <a:spLocks noGrp="1"/>
           </p:cNvSpPr>
@@ -1118,12 +959,12 @@
       </p:sp>
       <p:sp>
         <p:nvSpPr>
-          <p:cNvPr id="94" name="PlaceHolder 3"/>
+          <p:cNvPr id="105" name="PlaceHolder 3"/>
           <p:cNvSpPr>
             <a:spLocks noGrp="1"/>
           </p:cNvSpPr>
           <p:nvPr>
-            <p:ph type="sldNum" idx="8"/>
+            <p:ph type="sldNum" idx="10"/>
           </p:nvPr>
         </p:nvSpPr>
         <p:spPr>
@@ -1166,7 +1007,166 @@
               </a:lnSpc>
               <a:buNone/>
             </a:pPr>
-            <a:fld id="{B583AB16-C983-4A24-A1EA-6B214DA52967}" type="slidenum">
+            <a:fld id="{96304D39-A652-498E-A648-852DE283B408}" type="slidenum">
+              <a:rPr b="0" lang="en-US" sz="1200" strike="noStrike" u="none">
+                <a:solidFill>
+                  <a:srgbClr val="000000"/>
+                </a:solidFill>
+                <a:effectLst/>
+                <a:uFillTx/>
+                <a:latin typeface="Times New Roman"/>
+              </a:rPr>
+              <a:t>&lt;number&gt;</a:t>
+            </a:fld>
+            <a:endParaRPr b="0" lang="en-US" sz="1200" strike="noStrike" u="none">
+              <a:solidFill>
+                <a:srgbClr val="000000"/>
+              </a:solidFill>
+              <a:effectLst/>
+              <a:uFillTx/>
+              <a:latin typeface="Times New Roman"/>
+            </a:endParaRPr>
+          </a:p>
+        </p:txBody>
+      </p:sp>
+    </p:spTree>
+  </p:cSld>
+</p:notes>
+</file>
+
+<file path=ppt/notesSlides/notesSlide6.xml><?xml version="1.0" encoding="utf-8"?>
+<p:notes xmlns:a="http://schemas.openxmlformats.org/drawingml/2006/main" xmlns:p="http://schemas.openxmlformats.org/presentationml/2006/main" xmlns:r="http://schemas.openxmlformats.org/officeDocument/2006/relationships" xmlns:p14="http://schemas.microsoft.com/office/powerpoint/2010/main" xmlns:p15="http://schemas.microsoft.com/office/powerpoint/2012/main" xmlns:mc="http://schemas.openxmlformats.org/markup-compatibility/2006">
+  <p:cSld>
+    <p:spTree>
+      <p:nvGrpSpPr>
+        <p:cNvPr id="1" name=""/>
+        <p:cNvGrpSpPr/>
+        <p:nvPr/>
+      </p:nvGrpSpPr>
+      <p:grpSpPr>
+        <a:xfrm>
+          <a:off x="0" y="0"/>
+          <a:ext cx="0" cy="0"/>
+          <a:chOff x="0" y="0"/>
+          <a:chExt cx="0" cy="0"/>
+        </a:xfrm>
+      </p:grpSpPr>
+      <p:sp>
+        <p:nvSpPr>
+          <p:cNvPr id="106" name="PlaceHolder 1"/>
+          <p:cNvSpPr>
+            <a:spLocks noGrp="1"/>
+          </p:cNvSpPr>
+          <p:nvPr>
+            <p:ph type="sldImg"/>
+          </p:nvPr>
+        </p:nvSpPr>
+        <p:spPr>
+          <a:xfrm>
+            <a:off x="685800" y="1143000"/>
+            <a:ext cx="5486040" cy="3085920"/>
+          </a:xfrm>
+          <a:prstGeom prst="rect">
+            <a:avLst/>
+          </a:prstGeom>
+          <a:ln w="0">
+            <a:noFill/>
+          </a:ln>
+        </p:spPr>
+      </p:sp>
+      <p:sp>
+        <p:nvSpPr>
+          <p:cNvPr id="107" name="PlaceHolder 2"/>
+          <p:cNvSpPr>
+            <a:spLocks noGrp="1"/>
+          </p:cNvSpPr>
+          <p:nvPr>
+            <p:ph type="body"/>
+          </p:nvPr>
+        </p:nvSpPr>
+        <p:spPr>
+          <a:xfrm>
+            <a:off x="685800" y="4400640"/>
+            <a:ext cx="5486040" cy="3600000"/>
+          </a:xfrm>
+          <a:prstGeom prst="rect">
+            <a:avLst/>
+          </a:prstGeom>
+          <a:noFill/>
+          <a:ln w="0">
+            <a:noFill/>
+          </a:ln>
+        </p:spPr>
+        <p:txBody>
+          <a:bodyPr lIns="91440" rIns="91440" tIns="45720" bIns="45720" anchor="t">
+            <a:noAutofit/>
+          </a:bodyPr>
+          <a:p>
+            <a:pPr indent="0">
+              <a:buNone/>
+            </a:pPr>
+            <a:endParaRPr b="0" lang="en-US" sz="1800" strike="noStrike" u="none">
+              <a:solidFill>
+                <a:srgbClr val="000000"/>
+              </a:solidFill>
+              <a:effectLst/>
+              <a:uFillTx/>
+              <a:latin typeface="Arial"/>
+            </a:endParaRPr>
+          </a:p>
+        </p:txBody>
+      </p:sp>
+      <p:sp>
+        <p:nvSpPr>
+          <p:cNvPr id="108" name="PlaceHolder 3"/>
+          <p:cNvSpPr>
+            <a:spLocks noGrp="1"/>
+          </p:cNvSpPr>
+          <p:nvPr>
+            <p:ph type="sldNum" idx="11"/>
+          </p:nvPr>
+        </p:nvSpPr>
+        <p:spPr>
+          <a:xfrm>
+            <a:off x="3884760" y="8685360"/>
+            <a:ext cx="2971440" cy="458280"/>
+          </a:xfrm>
+          <a:prstGeom prst="rect">
+            <a:avLst/>
+          </a:prstGeom>
+          <a:noFill/>
+          <a:ln w="0">
+            <a:noFill/>
+          </a:ln>
+        </p:spPr>
+        <p:txBody>
+          <a:bodyPr lIns="91440" rIns="91440" tIns="45720" bIns="45720" anchor="b">
+            <a:noAutofit/>
+          </a:bodyPr>
+          <a:lstStyle>
+            <a:lvl1pPr indent="0" algn="r">
+              <a:lnSpc>
+                <a:spcPct val="100000"/>
+              </a:lnSpc>
+              <a:buNone/>
+              <a:defRPr b="0" lang="en-US" sz="1200" strike="noStrike" u="none">
+                <a:solidFill>
+                  <a:srgbClr val="000000"/>
+                </a:solidFill>
+                <a:effectLst/>
+                <a:uFillTx/>
+                <a:latin typeface="Times New Roman"/>
+              </a:defRPr>
+            </a:lvl1pPr>
+          </a:lstStyle>
+          <a:p>
+            <a:pPr indent="0" algn="r">
+              <a:lnSpc>
+                <a:spcPct val="100000"/>
+              </a:lnSpc>
+              <a:buNone/>
+            </a:pPr>
+            <a:fld id="{67151853-3E27-47E5-8691-DE38C9EFC4F4}" type="slidenum">
               <a:rPr b="0" lang="en-US" sz="1200" strike="noStrike" u="none">
                 <a:solidFill>
                   <a:srgbClr val="000000"/>
@@ -1257,271 +1257,7 @@
                 <a:uFillTx/>
                 <a:latin typeface="Calibri Light"/>
               </a:rPr>
-              <a:t>C</a:t>
-            </a:r>
-            <a:r>
-              <a:rPr b="0" lang="en-US" sz="4400" strike="noStrike" u="none">
-                <a:solidFill>
-                  <a:schemeClr val="dk1"/>
-                </a:solidFill>
-                <a:effectLst/>
-                <a:uFillTx/>
-                <a:latin typeface="Calibri Light"/>
-              </a:rPr>
-              <a:t>li</a:t>
-            </a:r>
-            <a:r>
-              <a:rPr b="0" lang="en-US" sz="4400" strike="noStrike" u="none">
-                <a:solidFill>
-                  <a:schemeClr val="dk1"/>
-                </a:solidFill>
-                <a:effectLst/>
-                <a:uFillTx/>
-                <a:latin typeface="Calibri Light"/>
-              </a:rPr>
-              <a:t>c</a:t>
-            </a:r>
-            <a:r>
-              <a:rPr b="0" lang="en-US" sz="4400" strike="noStrike" u="none">
-                <a:solidFill>
-                  <a:schemeClr val="dk1"/>
-                </a:solidFill>
-                <a:effectLst/>
-                <a:uFillTx/>
-                <a:latin typeface="Calibri Light"/>
-              </a:rPr>
-              <a:t>k </a:t>
-            </a:r>
-            <a:r>
-              <a:rPr b="0" lang="en-US" sz="4400" strike="noStrike" u="none">
-                <a:solidFill>
-                  <a:schemeClr val="dk1"/>
-                </a:solidFill>
-                <a:effectLst/>
-                <a:uFillTx/>
-                <a:latin typeface="Calibri Light"/>
-              </a:rPr>
-              <a:t>t</a:t>
-            </a:r>
-            <a:r>
-              <a:rPr b="0" lang="en-US" sz="4400" strike="noStrike" u="none">
-                <a:solidFill>
-                  <a:schemeClr val="dk1"/>
-                </a:solidFill>
-                <a:effectLst/>
-                <a:uFillTx/>
-                <a:latin typeface="Calibri Light"/>
-              </a:rPr>
-              <a:t>o </a:t>
-            </a:r>
-            <a:r>
-              <a:rPr b="0" lang="en-US" sz="4400" strike="noStrike" u="none">
-                <a:solidFill>
-                  <a:schemeClr val="dk1"/>
-                </a:solidFill>
-                <a:effectLst/>
-                <a:uFillTx/>
-                <a:latin typeface="Calibri Light"/>
-              </a:rPr>
-              <a:t>e</a:t>
-            </a:r>
-            <a:r>
-              <a:rPr b="0" lang="en-US" sz="4400" strike="noStrike" u="none">
-                <a:solidFill>
-                  <a:schemeClr val="dk1"/>
-                </a:solidFill>
-                <a:effectLst/>
-                <a:uFillTx/>
-                <a:latin typeface="Calibri Light"/>
-              </a:rPr>
-              <a:t>d</a:t>
-            </a:r>
-            <a:r>
-              <a:rPr b="0" lang="en-US" sz="4400" strike="noStrike" u="none">
-                <a:solidFill>
-                  <a:schemeClr val="dk1"/>
-                </a:solidFill>
-                <a:effectLst/>
-                <a:uFillTx/>
-                <a:latin typeface="Calibri Light"/>
-              </a:rPr>
-              <a:t>it </a:t>
-            </a:r>
-            <a:r>
-              <a:rPr b="0" lang="en-US" sz="4400" strike="noStrike" u="none">
-                <a:solidFill>
-                  <a:schemeClr val="dk1"/>
-                </a:solidFill>
-                <a:effectLst/>
-                <a:uFillTx/>
-                <a:latin typeface="Calibri Light"/>
-              </a:rPr>
-              <a:t>t</a:t>
-            </a:r>
-            <a:r>
-              <a:rPr b="0" lang="en-US" sz="4400" strike="noStrike" u="none">
-                <a:solidFill>
-                  <a:schemeClr val="dk1"/>
-                </a:solidFill>
-                <a:effectLst/>
-                <a:uFillTx/>
-                <a:latin typeface="Calibri Light"/>
-              </a:rPr>
-              <a:t>h</a:t>
-            </a:r>
-            <a:r>
-              <a:rPr b="0" lang="en-US" sz="4400" strike="noStrike" u="none">
-                <a:solidFill>
-                  <a:schemeClr val="dk1"/>
-                </a:solidFill>
-                <a:effectLst/>
-                <a:uFillTx/>
-                <a:latin typeface="Calibri Light"/>
-              </a:rPr>
-              <a:t>e </a:t>
-            </a:r>
-            <a:r>
-              <a:rPr b="0" lang="en-US" sz="4400" strike="noStrike" u="none">
-                <a:solidFill>
-                  <a:schemeClr val="dk1"/>
-                </a:solidFill>
-                <a:effectLst/>
-                <a:uFillTx/>
-                <a:latin typeface="Calibri Light"/>
-              </a:rPr>
-              <a:t>ti</a:t>
-            </a:r>
-            <a:r>
-              <a:rPr b="0" lang="en-US" sz="4400" strike="noStrike" u="none">
-                <a:solidFill>
-                  <a:schemeClr val="dk1"/>
-                </a:solidFill>
-                <a:effectLst/>
-                <a:uFillTx/>
-                <a:latin typeface="Calibri Light"/>
-              </a:rPr>
-              <a:t>tl</a:t>
-            </a:r>
-            <a:r>
-              <a:rPr b="0" lang="en-US" sz="4400" strike="noStrike" u="none">
-                <a:solidFill>
-                  <a:schemeClr val="dk1"/>
-                </a:solidFill>
-                <a:effectLst/>
-                <a:uFillTx/>
-                <a:latin typeface="Calibri Light"/>
-              </a:rPr>
-              <a:t>e </a:t>
-            </a:r>
-            <a:r>
-              <a:rPr b="0" lang="en-US" sz="4400" strike="noStrike" u="none">
-                <a:solidFill>
-                  <a:schemeClr val="dk1"/>
-                </a:solidFill>
-                <a:effectLst/>
-                <a:uFillTx/>
-                <a:latin typeface="Calibri Light"/>
-              </a:rPr>
-              <a:t>t</a:t>
-            </a:r>
-            <a:r>
-              <a:rPr b="0" lang="en-US" sz="4400" strike="noStrike" u="none">
-                <a:solidFill>
-                  <a:schemeClr val="dk1"/>
-                </a:solidFill>
-                <a:effectLst/>
-                <a:uFillTx/>
-                <a:latin typeface="Calibri Light"/>
-              </a:rPr>
-              <a:t>e</a:t>
-            </a:r>
-            <a:r>
-              <a:rPr b="0" lang="en-US" sz="4400" strike="noStrike" u="none">
-                <a:solidFill>
-                  <a:schemeClr val="dk1"/>
-                </a:solidFill>
-                <a:effectLst/>
-                <a:uFillTx/>
-                <a:latin typeface="Calibri Light"/>
-              </a:rPr>
-              <a:t>x</a:t>
-            </a:r>
-            <a:r>
-              <a:rPr b="0" lang="en-US" sz="4400" strike="noStrike" u="none">
-                <a:solidFill>
-                  <a:schemeClr val="dk1"/>
-                </a:solidFill>
-                <a:effectLst/>
-                <a:uFillTx/>
-                <a:latin typeface="Calibri Light"/>
-              </a:rPr>
-              <a:t>t </a:t>
-            </a:r>
-            <a:r>
-              <a:rPr b="0" lang="en-US" sz="4400" strike="noStrike" u="none">
-                <a:solidFill>
-                  <a:schemeClr val="dk1"/>
-                </a:solidFill>
-                <a:effectLst/>
-                <a:uFillTx/>
-                <a:latin typeface="Calibri Light"/>
-              </a:rPr>
-              <a:t>f</a:t>
-            </a:r>
-            <a:r>
-              <a:rPr b="0" lang="en-US" sz="4400" strike="noStrike" u="none">
-                <a:solidFill>
-                  <a:schemeClr val="dk1"/>
-                </a:solidFill>
-                <a:effectLst/>
-                <a:uFillTx/>
-                <a:latin typeface="Calibri Light"/>
-              </a:rPr>
-              <a:t>o</a:t>
-            </a:r>
-            <a:r>
-              <a:rPr b="0" lang="en-US" sz="4400" strike="noStrike" u="none">
-                <a:solidFill>
-                  <a:schemeClr val="dk1"/>
-                </a:solidFill>
-                <a:effectLst/>
-                <a:uFillTx/>
-                <a:latin typeface="Calibri Light"/>
-              </a:rPr>
-              <a:t>r</a:t>
-            </a:r>
-            <a:r>
-              <a:rPr b="0" lang="en-US" sz="4400" strike="noStrike" u="none">
-                <a:solidFill>
-                  <a:schemeClr val="dk1"/>
-                </a:solidFill>
-                <a:effectLst/>
-                <a:uFillTx/>
-                <a:latin typeface="Calibri Light"/>
-              </a:rPr>
-              <a:t>m</a:t>
-            </a:r>
-            <a:r>
-              <a:rPr b="0" lang="en-US" sz="4400" strike="noStrike" u="none">
-                <a:solidFill>
-                  <a:schemeClr val="dk1"/>
-                </a:solidFill>
-                <a:effectLst/>
-                <a:uFillTx/>
-                <a:latin typeface="Calibri Light"/>
-              </a:rPr>
-              <a:t>a</a:t>
-            </a:r>
-            <a:r>
-              <a:rPr b="0" lang="en-US" sz="4400" strike="noStrike" u="none">
-                <a:solidFill>
-                  <a:schemeClr val="dk1"/>
-                </a:solidFill>
-                <a:effectLst/>
-                <a:uFillTx/>
-                <a:latin typeface="Calibri Light"/>
-              </a:rPr>
-              <a:t>t</a:t>
+              <a:t>Click to edit the title text format</a:t>
             </a:r>
             <a:endParaRPr b="0" lang="en-US" sz="4400" strike="noStrike" u="none">
               <a:solidFill>
@@ -2410,7 +2146,18 @@
                 <a:uFillTx/>
                 <a:latin typeface="Calibri"/>
               </a:rPr>
-              <a:t>Click to edit the outline text format</a:t>
+              <a:t>Click to edit the outline </a:t>
+            </a:r>
+            <a:r>
+              <a:rPr b="0" lang="en-US" sz="3200" strike="noStrike" u="none">
+                <a:solidFill>
+                  <a:schemeClr val="dk1"/>
+                </a:solidFill>
+                <a:effectLst/>
+                <a:uFillTx/>
+                <a:latin typeface="Calibri"/>
+              </a:rPr>
+              <a:t>text format</a:t>
             </a:r>
             <a:endParaRPr b="0" lang="en-US" sz="3200" strike="noStrike" u="none">
               <a:solidFill>
@@ -2602,7 +2349,18 @@
                 <a:uFillTx/>
                 <a:latin typeface="Calibri"/>
               </a:rPr>
-              <a:t>Seventh Outline Level</a:t>
+              <a:t>Seventh Outline </a:t>
+            </a:r>
+            <a:r>
+              <a:rPr b="0" lang="en-US" sz="2000" strike="noStrike" u="none">
+                <a:solidFill>
+                  <a:schemeClr val="dk1"/>
+                </a:solidFill>
+                <a:effectLst/>
+                <a:uFillTx/>
+                <a:latin typeface="Calibri"/>
+              </a:rPr>
+              <a:t>Level</a:t>
             </a:r>
             <a:endParaRPr b="0" lang="en-US" sz="2000" strike="noStrike" u="none">
               <a:solidFill>
@@ -3449,6 +3207,420 @@
 </file>
 
 <file path=ppt/slideLayouts/slideLayout6.xml><?xml version="1.0" encoding="utf-8"?>
+<p:sldLayout xmlns:a="http://schemas.openxmlformats.org/drawingml/2006/main" xmlns:p="http://schemas.openxmlformats.org/presentationml/2006/main" xmlns:r="http://schemas.openxmlformats.org/officeDocument/2006/relationships" xmlns:p14="http://schemas.microsoft.com/office/powerpoint/2010/main" xmlns:p15="http://schemas.microsoft.com/office/powerpoint/2012/main" xmlns:mc="http://schemas.openxmlformats.org/markup-compatibility/2006" type="tx" preserve="1">
+  <p:cSld name="Slide 4 master_">
+    <p:spTree>
+      <p:nvGrpSpPr>
+        <p:cNvPr id="1" name=""/>
+        <p:cNvGrpSpPr/>
+        <p:nvPr/>
+      </p:nvGrpSpPr>
+      <p:grpSpPr>
+        <a:xfrm>
+          <a:off x="0" y="0"/>
+          <a:ext cx="0" cy="0"/>
+          <a:chOff x="0" y="0"/>
+          <a:chExt cx="0" cy="0"/>
+        </a:xfrm>
+      </p:grpSpPr>
+      <p:sp>
+        <p:nvSpPr>
+          <p:cNvPr id="18" name="Shape 0"/>
+          <p:cNvSpPr/>
+          <p:nvPr/>
+        </p:nvSpPr>
+        <p:spPr>
+          <a:xfrm>
+            <a:off x="0" y="0"/>
+            <a:ext cx="14630040" cy="8229240"/>
+          </a:xfrm>
+          <a:prstGeom prst="rect">
+            <a:avLst/>
+          </a:prstGeom>
+          <a:solidFill>
+            <a:srgbClr val="f5f5f5"/>
+          </a:solidFill>
+          <a:ln w="0">
+            <a:noFill/>
+          </a:ln>
+        </p:spPr>
+        <p:style>
+          <a:lnRef idx="0"/>
+          <a:fillRef idx="0"/>
+          <a:effectRef idx="0"/>
+          <a:fontRef idx="minor"/>
+        </p:style>
+        <p:txBody>
+          <a:bodyPr lIns="90000" rIns="90000" tIns="45000" bIns="45000" anchor="t">
+            <a:noAutofit/>
+          </a:bodyPr>
+          <a:p>
+            <a:endParaRPr b="0" lang="en-US" sz="1800" strike="noStrike" u="none">
+              <a:solidFill>
+                <a:srgbClr val="000000"/>
+              </a:solidFill>
+              <a:effectLst/>
+              <a:uFillTx/>
+              <a:latin typeface="Arial"/>
+            </a:endParaRPr>
+          </a:p>
+        </p:txBody>
+      </p:sp>
+      <p:sp>
+        <p:nvSpPr>
+          <p:cNvPr id="19" name="Shape 1"/>
+          <p:cNvSpPr/>
+          <p:nvPr/>
+        </p:nvSpPr>
+        <p:spPr>
+          <a:xfrm>
+            <a:off x="0" y="0"/>
+            <a:ext cx="14630040" cy="8229240"/>
+          </a:xfrm>
+          <a:prstGeom prst="rect">
+            <a:avLst/>
+          </a:prstGeom>
+          <a:solidFill>
+            <a:srgbClr val="ffffff"/>
+          </a:solidFill>
+          <a:ln w="0">
+            <a:noFill/>
+          </a:ln>
+        </p:spPr>
+        <p:style>
+          <a:lnRef idx="0"/>
+          <a:fillRef idx="0"/>
+          <a:effectRef idx="0"/>
+          <a:fontRef idx="minor"/>
+        </p:style>
+        <p:txBody>
+          <a:bodyPr lIns="90000" rIns="90000" tIns="45000" bIns="45000" anchor="t">
+            <a:noAutofit/>
+          </a:bodyPr>
+          <a:p>
+            <a:endParaRPr b="0" lang="en-US" sz="1800" strike="noStrike" u="none">
+              <a:solidFill>
+                <a:srgbClr val="000000"/>
+              </a:solidFill>
+              <a:effectLst/>
+              <a:uFillTx/>
+              <a:latin typeface="Arial"/>
+            </a:endParaRPr>
+          </a:p>
+        </p:txBody>
+      </p:sp>
+      <p:sp>
+        <p:nvSpPr>
+          <p:cNvPr id="20" name="PlaceHolder 1"/>
+          <p:cNvSpPr>
+            <a:spLocks noGrp="1"/>
+          </p:cNvSpPr>
+          <p:nvPr>
+            <p:ph type="title"/>
+          </p:nvPr>
+        </p:nvSpPr>
+        <p:spPr>
+          <a:xfrm>
+            <a:off x="731520" y="328320"/>
+            <a:ext cx="13167000" cy="1373760"/>
+          </a:xfrm>
+          <a:prstGeom prst="rect">
+            <a:avLst/>
+          </a:prstGeom>
+          <a:noFill/>
+          <a:ln w="0">
+            <a:noFill/>
+          </a:ln>
+        </p:spPr>
+        <p:txBody>
+          <a:bodyPr lIns="0" rIns="0" tIns="0" bIns="0" anchor="ctr">
+            <a:noAutofit/>
+          </a:bodyPr>
+          <a:p>
+            <a:pPr indent="0" algn="ctr">
+              <a:buNone/>
+            </a:pPr>
+            <a:r>
+              <a:rPr b="0" lang="en-US" sz="4400" strike="noStrike" u="none">
+                <a:solidFill>
+                  <a:schemeClr val="dk1"/>
+                </a:solidFill>
+                <a:effectLst/>
+                <a:uFillTx/>
+                <a:latin typeface="Calibri Light"/>
+              </a:rPr>
+              <a:t>Click to edit the title text format</a:t>
+            </a:r>
+            <a:endParaRPr b="0" lang="en-US" sz="4400" strike="noStrike" u="none">
+              <a:solidFill>
+                <a:schemeClr val="dk1"/>
+              </a:solidFill>
+              <a:effectLst/>
+              <a:uFillTx/>
+              <a:latin typeface="Calibri Light"/>
+            </a:endParaRPr>
+          </a:p>
+        </p:txBody>
+      </p:sp>
+      <p:sp>
+        <p:nvSpPr>
+          <p:cNvPr id="21" name="PlaceHolder 2"/>
+          <p:cNvSpPr>
+            <a:spLocks noGrp="1"/>
+          </p:cNvSpPr>
+          <p:nvPr>
+            <p:ph type="body"/>
+          </p:nvPr>
+        </p:nvSpPr>
+        <p:spPr>
+          <a:xfrm>
+            <a:off x="731520" y="1925640"/>
+            <a:ext cx="13167000" cy="4772520"/>
+          </a:xfrm>
+          <a:prstGeom prst="rect">
+            <a:avLst/>
+          </a:prstGeom>
+          <a:noFill/>
+          <a:ln w="0">
+            <a:noFill/>
+          </a:ln>
+        </p:spPr>
+        <p:txBody>
+          <a:bodyPr lIns="0" rIns="0" tIns="0" bIns="0" anchor="t">
+            <a:normAutofit/>
+          </a:bodyPr>
+          <a:p>
+            <a:pPr marL="432000" indent="-324000">
+              <a:spcBef>
+                <a:spcPts val="1417"/>
+              </a:spcBef>
+              <a:buClr>
+                <a:srgbClr val="ffffff"/>
+              </a:buClr>
+              <a:buSzPct val="45000"/>
+              <a:buFont typeface="Wingdings" charset="2"/>
+              <a:buChar char=""/>
+            </a:pPr>
+            <a:r>
+              <a:rPr b="0" lang="en-US" sz="3200" strike="noStrike" u="none">
+                <a:solidFill>
+                  <a:schemeClr val="dk1"/>
+                </a:solidFill>
+                <a:effectLst/>
+                <a:uFillTx/>
+                <a:latin typeface="Calibri"/>
+              </a:rPr>
+              <a:t>Click to edit the outline text format</a:t>
+            </a:r>
+            <a:endParaRPr b="0" lang="en-US" sz="3200" strike="noStrike" u="none">
+              <a:solidFill>
+                <a:schemeClr val="dk1"/>
+              </a:solidFill>
+              <a:effectLst/>
+              <a:uFillTx/>
+              <a:latin typeface="Calibri"/>
+            </a:endParaRPr>
+          </a:p>
+          <a:p>
+            <a:pPr lvl="1" marL="864000" indent="-324000">
+              <a:spcBef>
+                <a:spcPts val="1134"/>
+              </a:spcBef>
+              <a:buClr>
+                <a:srgbClr val="ffffff"/>
+              </a:buClr>
+              <a:buSzPct val="75000"/>
+              <a:buFont typeface="Symbol" charset="2"/>
+              <a:buChar char=""/>
+            </a:pPr>
+            <a:r>
+              <a:rPr b="0" lang="en-US" sz="2400" strike="noStrike" u="none">
+                <a:solidFill>
+                  <a:schemeClr val="dk1"/>
+                </a:solidFill>
+                <a:effectLst/>
+                <a:uFillTx/>
+                <a:latin typeface="Calibri"/>
+              </a:rPr>
+              <a:t>Second Outline Level</a:t>
+            </a:r>
+            <a:endParaRPr b="0" lang="en-US" sz="2400" strike="noStrike" u="none">
+              <a:solidFill>
+                <a:schemeClr val="dk1"/>
+              </a:solidFill>
+              <a:effectLst/>
+              <a:uFillTx/>
+              <a:latin typeface="Calibri"/>
+            </a:endParaRPr>
+          </a:p>
+          <a:p>
+            <a:pPr lvl="2" marL="1296000" indent="-288000">
+              <a:spcBef>
+                <a:spcPts val="850"/>
+              </a:spcBef>
+              <a:buClr>
+                <a:srgbClr val="ffffff"/>
+              </a:buClr>
+              <a:buSzPct val="45000"/>
+              <a:buFont typeface="Wingdings" charset="2"/>
+              <a:buChar char=""/>
+            </a:pPr>
+            <a:r>
+              <a:rPr b="0" lang="en-US" sz="2000" strike="noStrike" u="none">
+                <a:solidFill>
+                  <a:schemeClr val="dk1"/>
+                </a:solidFill>
+                <a:effectLst/>
+                <a:uFillTx/>
+                <a:latin typeface="Calibri"/>
+              </a:rPr>
+              <a:t>Third Outline Level</a:t>
+            </a:r>
+            <a:endParaRPr b="0" lang="en-US" sz="2000" strike="noStrike" u="none">
+              <a:solidFill>
+                <a:schemeClr val="dk1"/>
+              </a:solidFill>
+              <a:effectLst/>
+              <a:uFillTx/>
+              <a:latin typeface="Calibri"/>
+            </a:endParaRPr>
+          </a:p>
+          <a:p>
+            <a:pPr lvl="3" marL="1728000" indent="-216000">
+              <a:spcBef>
+                <a:spcPts val="567"/>
+              </a:spcBef>
+              <a:buClr>
+                <a:srgbClr val="ffffff"/>
+              </a:buClr>
+              <a:buSzPct val="75000"/>
+              <a:buFont typeface="Symbol" charset="2"/>
+              <a:buChar char=""/>
+            </a:pPr>
+            <a:r>
+              <a:rPr b="0" lang="en-US" sz="2000" strike="noStrike" u="none">
+                <a:solidFill>
+                  <a:schemeClr val="dk1"/>
+                </a:solidFill>
+                <a:effectLst/>
+                <a:uFillTx/>
+                <a:latin typeface="Calibri"/>
+              </a:rPr>
+              <a:t>Fourth Outline Level</a:t>
+            </a:r>
+            <a:endParaRPr b="0" lang="en-US" sz="2000" strike="noStrike" u="none">
+              <a:solidFill>
+                <a:schemeClr val="dk1"/>
+              </a:solidFill>
+              <a:effectLst/>
+              <a:uFillTx/>
+              <a:latin typeface="Calibri"/>
+            </a:endParaRPr>
+          </a:p>
+          <a:p>
+            <a:pPr lvl="4" marL="2160000" indent="-216000">
+              <a:spcBef>
+                <a:spcPts val="283"/>
+              </a:spcBef>
+              <a:buClr>
+                <a:srgbClr val="ffffff"/>
+              </a:buClr>
+              <a:buSzPct val="45000"/>
+              <a:buFont typeface="Wingdings" charset="2"/>
+              <a:buChar char=""/>
+            </a:pPr>
+            <a:r>
+              <a:rPr b="0" lang="en-US" sz="2000" strike="noStrike" u="none">
+                <a:solidFill>
+                  <a:schemeClr val="dk1"/>
+                </a:solidFill>
+                <a:effectLst/>
+                <a:uFillTx/>
+                <a:latin typeface="Calibri"/>
+              </a:rPr>
+              <a:t>Fifth Outline Level</a:t>
+            </a:r>
+            <a:endParaRPr b="0" lang="en-US" sz="2000" strike="noStrike" u="none">
+              <a:solidFill>
+                <a:schemeClr val="dk1"/>
+              </a:solidFill>
+              <a:effectLst/>
+              <a:uFillTx/>
+              <a:latin typeface="Calibri"/>
+            </a:endParaRPr>
+          </a:p>
+          <a:p>
+            <a:pPr lvl="5" marL="2592000" indent="-216000">
+              <a:spcBef>
+                <a:spcPts val="283"/>
+              </a:spcBef>
+              <a:buClr>
+                <a:srgbClr val="ffffff"/>
+              </a:buClr>
+              <a:buSzPct val="45000"/>
+              <a:buFont typeface="Wingdings" charset="2"/>
+              <a:buChar char=""/>
+            </a:pPr>
+            <a:r>
+              <a:rPr b="0" lang="en-US" sz="2000" strike="noStrike" u="none">
+                <a:solidFill>
+                  <a:schemeClr val="dk1"/>
+                </a:solidFill>
+                <a:effectLst/>
+                <a:uFillTx/>
+                <a:latin typeface="Calibri"/>
+              </a:rPr>
+              <a:t>Sixth Outline Level</a:t>
+            </a:r>
+            <a:endParaRPr b="0" lang="en-US" sz="2000" strike="noStrike" u="none">
+              <a:solidFill>
+                <a:schemeClr val="dk1"/>
+              </a:solidFill>
+              <a:effectLst/>
+              <a:uFillTx/>
+              <a:latin typeface="Calibri"/>
+            </a:endParaRPr>
+          </a:p>
+          <a:p>
+            <a:pPr lvl="6" marL="3024000" indent="-216000">
+              <a:spcBef>
+                <a:spcPts val="283"/>
+              </a:spcBef>
+              <a:buClr>
+                <a:srgbClr val="ffffff"/>
+              </a:buClr>
+              <a:buSzPct val="45000"/>
+              <a:buFont typeface="Wingdings" charset="2"/>
+              <a:buChar char=""/>
+            </a:pPr>
+            <a:r>
+              <a:rPr b="0" lang="en-US" sz="2000" strike="noStrike" u="none">
+                <a:solidFill>
+                  <a:schemeClr val="dk1"/>
+                </a:solidFill>
+                <a:effectLst/>
+                <a:uFillTx/>
+                <a:latin typeface="Calibri"/>
+              </a:rPr>
+              <a:t>Seventh Outline Level</a:t>
+            </a:r>
+            <a:endParaRPr b="0" lang="en-US" sz="2000" strike="noStrike" u="none">
+              <a:solidFill>
+                <a:schemeClr val="dk1"/>
+              </a:solidFill>
+              <a:effectLst/>
+              <a:uFillTx/>
+              <a:latin typeface="Calibri"/>
+            </a:endParaRPr>
+          </a:p>
+        </p:txBody>
+      </p:sp>
+    </p:spTree>
+  </p:cSld>
+</p:sldLayout>
+</file>
+
+<file path=ppt/slideLayouts/slideLayout7.xml><?xml version="1.0" encoding="utf-8"?>
 <p:sldLayout xmlns:a="http://schemas.openxmlformats.org/drawingml/2006/main" xmlns:p="http://schemas.openxmlformats.org/presentationml/2006/main" xmlns:r="http://schemas.openxmlformats.org/officeDocument/2006/relationships" xmlns:p14="http://schemas.microsoft.com/office/powerpoint/2010/main" xmlns:p15="http://schemas.microsoft.com/office/powerpoint/2012/main" xmlns:mc="http://schemas.openxmlformats.org/markup-compatibility/2006" type="blank" preserve="1">
   <p:cSld name="Slide 4 master_">
     <p:spTree>
@@ -3553,7 +3725,7 @@
       </p:sp>
       <p:sp>
         <p:nvSpPr>
-          <p:cNvPr id="20" name="PlaceHolder 1"/>
+          <p:cNvPr id="22" name="PlaceHolder 1"/>
           <p:cNvSpPr>
             <a:spLocks noGrp="1"/>
           </p:cNvSpPr>
@@ -3606,7 +3778,7 @@
       </p:sp>
       <p:sp>
         <p:nvSpPr>
-          <p:cNvPr id="21" name="PlaceHolder 2"/>
+          <p:cNvPr id="23" name="PlaceHolder 2"/>
           <p:cNvSpPr>
             <a:spLocks noGrp="1"/>
           </p:cNvSpPr>
@@ -3854,6 +4026,176 @@
               <a:uFillTx/>
               <a:latin typeface="Calibri"/>
             </a:endParaRPr>
+          </a:p>
+        </p:txBody>
+      </p:sp>
+    </p:spTree>
+  </p:cSld>
+</p:sldLayout>
+</file>
+
+<file path=ppt/slideLayouts/slideLayout8.xml><?xml version="1.0" encoding="utf-8"?>
+<p:sldLayout xmlns:a="http://schemas.openxmlformats.org/drawingml/2006/main" xmlns:p="http://schemas.openxmlformats.org/presentationml/2006/main" xmlns:r="http://schemas.openxmlformats.org/officeDocument/2006/relationships" xmlns:p14="http://schemas.microsoft.com/office/powerpoint/2010/main" xmlns:p15="http://schemas.microsoft.com/office/powerpoint/2012/main" xmlns:mc="http://schemas.openxmlformats.org/markup-compatibility/2006" type="obj" preserve="1">
+  <p:cSld name="Titel und Inhalt">
+    <p:spTree>
+      <p:nvGrpSpPr>
+        <p:cNvPr id="1" name=""/>
+        <p:cNvGrpSpPr/>
+        <p:nvPr/>
+      </p:nvGrpSpPr>
+      <p:grpSpPr>
+        <a:xfrm>
+          <a:off x="0" y="0"/>
+          <a:ext cx="0" cy="0"/>
+          <a:chOff x="0" y="0"/>
+          <a:chExt cx="0" cy="0"/>
+        </a:xfrm>
+      </p:grpSpPr>
+      <p:sp>
+        <p:nvSpPr>
+          <p:cNvPr id="29" name="PlaceHolder 1"/>
+          <p:cNvSpPr>
+            <a:spLocks noGrp="1"/>
+          </p:cNvSpPr>
+          <p:nvPr>
+            <p:ph type="title"/>
+          </p:nvPr>
+        </p:nvSpPr>
+        <p:spPr>
+          <a:xfrm>
+            <a:off x="731520" y="328320"/>
+            <a:ext cx="13167000" cy="1373760"/>
+          </a:xfrm>
+          <a:prstGeom prst="rect">
+            <a:avLst/>
+          </a:prstGeom>
+          <a:noFill/>
+          <a:ln w="0">
+            <a:noFill/>
+          </a:ln>
+        </p:spPr>
+        <p:txBody>
+          <a:bodyPr lIns="0" rIns="0" tIns="0" bIns="0" anchor="ctr">
+            <a:spAutoFit/>
+          </a:bodyPr>
+          <a:p>
+            <a:pPr indent="0" algn="ctr">
+              <a:buNone/>
+            </a:pPr>
+            <a:endParaRPr b="0" lang="en-US" sz="4400" strike="noStrike" u="none">
+              <a:solidFill>
+                <a:schemeClr val="dk1"/>
+              </a:solidFill>
+              <a:effectLst/>
+              <a:uFillTx/>
+              <a:latin typeface="Calibri Light"/>
+            </a:endParaRPr>
+          </a:p>
+        </p:txBody>
+      </p:sp>
+      <p:sp>
+        <p:nvSpPr>
+          <p:cNvPr id="30" name="PlaceHolder 2"/>
+          <p:cNvSpPr>
+            <a:spLocks noGrp="1"/>
+          </p:cNvSpPr>
+          <p:nvPr>
+            <p:ph/>
+          </p:nvPr>
+        </p:nvSpPr>
+        <p:spPr>
+          <a:xfrm>
+            <a:off x="731520" y="1925640"/>
+            <a:ext cx="13167000" cy="4772520"/>
+          </a:xfrm>
+          <a:prstGeom prst="rect">
+            <a:avLst/>
+          </a:prstGeom>
+          <a:noFill/>
+          <a:ln w="0">
+            <a:noFill/>
+          </a:ln>
+        </p:spPr>
+        <p:txBody>
+          <a:bodyPr lIns="0" rIns="0" tIns="0" bIns="0" anchor="t">
+            <a:normAutofit/>
+          </a:bodyPr>
+          <a:p>
+            <a:pPr indent="0">
+              <a:spcBef>
+                <a:spcPts val="1417"/>
+              </a:spcBef>
+              <a:buNone/>
+            </a:pPr>
+            <a:endParaRPr b="0" lang="en-US" sz="3200" strike="noStrike" u="none">
+              <a:solidFill>
+                <a:schemeClr val="dk1"/>
+              </a:solidFill>
+              <a:effectLst/>
+              <a:uFillTx/>
+              <a:latin typeface="Calibri"/>
+            </a:endParaRPr>
+          </a:p>
+        </p:txBody>
+      </p:sp>
+      <p:sp>
+        <p:nvSpPr>
+          <p:cNvPr id="4" name="PlaceHolder 3"/>
+          <p:cNvSpPr>
+            <a:spLocks noGrp="1"/>
+          </p:cNvSpPr>
+          <p:nvPr>
+            <p:ph type="ftr" idx="2"/>
+          </p:nvPr>
+        </p:nvSpPr>
+        <p:spPr/>
+        <p:txBody>
+          <a:bodyPr/>
+          <a:p>
+            <a:r>
+              <a:t>Footer</a:t>
+            </a:r>
+          </a:p>
+        </p:txBody>
+      </p:sp>
+      <p:sp>
+        <p:nvSpPr>
+          <p:cNvPr id="5" name="PlaceHolder 4"/>
+          <p:cNvSpPr>
+            <a:spLocks noGrp="1"/>
+          </p:cNvSpPr>
+          <p:nvPr>
+            <p:ph type="sldNum" idx="3"/>
+          </p:nvPr>
+        </p:nvSpPr>
+        <p:spPr/>
+        <p:txBody>
+          <a:bodyPr/>
+          <a:p>
+            <a:fld id="{3D2CA940-5F03-4323-817B-9D569A267618}" type="slidenum">
+              <a:t>&lt;#&gt;</a:t>
+            </a:fld>
+          </a:p>
+        </p:txBody>
+      </p:sp>
+      <p:sp>
+        <p:nvSpPr>
+          <p:cNvPr id="6" name="PlaceHolder 5"/>
+          <p:cNvSpPr>
+            <a:spLocks noGrp="1"/>
+          </p:cNvSpPr>
+          <p:nvPr>
+            <p:ph type="dt" idx="1"/>
+          </p:nvPr>
+        </p:nvSpPr>
+        <p:spPr/>
+        <p:txBody>
+          <a:bodyPr/>
+          <a:p>
+            <a:r>
+              <a:rPr lang="en-US"/>
+              <a:t/>
+            </a:r>
           </a:p>
         </p:txBody>
       </p:sp>
@@ -3889,13 +4231,21 @@
     <p:sldLayoutId id="2147483652" r:id="rId5"/>
     <p:sldLayoutId id="2147483653" r:id="rId6"/>
     <p:sldLayoutId id="2147483654" r:id="rId7"/>
+    <p:sldLayoutId id="2147483655" r:id="rId8"/>
   </p:sldLayoutIdLst>
 </p:sldMaster>
 </file>
 
-<file path=ppt/slides/slide1.xml><?xml version="1.0" encoding="utf-8"?>
-<p:sld xmlns:a="http://schemas.openxmlformats.org/drawingml/2006/main" xmlns:p="http://schemas.openxmlformats.org/presentationml/2006/main" xmlns:r="http://schemas.openxmlformats.org/officeDocument/2006/relationships" xmlns:p14="http://schemas.microsoft.com/office/powerpoint/2010/main" xmlns:p15="http://schemas.microsoft.com/office/powerpoint/2012/main" xmlns:mc="http://schemas.openxmlformats.org/markup-compatibility/2006">
+<file path=ppt/slideMasters/slideMaster7.xml><?xml version="1.0" encoding="utf-8"?>
+<p:sldMaster xmlns:a="http://schemas.openxmlformats.org/drawingml/2006/main" xmlns:p="http://schemas.openxmlformats.org/presentationml/2006/main" xmlns:r="http://schemas.openxmlformats.org/officeDocument/2006/relationships" xmlns:p14="http://schemas.microsoft.com/office/powerpoint/2010/main" xmlns:p15="http://schemas.microsoft.com/office/powerpoint/2012/main" xmlns:mc="http://schemas.openxmlformats.org/markup-compatibility/2006">
   <p:cSld>
+    <p:bg>
+      <p:bgPr>
+        <a:solidFill>
+          <a:srgbClr val="ffffff"/>
+        </a:solidFill>
+      </p:bgPr>
+    </p:bg>
     <p:spTree>
       <p:nvGrpSpPr>
         <p:cNvPr id="1" name=""/>
@@ -3912,19 +4262,1134 @@
       </p:grpSpPr>
       <p:sp>
         <p:nvSpPr>
-          <p:cNvPr id="28" name="Text 0"/>
+          <p:cNvPr id="24" name="PlaceHolder 1"/>
+          <p:cNvSpPr>
+            <a:spLocks noGrp="1"/>
+          </p:cNvSpPr>
+          <p:nvPr>
+            <p:ph type="title"/>
+          </p:nvPr>
+        </p:nvSpPr>
+        <p:spPr>
+          <a:xfrm>
+            <a:off x="1005480" y="437760"/>
+            <a:ext cx="12618000" cy="1590120"/>
+          </a:xfrm>
+          <a:prstGeom prst="rect">
+            <a:avLst/>
+          </a:prstGeom>
+          <a:noFill/>
+          <a:ln w="0">
+            <a:noFill/>
+          </a:ln>
+        </p:spPr>
+        <p:txBody>
+          <a:bodyPr lIns="91440" rIns="91440" tIns="45720" bIns="45720" anchor="ctr">
+            <a:noAutofit/>
+          </a:bodyPr>
+          <a:p>
+            <a:pPr indent="0" defTabSz="914400">
+              <a:lnSpc>
+                <a:spcPct val="90000"/>
+              </a:lnSpc>
+              <a:buNone/>
+            </a:pPr>
+            <a:r>
+              <a:rPr b="0" lang="de-DE" sz="4400" strike="noStrike" u="none">
+                <a:solidFill>
+                  <a:schemeClr val="dk1"/>
+                </a:solidFill>
+                <a:effectLst/>
+                <a:uFillTx/>
+                <a:latin typeface="Aptos Display"/>
+              </a:rPr>
+              <a:t>Mastertitelformat bearbeiten</a:t>
+            </a:r>
+            <a:endParaRPr b="0" lang="de-DE" sz="4400" strike="noStrike" u="none">
+              <a:solidFill>
+                <a:schemeClr val="dk1"/>
+              </a:solidFill>
+              <a:effectLst/>
+              <a:uFillTx/>
+              <a:latin typeface="Aptos"/>
+            </a:endParaRPr>
+          </a:p>
+        </p:txBody>
+      </p:sp>
+      <p:sp>
+        <p:nvSpPr>
+          <p:cNvPr id="25" name="PlaceHolder 2"/>
+          <p:cNvSpPr>
+            <a:spLocks noGrp="1"/>
+          </p:cNvSpPr>
+          <p:nvPr>
+            <p:ph type="body"/>
+          </p:nvPr>
+        </p:nvSpPr>
+        <p:spPr>
+          <a:xfrm>
+            <a:off x="1005480" y="2190600"/>
+            <a:ext cx="12618000" cy="5221080"/>
+          </a:xfrm>
+          <a:prstGeom prst="rect">
+            <a:avLst/>
+          </a:prstGeom>
+          <a:noFill/>
+          <a:ln w="0">
+            <a:noFill/>
+          </a:ln>
+        </p:spPr>
+        <p:txBody>
+          <a:bodyPr lIns="91440" rIns="91440" tIns="45720" bIns="45720" anchor="t">
+            <a:noAutofit/>
+          </a:bodyPr>
+          <a:p>
+            <a:pPr marL="228600" indent="-228600" defTabSz="914400">
+              <a:lnSpc>
+                <a:spcPct val="90000"/>
+              </a:lnSpc>
+              <a:spcBef>
+                <a:spcPts val="1001"/>
+              </a:spcBef>
+              <a:buClr>
+                <a:srgbClr val="000000"/>
+              </a:buClr>
+              <a:buFont typeface="Arial"/>
+              <a:buChar char="•"/>
+            </a:pPr>
+            <a:r>
+              <a:rPr b="0" lang="de-DE" sz="2800" strike="noStrike" u="none">
+                <a:solidFill>
+                  <a:schemeClr val="dk1"/>
+                </a:solidFill>
+                <a:effectLst/>
+                <a:uFillTx/>
+                <a:latin typeface="Aptos"/>
+              </a:rPr>
+              <a:t>Mastertextformat bearbeiten</a:t>
+            </a:r>
+            <a:endParaRPr b="0" lang="de-DE" sz="2800" strike="noStrike" u="none">
+              <a:solidFill>
+                <a:schemeClr val="dk1"/>
+              </a:solidFill>
+              <a:effectLst/>
+              <a:uFillTx/>
+              <a:latin typeface="Aptos"/>
+            </a:endParaRPr>
+          </a:p>
+          <a:p>
+            <a:pPr lvl="1" marL="685800" indent="-228600" defTabSz="914400">
+              <a:lnSpc>
+                <a:spcPct val="90000"/>
+              </a:lnSpc>
+              <a:spcBef>
+                <a:spcPts val="499"/>
+              </a:spcBef>
+              <a:buClr>
+                <a:srgbClr val="000000"/>
+              </a:buClr>
+              <a:buFont typeface="Arial"/>
+              <a:buChar char="•"/>
+            </a:pPr>
+            <a:r>
+              <a:rPr b="0" lang="de-DE" sz="2400" strike="noStrike" u="none">
+                <a:solidFill>
+                  <a:schemeClr val="dk1"/>
+                </a:solidFill>
+                <a:effectLst/>
+                <a:uFillTx/>
+                <a:latin typeface="Aptos"/>
+              </a:rPr>
+              <a:t>Zweite Ebene</a:t>
+            </a:r>
+            <a:endParaRPr b="0" lang="de-DE" sz="2400" strike="noStrike" u="none">
+              <a:solidFill>
+                <a:schemeClr val="dk1"/>
+              </a:solidFill>
+              <a:effectLst/>
+              <a:uFillTx/>
+              <a:latin typeface="Aptos"/>
+            </a:endParaRPr>
+          </a:p>
+          <a:p>
+            <a:pPr lvl="2" marL="1143000" indent="-228600" defTabSz="914400">
+              <a:lnSpc>
+                <a:spcPct val="90000"/>
+              </a:lnSpc>
+              <a:spcBef>
+                <a:spcPts val="499"/>
+              </a:spcBef>
+              <a:buClr>
+                <a:srgbClr val="000000"/>
+              </a:buClr>
+              <a:buFont typeface="Arial"/>
+              <a:buChar char="•"/>
+            </a:pPr>
+            <a:r>
+              <a:rPr b="0" lang="de-DE" sz="2000" strike="noStrike" u="none">
+                <a:solidFill>
+                  <a:schemeClr val="dk1"/>
+                </a:solidFill>
+                <a:effectLst/>
+                <a:uFillTx/>
+                <a:latin typeface="Aptos"/>
+              </a:rPr>
+              <a:t>Dritte Ebene</a:t>
+            </a:r>
+            <a:endParaRPr b="0" lang="de-DE" sz="2000" strike="noStrike" u="none">
+              <a:solidFill>
+                <a:schemeClr val="dk1"/>
+              </a:solidFill>
+              <a:effectLst/>
+              <a:uFillTx/>
+              <a:latin typeface="Aptos"/>
+            </a:endParaRPr>
+          </a:p>
+          <a:p>
+            <a:pPr lvl="3" marL="1600200" indent="-228600" defTabSz="914400">
+              <a:lnSpc>
+                <a:spcPct val="90000"/>
+              </a:lnSpc>
+              <a:spcBef>
+                <a:spcPts val="499"/>
+              </a:spcBef>
+              <a:buClr>
+                <a:srgbClr val="000000"/>
+              </a:buClr>
+              <a:buFont typeface="Arial"/>
+              <a:buChar char="•"/>
+            </a:pPr>
+            <a:r>
+              <a:rPr b="0" lang="de-DE" sz="1800" strike="noStrike" u="none">
+                <a:solidFill>
+                  <a:schemeClr val="dk1"/>
+                </a:solidFill>
+                <a:effectLst/>
+                <a:uFillTx/>
+                <a:latin typeface="Aptos"/>
+              </a:rPr>
+              <a:t>Vierte Ebene</a:t>
+            </a:r>
+            <a:endParaRPr b="0" lang="de-DE" sz="1800" strike="noStrike" u="none">
+              <a:solidFill>
+                <a:schemeClr val="dk1"/>
+              </a:solidFill>
+              <a:effectLst/>
+              <a:uFillTx/>
+              <a:latin typeface="Aptos"/>
+            </a:endParaRPr>
+          </a:p>
+          <a:p>
+            <a:pPr lvl="4" marL="2057400" indent="-228600" defTabSz="914400">
+              <a:lnSpc>
+                <a:spcPct val="90000"/>
+              </a:lnSpc>
+              <a:spcBef>
+                <a:spcPts val="499"/>
+              </a:spcBef>
+              <a:buClr>
+                <a:srgbClr val="000000"/>
+              </a:buClr>
+              <a:buFont typeface="Arial"/>
+              <a:buChar char="•"/>
+            </a:pPr>
+            <a:r>
+              <a:rPr b="0" lang="de-DE" sz="1800" strike="noStrike" u="none">
+                <a:solidFill>
+                  <a:schemeClr val="dk1"/>
+                </a:solidFill>
+                <a:effectLst/>
+                <a:uFillTx/>
+                <a:latin typeface="Aptos"/>
+              </a:rPr>
+              <a:t>Fünfte Ebene</a:t>
+            </a:r>
+            <a:endParaRPr b="0" lang="de-DE" sz="1800" strike="noStrike" u="none">
+              <a:solidFill>
+                <a:schemeClr val="dk1"/>
+              </a:solidFill>
+              <a:effectLst/>
+              <a:uFillTx/>
+              <a:latin typeface="Aptos"/>
+            </a:endParaRPr>
+          </a:p>
+        </p:txBody>
+      </p:sp>
+      <p:sp>
+        <p:nvSpPr>
+          <p:cNvPr id="26" name="PlaceHolder 3"/>
+          <p:cNvSpPr>
+            <a:spLocks noGrp="1"/>
+          </p:cNvSpPr>
+          <p:nvPr>
+            <p:ph type="dt" idx="1"/>
+          </p:nvPr>
+        </p:nvSpPr>
+        <p:spPr>
+          <a:xfrm>
+            <a:off x="1005480" y="7627680"/>
+            <a:ext cx="3291480" cy="437760"/>
+          </a:xfrm>
+          <a:prstGeom prst="rect">
+            <a:avLst/>
+          </a:prstGeom>
+          <a:noFill/>
+          <a:ln w="0">
+            <a:noFill/>
+          </a:ln>
+        </p:spPr>
+        <p:txBody>
+          <a:bodyPr lIns="91440" rIns="91440" tIns="45720" bIns="45720" anchor="ctr">
+            <a:noAutofit/>
+          </a:bodyPr>
+          <a:lstStyle>
+            <a:lvl1pPr indent="0" defTabSz="914400">
+              <a:lnSpc>
+                <a:spcPct val="100000"/>
+              </a:lnSpc>
+              <a:buNone/>
+              <a:defRPr b="0" lang="en-GB" sz="1200" strike="noStrike" u="none">
+                <a:solidFill>
+                  <a:schemeClr val="dk1">
+                    <a:tint val="82000"/>
+                  </a:schemeClr>
+                </a:solidFill>
+                <a:effectLst/>
+                <a:uFillTx/>
+                <a:latin typeface="Aptos"/>
+              </a:defRPr>
+            </a:lvl1pPr>
+          </a:lstStyle>
+          <a:p>
+            <a:pPr indent="0" defTabSz="914400">
+              <a:lnSpc>
+                <a:spcPct val="100000"/>
+              </a:lnSpc>
+              <a:buNone/>
+            </a:pPr>
+            <a:r>
+              <a:rPr b="0" lang="en-GB" sz="1200" strike="noStrike" u="none">
+                <a:solidFill>
+                  <a:schemeClr val="dk1">
+                    <a:tint val="82000"/>
+                  </a:schemeClr>
+                </a:solidFill>
+                <a:effectLst/>
+                <a:uFillTx/>
+                <a:latin typeface="Aptos"/>
+              </a:rPr>
+              <a:t>&lt;date/time&gt;</a:t>
+            </a:r>
+            <a:endParaRPr b="0" lang="en-US" sz="1200" strike="noStrike" u="none">
+              <a:solidFill>
+                <a:srgbClr val="000000"/>
+              </a:solidFill>
+              <a:effectLst/>
+              <a:uFillTx/>
+              <a:latin typeface="Times New Roman"/>
+            </a:endParaRPr>
+          </a:p>
+        </p:txBody>
+      </p:sp>
+      <p:sp>
+        <p:nvSpPr>
+          <p:cNvPr id="27" name="PlaceHolder 4"/>
+          <p:cNvSpPr>
+            <a:spLocks noGrp="1"/>
+          </p:cNvSpPr>
+          <p:nvPr>
+            <p:ph type="ftr" idx="2"/>
+          </p:nvPr>
+        </p:nvSpPr>
+        <p:spPr>
+          <a:xfrm>
+            <a:off x="4845960" y="7627680"/>
+            <a:ext cx="4937400" cy="437760"/>
+          </a:xfrm>
+          <a:prstGeom prst="rect">
+            <a:avLst/>
+          </a:prstGeom>
+          <a:noFill/>
+          <a:ln w="0">
+            <a:noFill/>
+          </a:ln>
+        </p:spPr>
+        <p:txBody>
+          <a:bodyPr lIns="91440" rIns="91440" tIns="45720" bIns="45720" anchor="ctr">
+            <a:noAutofit/>
+          </a:bodyPr>
+          <a:lstStyle>
+            <a:lvl1pPr indent="0" algn="ctr">
+              <a:buNone/>
+              <a:defRPr b="0" lang="en-US" sz="1400" strike="noStrike" u="none">
+                <a:solidFill>
+                  <a:srgbClr val="000000"/>
+                </a:solidFill>
+                <a:effectLst/>
+                <a:uFillTx/>
+                <a:latin typeface="Times New Roman"/>
+              </a:defRPr>
+            </a:lvl1pPr>
+          </a:lstStyle>
+          <a:p>
+            <a:pPr indent="0" algn="ctr">
+              <a:buNone/>
+            </a:pPr>
+            <a:r>
+              <a:rPr b="0" lang="en-US" sz="1400" strike="noStrike" u="none">
+                <a:solidFill>
+                  <a:srgbClr val="000000"/>
+                </a:solidFill>
+                <a:effectLst/>
+                <a:uFillTx/>
+                <a:latin typeface="Times New Roman"/>
+              </a:rPr>
+              <a:t>&lt;footer&gt;</a:t>
+            </a:r>
+            <a:endParaRPr b="0" lang="en-US" sz="1400" strike="noStrike" u="none">
+              <a:solidFill>
+                <a:srgbClr val="000000"/>
+              </a:solidFill>
+              <a:effectLst/>
+              <a:uFillTx/>
+              <a:latin typeface="Times New Roman"/>
+            </a:endParaRPr>
+          </a:p>
+        </p:txBody>
+      </p:sp>
+      <p:sp>
+        <p:nvSpPr>
+          <p:cNvPr id="28" name="PlaceHolder 5"/>
+          <p:cNvSpPr>
+            <a:spLocks noGrp="1"/>
+          </p:cNvSpPr>
+          <p:nvPr>
+            <p:ph type="sldNum" idx="3"/>
+          </p:nvPr>
+        </p:nvSpPr>
+        <p:spPr>
+          <a:xfrm>
+            <a:off x="10332360" y="7627680"/>
+            <a:ext cx="3291480" cy="437760"/>
+          </a:xfrm>
+          <a:prstGeom prst="rect">
+            <a:avLst/>
+          </a:prstGeom>
+          <a:noFill/>
+          <a:ln w="0">
+            <a:noFill/>
+          </a:ln>
+        </p:spPr>
+        <p:txBody>
+          <a:bodyPr lIns="91440" rIns="91440" tIns="45720" bIns="45720" anchor="ctr">
+            <a:noAutofit/>
+          </a:bodyPr>
+          <a:lstStyle>
+            <a:lvl1pPr indent="0" algn="r" defTabSz="914400">
+              <a:lnSpc>
+                <a:spcPct val="100000"/>
+              </a:lnSpc>
+              <a:buNone/>
+              <a:defRPr b="0" lang="en-GB" sz="1200" strike="noStrike" u="none">
+                <a:solidFill>
+                  <a:schemeClr val="dk1">
+                    <a:tint val="82000"/>
+                  </a:schemeClr>
+                </a:solidFill>
+                <a:effectLst/>
+                <a:uFillTx/>
+                <a:latin typeface="Aptos"/>
+              </a:defRPr>
+            </a:lvl1pPr>
+          </a:lstStyle>
+          <a:p>
+            <a:pPr indent="0" algn="r" defTabSz="914400">
+              <a:lnSpc>
+                <a:spcPct val="100000"/>
+              </a:lnSpc>
+              <a:buNone/>
+            </a:pPr>
+            <a:fld id="{7B1AEF7F-82E9-4D2E-B40C-D00CF48B5BF2}" type="slidenum">
+              <a:rPr b="0" lang="en-GB" sz="1200" strike="noStrike" u="none">
+                <a:solidFill>
+                  <a:schemeClr val="dk1">
+                    <a:tint val="82000"/>
+                  </a:schemeClr>
+                </a:solidFill>
+                <a:effectLst/>
+                <a:uFillTx/>
+                <a:latin typeface="Aptos"/>
+              </a:rPr>
+              <a:t>&lt;number&gt;</a:t>
+            </a:fld>
+            <a:endParaRPr b="0" lang="en-US" sz="1200" strike="noStrike" u="none">
+              <a:solidFill>
+                <a:srgbClr val="000000"/>
+              </a:solidFill>
+              <a:effectLst/>
+              <a:uFillTx/>
+              <a:latin typeface="Times New Roman"/>
+            </a:endParaRPr>
+          </a:p>
+        </p:txBody>
+      </p:sp>
+    </p:spTree>
+  </p:cSld>
+  <p:clrMap bg1="lt1" tx1="dk1" bg2="lt2" tx2="dk2" accent1="accent1" accent2="accent2" accent3="accent3" accent4="accent4" accent5="accent5" accent6="accent6" hlink="hlink" folHlink="folHlink"/>
+  <p:sldLayoutIdLst>
+    <p:sldLayoutId id="2147483657" r:id="rId2"/>
+  </p:sldLayoutIdLst>
+</p:sldMaster>
+</file>
+
+<file path=ppt/slides/slide1.xml><?xml version="1.0" encoding="utf-8"?>
+<p:sld xmlns:a="http://schemas.openxmlformats.org/drawingml/2006/main" xmlns:p="http://schemas.openxmlformats.org/presentationml/2006/main" xmlns:r="http://schemas.openxmlformats.org/officeDocument/2006/relationships" xmlns:p14="http://schemas.microsoft.com/office/powerpoint/2010/main" xmlns:p15="http://schemas.microsoft.com/office/powerpoint/2012/main" xmlns:mc="http://schemas.openxmlformats.org/markup-compatibility/2006">
+  <p:cSld>
+    <p:bg>
+      <p:bgPr>
+        <a:solidFill>
+          <a:schemeClr val="lt1"/>
+        </a:solidFill>
+      </p:bgPr>
+    </p:bg>
+    <p:spTree>
+      <p:nvGrpSpPr>
+        <p:cNvPr id="1" name=""/>
+        <p:cNvGrpSpPr/>
+        <p:nvPr/>
+      </p:nvGrpSpPr>
+      <p:grpSpPr>
+        <a:xfrm>
+          <a:off x="0" y="0"/>
+          <a:ext cx="0" cy="0"/>
+          <a:chOff x="0" y="0"/>
+          <a:chExt cx="0" cy="0"/>
+        </a:xfrm>
+      </p:grpSpPr>
+      <p:sp useBgFill="1">
+        <p:nvSpPr>
+          <p:cNvPr id="37" name="Rectangle 10">
+            <a:extLst>
+              <a:ext uri="{C183D7F6-B498-43B3-948B-1728B52AA6E4}">
+                <adec:decorative xmlns:adec="http://schemas.microsoft.com/office/drawing/2017/decorative" val="1"/>
+              </a:ext>
+            </a:extLst>
+          </p:cNvPr>
           <p:cNvSpPr/>
           <p:nvPr/>
         </p:nvSpPr>
         <p:spPr>
           <a:xfrm>
-            <a:off x="793800" y="1295280"/>
-            <a:ext cx="13042440" cy="2934360"/>
+            <a:off x="0" y="0"/>
+            <a:ext cx="14626080" cy="8229240"/>
+          </a:xfrm>
+          <a:prstGeom prst="rect">
+            <a:avLst/>
+          </a:prstGeom>
+          <a:ln>
+            <a:noFill/>
+          </a:ln>
+        </p:spPr>
+        <p:style>
+          <a:lnRef idx="2">
+            <a:schemeClr val="accent1">
+              <a:shade val="50000"/>
+            </a:schemeClr>
+          </a:lnRef>
+          <a:fillRef idx="1">
+            <a:schemeClr val="accent1"/>
+          </a:fillRef>
+          <a:effectRef idx="0">
+            <a:schemeClr val="accent1"/>
+          </a:effectRef>
+          <a:fontRef idx="minor"/>
+        </p:style>
+        <p:txBody>
+          <a:bodyPr lIns="90000" rIns="90000" tIns="45000" bIns="45000" anchor="ctr">
+            <a:noAutofit/>
+          </a:bodyPr>
+          <a:p>
+            <a:endParaRPr b="0" lang="en-US" sz="1800" strike="noStrike" u="none">
+              <a:solidFill>
+                <a:schemeClr val="lt1"/>
+              </a:solidFill>
+              <a:effectLst/>
+              <a:uFillTx/>
+              <a:latin typeface="Aptos"/>
+            </a:endParaRPr>
+          </a:p>
+        </p:txBody>
+      </p:sp>
+      <p:sp>
+        <p:nvSpPr>
+          <p:cNvPr id="38" name="PlaceHolder 1"/>
+          <p:cNvSpPr>
+            <a:spLocks noGrp="1"/>
+          </p:cNvSpPr>
+          <p:nvPr>
+            <p:ph type="title"/>
+          </p:nvPr>
+        </p:nvSpPr>
+        <p:spPr>
+          <a:xfrm>
+            <a:off x="767880" y="390240"/>
+            <a:ext cx="5603400" cy="2561400"/>
           </a:xfrm>
           <a:prstGeom prst="rect">
             <a:avLst/>
           </a:prstGeom>
           <a:noFill/>
+          <a:ln w="0">
+            <a:noFill/>
+          </a:ln>
+        </p:spPr>
+        <p:txBody>
+          <a:bodyPr lIns="91440" rIns="91440" tIns="45720" bIns="45720" anchor="b">
+            <a:normAutofit/>
+          </a:bodyPr>
+          <a:p>
+            <a:pPr indent="0" defTabSz="914400">
+              <a:lnSpc>
+                <a:spcPct val="150000"/>
+              </a:lnSpc>
+              <a:buNone/>
+            </a:pPr>
+            <a:r>
+              <a:rPr b="1" lang="en-GB" sz="2800" strike="noStrike" u="none">
+                <a:solidFill>
+                  <a:srgbClr val="013d5f"/>
+                </a:solidFill>
+                <a:effectLst/>
+                <a:uFillTx/>
+                <a:latin typeface="Calibri"/>
+              </a:rPr>
+              <a:t>Dalia, </a:t>
+            </a:r>
+            <a:r>
+              <a:rPr b="0" lang="en-GB" sz="2800" strike="noStrike" u="none">
+                <a:solidFill>
+                  <a:srgbClr val="013d5f"/>
+                </a:solidFill>
+                <a:effectLst/>
+                <a:uFillTx/>
+                <a:latin typeface="Calibri"/>
+              </a:rPr>
+              <a:t>15 J </a:t>
+            </a:r>
+            <a:br>
+              <a:rPr sz="2200"/>
+            </a:br>
+            <a:r>
+              <a:rPr b="0" lang="en-GB" sz="2200" strike="noStrike" u="none">
+                <a:solidFill>
+                  <a:srgbClr val="013d5f"/>
+                </a:solidFill>
+                <a:effectLst/>
+                <a:uFillTx/>
+                <a:latin typeface="Calibri"/>
+              </a:rPr>
+              <a:t>Orbitalplegmone + zerebraler Abszess - Verlust der Sehfähigkeit (re. 40%, li. 20%) </a:t>
+            </a:r>
+            <a:endParaRPr b="0" lang="de-DE" sz="2200" strike="noStrike" u="none">
+              <a:solidFill>
+                <a:schemeClr val="dk1"/>
+              </a:solidFill>
+              <a:effectLst/>
+              <a:uFillTx/>
+              <a:latin typeface="Aptos"/>
+            </a:endParaRPr>
+          </a:p>
+        </p:txBody>
+      </p:sp>
+      <p:sp>
+        <p:nvSpPr>
+          <p:cNvPr id="39" name="sketchy line 2">
+            <a:extLst>
+              <a:ext uri="{C183D7F6-B498-43B3-948B-1728B52AA6E4}">
+                <adec:decorative xmlns:adec="http://schemas.microsoft.com/office/drawing/2017/decorative" val="1"/>
+              </a:ext>
+            </a:extLst>
+          </p:cNvPr>
+          <p:cNvSpPr/>
+          <p:nvPr/>
+        </p:nvSpPr>
+        <p:spPr>
+          <a:xfrm>
+            <a:off x="767880" y="3104280"/>
+            <a:ext cx="4169160" cy="21600"/>
+          </a:xfrm>
+          <a:custGeom>
+            <a:avLst/>
+            <a:gdLst>
+              <a:gd name="textAreaLeft" fmla="*/ 0 w 4169160"/>
+              <a:gd name="textAreaRight" fmla="*/ 4169520 w 4169160"/>
+              <a:gd name="textAreaTop" fmla="*/ 0 h 21600"/>
+              <a:gd name="textAreaBottom" fmla="*/ 21960 h 21600"/>
+            </a:gdLst>
+            <a:ahLst/>
+            <a:rect l="textAreaLeft" t="textAreaTop" r="textAreaRight" b="textAreaBottom"/>
+            <a:pathLst>
+              <a:path fill="none" w="3474720" h="18288">
+                <a:moveTo>
+                  <a:pt x="0" y="0"/>
+                </a:moveTo>
+                <a:cubicBezTo>
+                  <a:pt x="224454" y="-14544"/>
+                  <a:pt x="495407" y="26540"/>
+                  <a:pt x="694944" y="0"/>
+                </a:cubicBezTo>
+                <a:cubicBezTo>
+                  <a:pt x="894481" y="-26540"/>
+                  <a:pt x="1130063" y="24713"/>
+                  <a:pt x="1355141" y="0"/>
+                </a:cubicBezTo>
+                <a:cubicBezTo>
+                  <a:pt x="1580219" y="-24713"/>
+                  <a:pt x="1820099" y="26695"/>
+                  <a:pt x="2015338" y="0"/>
+                </a:cubicBezTo>
+                <a:cubicBezTo>
+                  <a:pt x="2210577" y="-26695"/>
+                  <a:pt x="2402045" y="165"/>
+                  <a:pt x="2779776" y="0"/>
+                </a:cubicBezTo>
+                <a:cubicBezTo>
+                  <a:pt x="3157507" y="-165"/>
+                  <a:pt x="3286859" y="-15571"/>
+                  <a:pt x="3474720" y="0"/>
+                </a:cubicBezTo>
+                <a:cubicBezTo>
+                  <a:pt x="3474286" y="7551"/>
+                  <a:pt x="3474253" y="9822"/>
+                  <a:pt x="3474720" y="18288"/>
+                </a:cubicBezTo>
+                <a:cubicBezTo>
+                  <a:pt x="3233904" y="29845"/>
+                  <a:pt x="2945134" y="-5256"/>
+                  <a:pt x="2779776" y="18288"/>
+                </a:cubicBezTo>
+                <a:cubicBezTo>
+                  <a:pt x="2614418" y="41832"/>
+                  <a:pt x="2339768" y="22709"/>
+                  <a:pt x="2189074" y="18288"/>
+                </a:cubicBezTo>
+                <a:cubicBezTo>
+                  <a:pt x="2038380" y="13867"/>
+                  <a:pt x="1817434" y="-4947"/>
+                  <a:pt x="1528877" y="18288"/>
+                </a:cubicBezTo>
+                <a:cubicBezTo>
+                  <a:pt x="1240320" y="41523"/>
+                  <a:pt x="1042447" y="37198"/>
+                  <a:pt x="868680" y="18288"/>
+                </a:cubicBezTo>
+                <a:cubicBezTo>
+                  <a:pt x="694913" y="-622"/>
+                  <a:pt x="233232" y="44909"/>
+                  <a:pt x="0" y="18288"/>
+                </a:cubicBezTo>
+                <a:cubicBezTo>
+                  <a:pt x="60" y="11696"/>
+                  <a:pt x="66" y="3758"/>
+                  <a:pt x="0" y="0"/>
+                </a:cubicBezTo>
+                <a:close/>
+              </a:path>
+              <a:path stroke="0" w="3474720" h="18288">
+                <a:moveTo>
+                  <a:pt x="0" y="0"/>
+                </a:moveTo>
+                <a:cubicBezTo>
+                  <a:pt x="202328" y="-14716"/>
+                  <a:pt x="332722" y="-11499"/>
+                  <a:pt x="625450" y="0"/>
+                </a:cubicBezTo>
+                <a:cubicBezTo>
+                  <a:pt x="918178" y="11499"/>
+                  <a:pt x="1096688" y="5123"/>
+                  <a:pt x="1389888" y="0"/>
+                </a:cubicBezTo>
+                <a:cubicBezTo>
+                  <a:pt x="1683088" y="-5123"/>
+                  <a:pt x="1835981" y="-14038"/>
+                  <a:pt x="1980590" y="0"/>
+                </a:cubicBezTo>
+                <a:cubicBezTo>
+                  <a:pt x="2125199" y="14038"/>
+                  <a:pt x="2396099" y="-7203"/>
+                  <a:pt x="2571293" y="0"/>
+                </a:cubicBezTo>
+                <a:cubicBezTo>
+                  <a:pt x="2746487" y="7203"/>
+                  <a:pt x="3041609" y="-12036"/>
+                  <a:pt x="3474720" y="0"/>
+                </a:cubicBezTo>
+                <a:cubicBezTo>
+                  <a:pt x="3474638" y="4406"/>
+                  <a:pt x="3474631" y="9982"/>
+                  <a:pt x="3474720" y="18288"/>
+                </a:cubicBezTo>
+                <a:cubicBezTo>
+                  <a:pt x="3324873" y="21876"/>
+                  <a:pt x="3136771" y="12587"/>
+                  <a:pt x="2814523" y="18288"/>
+                </a:cubicBezTo>
+                <a:cubicBezTo>
+                  <a:pt x="2492275" y="23989"/>
+                  <a:pt x="2294402" y="47111"/>
+                  <a:pt x="2154326" y="18288"/>
+                </a:cubicBezTo>
+                <a:cubicBezTo>
+                  <a:pt x="2014250" y="-10535"/>
+                  <a:pt x="1820317" y="33903"/>
+                  <a:pt x="1494130" y="18288"/>
+                </a:cubicBezTo>
+                <a:cubicBezTo>
+                  <a:pt x="1167943" y="2673"/>
+                  <a:pt x="948432" y="14868"/>
+                  <a:pt x="729691" y="18288"/>
+                </a:cubicBezTo>
+                <a:cubicBezTo>
+                  <a:pt x="510950" y="21708"/>
+                  <a:pt x="264032" y="24354"/>
+                  <a:pt x="0" y="18288"/>
+                </a:cubicBezTo>
+                <a:cubicBezTo>
+                  <a:pt x="189" y="14288"/>
+                  <a:pt x="-703" y="3747"/>
+                  <a:pt x="0" y="0"/>
+                </a:cubicBezTo>
+                <a:close/>
+              </a:path>
+            </a:pathLst>
+          </a:custGeom>
+          <a:solidFill>
+            <a:schemeClr val="accent2"/>
+          </a:solidFill>
+          <a:ln cap="rnd" w="44450">
+            <a:solidFill>
+              <a:srgbClr val="e97132"/>
+            </a:solidFill>
+            <a:round/>
+          </a:ln>
+        </p:spPr>
+        <p:style>
+          <a:lnRef idx="2">
+            <a:schemeClr val="accent1">
+              <a:shade val="50000"/>
+            </a:schemeClr>
+          </a:lnRef>
+          <a:fillRef idx="1">
+            <a:schemeClr val="accent1"/>
+          </a:fillRef>
+          <a:effectRef idx="0">
+            <a:schemeClr val="accent1"/>
+          </a:effectRef>
+          <a:fontRef idx="minor"/>
+        </p:style>
+        <p:txBody>
+          <a:bodyPr lIns="90000" rIns="90000" tIns="-23040" bIns="-23040" anchor="ctr">
+            <a:noAutofit/>
+          </a:bodyPr>
+          <a:p>
+            <a:endParaRPr b="0" lang="en-US" sz="1800" strike="noStrike" u="none">
+              <a:solidFill>
+                <a:schemeClr val="lt1"/>
+              </a:solidFill>
+              <a:effectLst/>
+              <a:uFillTx/>
+              <a:latin typeface="Aptos"/>
+            </a:endParaRPr>
+          </a:p>
+        </p:txBody>
+      </p:sp>
+      <p:sp>
+        <p:nvSpPr>
+          <p:cNvPr id="40" name="PlaceHolder 2"/>
+          <p:cNvSpPr>
+            <a:spLocks noGrp="1"/>
+          </p:cNvSpPr>
+          <p:nvPr>
+            <p:ph/>
+          </p:nvPr>
+        </p:nvSpPr>
+        <p:spPr>
+          <a:xfrm>
+            <a:off x="767880" y="3447360"/>
+            <a:ext cx="5091840" cy="3984480"/>
+          </a:xfrm>
+          <a:prstGeom prst="rect">
+            <a:avLst/>
+          </a:prstGeom>
+          <a:noFill/>
+          <a:ln w="0">
+            <a:noFill/>
+          </a:ln>
+        </p:spPr>
+        <p:txBody>
+          <a:bodyPr lIns="91440" rIns="91440" tIns="45720" bIns="45720" anchor="t">
+            <a:normAutofit/>
+          </a:bodyPr>
+          <a:p>
+            <a:pPr indent="0" defTabSz="914400">
+              <a:lnSpc>
+                <a:spcPct val="100000"/>
+              </a:lnSpc>
+              <a:spcBef>
+                <a:spcPts val="1001"/>
+              </a:spcBef>
+              <a:buNone/>
+              <a:tabLst>
+                <a:tab algn="l" pos="0"/>
+              </a:tabLst>
+            </a:pPr>
+            <a:r>
+              <a:rPr b="1" lang="en-GB" sz="2000" strike="noStrike" u="none">
+                <a:solidFill>
+                  <a:srgbClr val="013d5f"/>
+                </a:solidFill>
+                <a:effectLst/>
+                <a:uFillTx/>
+                <a:latin typeface="Calibri"/>
+              </a:rPr>
+              <a:t>PICS-p</a:t>
+            </a:r>
+            <a:endParaRPr b="0" lang="de-DE" sz="2000" strike="noStrike" u="none">
+              <a:solidFill>
+                <a:schemeClr val="dk1"/>
+              </a:solidFill>
+              <a:effectLst/>
+              <a:uFillTx/>
+              <a:latin typeface="Aptos"/>
+            </a:endParaRPr>
+          </a:p>
+          <a:p>
+            <a:pPr indent="0" defTabSz="914400">
+              <a:lnSpc>
+                <a:spcPct val="100000"/>
+              </a:lnSpc>
+              <a:spcBef>
+                <a:spcPts val="1001"/>
+              </a:spcBef>
+              <a:buNone/>
+              <a:tabLst>
+                <a:tab algn="l" pos="0"/>
+              </a:tabLst>
+            </a:pPr>
+            <a:r>
+              <a:rPr b="0" lang="en-GB" sz="2000" strike="noStrike" u="none">
+                <a:solidFill>
+                  <a:srgbClr val="013d5f"/>
+                </a:solidFill>
+                <a:effectLst/>
+                <a:uFillTx/>
+                <a:latin typeface="Calibri"/>
+              </a:rPr>
+              <a:t>Kognitive + physische + psychische Residuen</a:t>
+            </a:r>
+            <a:endParaRPr b="0" lang="de-DE" sz="2000" strike="noStrike" u="none">
+              <a:solidFill>
+                <a:schemeClr val="dk1"/>
+              </a:solidFill>
+              <a:effectLst/>
+              <a:uFillTx/>
+              <a:latin typeface="Aptos"/>
+            </a:endParaRPr>
+          </a:p>
+          <a:p>
+            <a:pPr indent="0" defTabSz="914400">
+              <a:lnSpc>
+                <a:spcPct val="100000"/>
+              </a:lnSpc>
+              <a:spcBef>
+                <a:spcPts val="1001"/>
+              </a:spcBef>
+              <a:buNone/>
+              <a:tabLst>
+                <a:tab algn="l" pos="0"/>
+              </a:tabLst>
+            </a:pPr>
+            <a:r>
+              <a:rPr b="0" lang="en-GB" sz="2000" strike="noStrike" u="none">
+                <a:solidFill>
+                  <a:srgbClr val="013d5f"/>
+                </a:solidFill>
+                <a:effectLst/>
+                <a:uFillTx/>
+                <a:latin typeface="Calibri"/>
+              </a:rPr>
+              <a:t>Soziale Folgen </a:t>
+            </a:r>
+            <a:endParaRPr b="0" lang="de-DE" sz="2000" strike="noStrike" u="none">
+              <a:solidFill>
+                <a:schemeClr val="dk1"/>
+              </a:solidFill>
+              <a:effectLst/>
+              <a:uFillTx/>
+              <a:latin typeface="Aptos"/>
+            </a:endParaRPr>
+          </a:p>
+          <a:p>
+            <a:pPr indent="0" defTabSz="914400">
+              <a:lnSpc>
+                <a:spcPct val="90000"/>
+              </a:lnSpc>
+              <a:spcBef>
+                <a:spcPts val="1001"/>
+              </a:spcBef>
+              <a:buNone/>
+              <a:tabLst>
+                <a:tab algn="l" pos="0"/>
+              </a:tabLst>
+            </a:pPr>
+            <a:endParaRPr b="0" lang="de-DE" sz="2200" strike="noStrike" u="none">
+              <a:solidFill>
+                <a:schemeClr val="dk1"/>
+              </a:solidFill>
+              <a:effectLst/>
+              <a:uFillTx/>
+              <a:latin typeface="Aptos"/>
+            </a:endParaRPr>
+          </a:p>
+        </p:txBody>
+      </p:sp>
+      <p:sp>
+        <p:nvSpPr>
+          <p:cNvPr id="41" name="Inhaltsplatzhalter 2"/>
+          <p:cNvSpPr/>
+          <p:nvPr/>
+        </p:nvSpPr>
+        <p:spPr>
+          <a:xfrm>
+            <a:off x="6375600" y="0"/>
+            <a:ext cx="8254080" cy="8229240"/>
+          </a:xfrm>
+          <a:custGeom>
+            <a:avLst/>
+            <a:gdLst>
+              <a:gd name="textAreaLeft" fmla="*/ 0 w 8254080"/>
+              <a:gd name="textAreaRight" fmla="*/ 8254440 w 8254080"/>
+              <a:gd name="textAreaTop" fmla="*/ 0 h 8229240"/>
+              <a:gd name="textAreaBottom" fmla="*/ 8229600 h 8229240"/>
+            </a:gdLst>
+            <a:ahLst/>
+            <a:rect l="textAreaLeft" t="textAreaTop" r="textAreaRight" b="textAreaBottom"/>
+            <a:pathLst>
+              <a:path w="6878775" h="6858000">
+                <a:moveTo>
+                  <a:pt x="1102973" y="0"/>
+                </a:moveTo>
+                <a:lnTo>
+                  <a:pt x="1160688" y="0"/>
+                </a:lnTo>
+                <a:lnTo>
+                  <a:pt x="983189" y="331786"/>
+                </a:lnTo>
+                <a:cubicBezTo>
+                  <a:pt x="914866" y="469145"/>
+                  <a:pt x="850355" y="608712"/>
+                  <a:pt x="789261" y="750263"/>
+                </a:cubicBezTo>
+                <a:cubicBezTo>
+                  <a:pt x="774307" y="784928"/>
+                  <a:pt x="759992" y="819849"/>
+                  <a:pt x="745295" y="854514"/>
+                </a:cubicBezTo>
+                <a:cubicBezTo>
+                  <a:pt x="756682" y="845393"/>
+                  <a:pt x="765489" y="833492"/>
+                  <a:pt x="770857" y="819975"/>
+                </a:cubicBezTo>
+                <a:cubicBezTo>
+                  <a:pt x="879943" y="589569"/>
+                  <a:pt x="999605" y="365513"/>
+                  <a:pt x="1131329" y="148742"/>
+                </a:cubicBezTo>
+                <a:lnTo>
+                  <a:pt x="1227589" y="0"/>
+                </a:lnTo>
+                <a:lnTo>
+                  <a:pt x="6878775" y="0"/>
+                </a:lnTo>
+                <a:lnTo>
+                  <a:pt x="6878775" y="6858000"/>
+                </a:lnTo>
+                <a:lnTo>
+                  <a:pt x="713521" y="6858000"/>
+                </a:lnTo>
+                <a:lnTo>
+                  <a:pt x="625642" y="6670527"/>
+                </a:lnTo>
+                <a:cubicBezTo>
+                  <a:pt x="507232" y="6398531"/>
+                  <a:pt x="403083" y="6118381"/>
+                  <a:pt x="312785" y="5830359"/>
+                </a:cubicBezTo>
+                <a:cubicBezTo>
+                  <a:pt x="278149" y="5719759"/>
+                  <a:pt x="248879" y="5607635"/>
+                  <a:pt x="212198" y="5480401"/>
+                </a:cubicBezTo>
+                <a:cubicBezTo>
+                  <a:pt x="212208" y="5491601"/>
+                  <a:pt x="212803" y="5502788"/>
+                  <a:pt x="213988" y="5513923"/>
+                </a:cubicBezTo>
+                <a:cubicBezTo>
+                  <a:pt x="264089" y="5723695"/>
+                  <a:pt x="307290" y="5935370"/>
+                  <a:pt x="365826" y="6142729"/>
+                </a:cubicBezTo>
+                <a:cubicBezTo>
+                  <a:pt x="433152" y="6380817"/>
+                  <a:pt x="510068" y="6614016"/>
+                  <a:pt x="597975" y="6841549"/>
+                </a:cubicBezTo>
+                <a:lnTo>
+                  <a:pt x="604824" y="6858000"/>
+                </a:lnTo>
+                <a:lnTo>
+                  <a:pt x="552056" y="6858000"/>
+                </a:lnTo>
+                <a:lnTo>
+                  <a:pt x="539576" y="6828295"/>
+                </a:lnTo>
+                <a:cubicBezTo>
+                  <a:pt x="380597" y="6414594"/>
+                  <a:pt x="260223" y="5988893"/>
+                  <a:pt x="171555" y="5552906"/>
+                </a:cubicBezTo>
+                <a:cubicBezTo>
+                  <a:pt x="91163" y="5157998"/>
+                  <a:pt x="43746" y="4758899"/>
+                  <a:pt x="12305" y="4357388"/>
+                </a:cubicBezTo>
+                <a:cubicBezTo>
+                  <a:pt x="-14281" y="4013908"/>
+                  <a:pt x="4507" y="3672965"/>
+                  <a:pt x="46684" y="3331516"/>
+                </a:cubicBezTo>
+                <a:cubicBezTo>
+                  <a:pt x="127203" y="2664286"/>
+                  <a:pt x="277819" y="2007265"/>
+                  <a:pt x="496065" y="1371196"/>
+                </a:cubicBezTo>
+                <a:cubicBezTo>
+                  <a:pt x="636273" y="966066"/>
+                  <a:pt x="800445" y="573253"/>
+                  <a:pt x="995723" y="196614"/>
+                </a:cubicBezTo>
+                <a:close/>
+              </a:path>
+            </a:pathLst>
+          </a:custGeom>
+          <a:blipFill rotWithShape="0">
+            <a:blip r:embed="rId1">
+              <a:alphaModFix amt="50000"/>
+            </a:blip>
+            <a:srcRect/>
+            <a:stretch/>
+          </a:blipFill>
           <a:ln w="0">
             <a:noFill/>
           </a:ln>
@@ -3936,33 +5401,13 @@
           <a:fontRef idx="minor"/>
         </p:style>
         <p:txBody>
-          <a:bodyPr lIns="0" rIns="0" tIns="0" bIns="0" anchor="t">
+          <a:bodyPr lIns="90000" rIns="90000" tIns="45000" bIns="45000" anchor="t">
             <a:noAutofit/>
           </a:bodyPr>
           <a:p>
-            <a:pPr>
-              <a:lnSpc>
-                <a:spcPts val="7699"/>
-              </a:lnSpc>
-              <a:tabLst>
-                <a:tab algn="l" pos="0"/>
-              </a:tabLst>
-            </a:pPr>
-            <a:r>
-              <a:rPr b="0" lang="en-US" sz="6150" strike="noStrike" u="none">
-                <a:solidFill>
-                  <a:srgbClr val="030303"/>
-                </a:solidFill>
-                <a:effectLst/>
-                <a:uFillTx/>
-                <a:latin typeface="DM Sans Semi Bold"/>
-                <a:ea typeface="DM Sans Semi Bold"/>
-              </a:rPr>
-              <a:t>Verbesserte Nachsorge nach Intensivbehandlung bei Kindern</a:t>
-            </a:r>
-            <a:endParaRPr b="0" lang="en-US" sz="6150" strike="noStrike" u="none">
-              <a:solidFill>
-                <a:srgbClr val="ffffff"/>
+            <a:endParaRPr b="0" lang="en-US" sz="1800" strike="noStrike" u="none">
+              <a:solidFill>
+                <a:srgbClr val="000000"/>
               </a:solidFill>
               <a:effectLst/>
               <a:uFillTx/>
@@ -3973,14 +5418,14 @@
       </p:sp>
       <p:sp>
         <p:nvSpPr>
-          <p:cNvPr id="29" name="Text 1"/>
+          <p:cNvPr id="42" name="Textfeld 2"/>
           <p:cNvSpPr/>
           <p:nvPr/>
         </p:nvSpPr>
         <p:spPr>
           <a:xfrm>
-            <a:off x="793800" y="3747600"/>
-            <a:ext cx="13042440" cy="362520"/>
+            <a:off x="13525560" y="7897320"/>
+            <a:ext cx="605880" cy="181800"/>
           </a:xfrm>
           <a:prstGeom prst="rect">
             <a:avLst/>
@@ -3997,33 +5442,29 @@
           <a:fontRef idx="minor"/>
         </p:style>
         <p:txBody>
-          <a:bodyPr wrap="none" lIns="0" rIns="0" tIns="0" bIns="0" anchor="t">
-            <a:noAutofit/>
-          </a:bodyPr>
-          <a:p>
-            <a:pPr>
+          <a:bodyPr wrap="none" lIns="90000" rIns="90000" tIns="45000" bIns="45000" anchor="t">
+            <a:spAutoFit/>
+          </a:bodyPr>
+          <a:p>
+            <a:pPr defTabSz="914400">
               <a:lnSpc>
-                <a:spcPts val="2849"/>
+                <a:spcPct val="100000"/>
               </a:lnSpc>
-              <a:tabLst>
-                <a:tab algn="l" pos="0"/>
-              </a:tabLst>
-            </a:pPr>
-            <a:r>
-              <a:rPr b="0" lang="en-US" sz="1750" strike="noStrike" u="none">
-                <a:solidFill>
-                  <a:srgbClr val="464646"/>
-                </a:solidFill>
-                <a:effectLst/>
-                <a:uFillTx/>
-                <a:latin typeface="Inter Medium"/>
-                <a:ea typeface="Inter Medium"/>
-              </a:rPr>
-              <a:t>Ziel: Optimierung der Langzeitversorgung von Kindern nach Intensivaufenthalt.</a:t>
-            </a:r>
-            <a:endParaRPr b="0" lang="en-US" sz="1750" strike="noStrike" u="none">
-              <a:solidFill>
-                <a:srgbClr val="ffffff"/>
+            </a:pPr>
+            <a:r>
+              <a:rPr b="0" lang="en-GB" sz="600" strike="noStrike" u="none">
+                <a:solidFill>
+                  <a:schemeClr val="dk1"/>
+                </a:solidFill>
+                <a:effectLst/>
+                <a:uFillTx/>
+                <a:latin typeface="Aptos"/>
+              </a:rPr>
+              <a:t>Bild ChatGpt</a:t>
+            </a:r>
+            <a:endParaRPr b="0" lang="en-US" sz="600" strike="noStrike" u="none">
+              <a:solidFill>
+                <a:srgbClr val="000000"/>
               </a:solidFill>
               <a:effectLst/>
               <a:uFillTx/>
@@ -4032,152 +5473,6 @@
           </a:p>
         </p:txBody>
       </p:sp>
-      <p:sp>
-        <p:nvSpPr>
-          <p:cNvPr id="30" name="Text 2"/>
-          <p:cNvSpPr/>
-          <p:nvPr/>
-        </p:nvSpPr>
-        <p:spPr>
-          <a:xfrm>
-            <a:off x="793800" y="4365360"/>
-            <a:ext cx="13042440" cy="362520"/>
-          </a:xfrm>
-          <a:prstGeom prst="rect">
-            <a:avLst/>
-          </a:prstGeom>
-          <a:noFill/>
-          <a:ln w="0">
-            <a:noFill/>
-          </a:ln>
-        </p:spPr>
-        <p:style>
-          <a:lnRef idx="0"/>
-          <a:fillRef idx="0"/>
-          <a:effectRef idx="0"/>
-          <a:fontRef idx="minor"/>
-        </p:style>
-        <p:txBody>
-          <a:bodyPr wrap="none" lIns="0" rIns="0" tIns="0" bIns="0" anchor="t">
-            <a:noAutofit/>
-          </a:bodyPr>
-          <a:p>
-            <a:pPr>
-              <a:lnSpc>
-                <a:spcPts val="2849"/>
-              </a:lnSpc>
-              <a:tabLst>
-                <a:tab algn="l" pos="0"/>
-              </a:tabLst>
-            </a:pPr>
-            <a:r>
-              <a:rPr b="0" lang="en-US" sz="1750" strike="noStrike" u="none">
-                <a:solidFill>
-                  <a:srgbClr val="464646"/>
-                </a:solidFill>
-                <a:effectLst/>
-                <a:uFillTx/>
-                <a:latin typeface="Inter Medium"/>
-                <a:ea typeface="Inter Medium"/>
-              </a:rPr>
-              <a:t>Fokus: Digitale Erfassung und Analyse von Patient Reported Outcome Measures (PROMs).</a:t>
-            </a:r>
-            <a:endParaRPr b="0" lang="en-US" sz="1750" strike="noStrike" u="none">
-              <a:solidFill>
-                <a:srgbClr val="ffffff"/>
-              </a:solidFill>
-              <a:effectLst/>
-              <a:uFillTx/>
-              <a:latin typeface="Arial"/>
-            </a:endParaRPr>
-          </a:p>
-        </p:txBody>
-      </p:sp>
-      <p:sp>
-        <p:nvSpPr>
-          <p:cNvPr id="31" name="Text 3"/>
-          <p:cNvSpPr/>
-          <p:nvPr/>
-        </p:nvSpPr>
-        <p:spPr>
-          <a:xfrm>
-            <a:off x="793800" y="4983480"/>
-            <a:ext cx="13042440" cy="362520"/>
-          </a:xfrm>
-          <a:prstGeom prst="rect">
-            <a:avLst/>
-          </a:prstGeom>
-          <a:noFill/>
-          <a:ln w="0">
-            <a:noFill/>
-          </a:ln>
-        </p:spPr>
-        <p:style>
-          <a:lnRef idx="0"/>
-          <a:fillRef idx="0"/>
-          <a:effectRef idx="0"/>
-          <a:fontRef idx="minor"/>
-        </p:style>
-        <p:txBody>
-          <a:bodyPr wrap="none" lIns="0" rIns="0" tIns="0" bIns="0" anchor="t">
-            <a:noAutofit/>
-          </a:bodyPr>
-          <a:p>
-            <a:pPr>
-              <a:lnSpc>
-                <a:spcPts val="2849"/>
-              </a:lnSpc>
-              <a:tabLst>
-                <a:tab algn="l" pos="0"/>
-              </a:tabLst>
-            </a:pPr>
-            <a:r>
-              <a:rPr b="0" lang="en-US" sz="1750" strike="noStrike" u="none">
-                <a:solidFill>
-                  <a:srgbClr val="464646"/>
-                </a:solidFill>
-                <a:effectLst/>
-                <a:uFillTx/>
-                <a:latin typeface="Inter Medium"/>
-                <a:ea typeface="Inter Medium"/>
-              </a:rPr>
-              <a:t>Vorstellung der Herausforderungen und Lösungsansätze.</a:t>
-            </a:r>
-            <a:endParaRPr b="0" lang="en-US" sz="1750" strike="noStrike" u="none">
-              <a:solidFill>
-                <a:srgbClr val="ffffff"/>
-              </a:solidFill>
-              <a:effectLst/>
-              <a:uFillTx/>
-              <a:latin typeface="Arial"/>
-            </a:endParaRPr>
-          </a:p>
-        </p:txBody>
-      </p:sp>
-      <p:pic>
-        <p:nvPicPr>
-          <p:cNvPr id="32" name="" descr=""/>
-          <p:cNvPicPr/>
-          <p:nvPr/>
-        </p:nvPicPr>
-        <p:blipFill>
-          <a:blip r:embed="rId1"/>
-          <a:stretch/>
-        </p:blipFill>
-        <p:spPr>
-          <a:xfrm>
-            <a:off x="10972800" y="6858360"/>
-            <a:ext cx="3657600" cy="1371960"/>
-          </a:xfrm>
-          <a:prstGeom prst="rect">
-            <a:avLst/>
-          </a:prstGeom>
-          <a:noFill/>
-          <a:ln w="0">
-            <a:noFill/>
-          </a:ln>
-        </p:spPr>
-      </p:pic>
     </p:spTree>
   </p:cSld>
   <mc:AlternateContent>
@@ -4194,6 +5489,13 @@
 <file path=ppt/slides/slide2.xml><?xml version="1.0" encoding="utf-8"?>
 <p:sld xmlns:a="http://schemas.openxmlformats.org/drawingml/2006/main" xmlns:p="http://schemas.openxmlformats.org/presentationml/2006/main" xmlns:r="http://schemas.openxmlformats.org/officeDocument/2006/relationships" xmlns:p14="http://schemas.microsoft.com/office/powerpoint/2010/main" xmlns:p15="http://schemas.microsoft.com/office/powerpoint/2012/main" xmlns:mc="http://schemas.openxmlformats.org/markup-compatibility/2006">
   <p:cSld>
+    <p:bg>
+      <p:bgPr>
+        <a:solidFill>
+          <a:schemeClr val="lt1"/>
+        </a:solidFill>
+      </p:bgPr>
+    </p:bg>
     <p:spTree>
       <p:nvGrpSpPr>
         <p:cNvPr id="1" name=""/>
@@ -4210,14 +5512,14 @@
       </p:grpSpPr>
       <p:sp>
         <p:nvSpPr>
-          <p:cNvPr id="33" name="Text 0"/>
+          <p:cNvPr id="43" name="Title 1"/>
           <p:cNvSpPr/>
           <p:nvPr/>
         </p:nvSpPr>
         <p:spPr>
           <a:xfrm>
-            <a:off x="793800" y="2489040"/>
-            <a:ext cx="12541680" cy="708480"/>
+            <a:off x="1642320" y="527400"/>
+            <a:ext cx="11345040" cy="980280"/>
           </a:xfrm>
           <a:prstGeom prst="rect">
             <a:avLst/>
@@ -4234,800 +5536,131 @@
           <a:fontRef idx="minor"/>
         </p:style>
         <p:txBody>
-          <a:bodyPr wrap="none" lIns="0" rIns="0" tIns="0" bIns="0" anchor="t">
+          <a:bodyPr anchor="b">
             <a:noAutofit/>
           </a:bodyPr>
           <a:p>
-            <a:pPr>
+            <a:pPr algn="ctr" defTabSz="914400">
               <a:lnSpc>
-                <a:spcPts val="5550"/>
+                <a:spcPct val="170000"/>
               </a:lnSpc>
-              <a:tabLst>
-                <a:tab algn="l" pos="0"/>
-              </a:tabLst>
-            </a:pPr>
-            <a:r>
-              <a:rPr b="0" lang="en-US" sz="4450" strike="noStrike" u="none">
-                <a:solidFill>
-                  <a:srgbClr val="030303"/>
-                </a:solidFill>
-                <a:effectLst/>
-                <a:uFillTx/>
-                <a:latin typeface="DM Sans Semi Bold"/>
-                <a:ea typeface="DM Sans Semi Bold"/>
-              </a:rPr>
-              <a:t>Hintergrund: Aktuelle Probleme der Nachsorge</a:t>
-            </a:r>
-            <a:endParaRPr b="0" lang="en-US" sz="4450" strike="noStrike" u="none">
-              <a:solidFill>
-                <a:srgbClr val="ffffff"/>
+            </a:pPr>
+            <a:r>
+              <a:rPr b="1" lang="de-DE" sz="2400" strike="noStrike" u="none">
+                <a:solidFill>
+                  <a:srgbClr val="013d5f"/>
+                </a:solidFill>
+                <a:effectLst/>
+                <a:uFillTx/>
+                <a:latin typeface="Aptos Display"/>
+              </a:rPr>
+              <a:t>Beispiele aus 2 Jahren Essener Post PICU </a:t>
+            </a:r>
+            <a:endParaRPr b="0" lang="en-US" sz="2400" strike="noStrike" u="none">
+              <a:solidFill>
+                <a:srgbClr val="000000"/>
               </a:solidFill>
               <a:effectLst/>
               <a:uFillTx/>
               <a:latin typeface="Arial"/>
             </a:endParaRPr>
           </a:p>
-        </p:txBody>
-      </p:sp>
-      <p:sp>
-        <p:nvSpPr>
-          <p:cNvPr id="34" name="Shape 1"/>
+          <a:p>
+            <a:pPr algn="ctr" defTabSz="914400">
+              <a:lnSpc>
+                <a:spcPct val="170000"/>
+              </a:lnSpc>
+            </a:pPr>
+            <a:r>
+              <a:rPr b="1" lang="de-DE" sz="2400" strike="noStrike" u="none">
+                <a:solidFill>
+                  <a:srgbClr val="013d5f"/>
+                </a:solidFill>
+                <a:effectLst/>
+                <a:uFillTx/>
+                <a:latin typeface="Aptos Display"/>
+              </a:rPr>
+              <a:t>27 Kinder nach intensivpflichtiger invasiven Infektionen ED 2023</a:t>
+            </a:r>
+            <a:endParaRPr b="0" lang="en-US" sz="2400" strike="noStrike" u="none">
+              <a:solidFill>
+                <a:srgbClr val="000000"/>
+              </a:solidFill>
+              <a:effectLst/>
+              <a:uFillTx/>
+              <a:latin typeface="Arial"/>
+            </a:endParaRPr>
+          </a:p>
+        </p:txBody>
+      </p:sp>
+      <p:sp>
+        <p:nvSpPr>
+          <p:cNvPr id="44" name="Rechteck 3"/>
           <p:cNvSpPr/>
           <p:nvPr/>
         </p:nvSpPr>
         <p:spPr>
           <a:xfrm>
-            <a:off x="793800" y="3906360"/>
-            <a:ext cx="510120" cy="510120"/>
-          </a:xfrm>
-          <a:prstGeom prst="roundRect">
-            <a:avLst>
-              <a:gd name="adj" fmla="val 6667"/>
-            </a:avLst>
+            <a:off x="360" y="3308760"/>
+            <a:ext cx="590400" cy="286200"/>
+          </a:xfrm>
+          <a:prstGeom prst="rect">
+            <a:avLst/>
           </a:prstGeom>
           <a:solidFill>
-            <a:srgbClr val="f2eeee"/>
+            <a:schemeClr val="bg1"/>
           </a:solidFill>
-          <a:ln w="0">
-            <a:noFill/>
+          <a:ln>
+            <a:solidFill>
+              <a:srgbClr val="ffffff"/>
+            </a:solidFill>
           </a:ln>
         </p:spPr>
         <p:style>
-          <a:lnRef idx="0"/>
-          <a:fillRef idx="0"/>
-          <a:effectRef idx="0"/>
+          <a:lnRef idx="2">
+            <a:schemeClr val="accent1">
+              <a:shade val="15000"/>
+            </a:schemeClr>
+          </a:lnRef>
+          <a:fillRef idx="1">
+            <a:schemeClr val="accent1"/>
+          </a:fillRef>
+          <a:effectRef idx="0">
+            <a:schemeClr val="accent1"/>
+          </a:effectRef>
           <a:fontRef idx="minor"/>
         </p:style>
         <p:txBody>
-          <a:bodyPr lIns="90000" rIns="90000" tIns="45000" bIns="45000" anchor="t">
+          <a:bodyPr lIns="90000" rIns="90000" tIns="45000" bIns="45000" anchor="ctr">
             <a:noAutofit/>
           </a:bodyPr>
           <a:p>
-            <a:endParaRPr b="0" lang="en-US" sz="1800" strike="noStrike" u="none">
-              <a:solidFill>
-                <a:srgbClr val="000000"/>
-              </a:solidFill>
-              <a:effectLst/>
-              <a:uFillTx/>
-              <a:latin typeface="Arial"/>
-            </a:endParaRPr>
-          </a:p>
-        </p:txBody>
-      </p:sp>
-      <p:sp>
-        <p:nvSpPr>
-          <p:cNvPr id="35" name="Text 2"/>
-          <p:cNvSpPr/>
-          <p:nvPr/>
-        </p:nvSpPr>
-        <p:spPr>
-          <a:xfrm>
-            <a:off x="878760" y="3948840"/>
-            <a:ext cx="339840" cy="424800"/>
-          </a:xfrm>
-          <a:prstGeom prst="rect">
-            <a:avLst/>
-          </a:prstGeom>
-          <a:noFill/>
-          <a:ln w="0">
-            <a:noFill/>
-          </a:ln>
-        </p:spPr>
-        <p:style>
-          <a:lnRef idx="0"/>
-          <a:fillRef idx="0"/>
-          <a:effectRef idx="0"/>
-          <a:fontRef idx="minor"/>
-        </p:style>
-        <p:txBody>
-          <a:bodyPr wrap="none" lIns="0" rIns="0" tIns="0" bIns="0" anchor="t">
-            <a:noAutofit/>
-          </a:bodyPr>
-          <a:p>
-            <a:pPr algn="ctr">
-              <a:lnSpc>
-                <a:spcPts val="2650"/>
-              </a:lnSpc>
-              <a:tabLst>
-                <a:tab algn="l" pos="0"/>
-              </a:tabLst>
-            </a:pPr>
-            <a:r>
-              <a:rPr b="0" lang="en-US" sz="2650" strike="noStrike" u="none">
-                <a:solidFill>
-                  <a:srgbClr val="464646"/>
-                </a:solidFill>
-                <a:effectLst/>
-                <a:uFillTx/>
-                <a:latin typeface="DM Sans Semi Bold"/>
-                <a:ea typeface="DM Sans Semi Bold"/>
-              </a:rPr>
-              <a:t>1</a:t>
-            </a:r>
-            <a:endParaRPr b="0" lang="en-US" sz="2650" strike="noStrike" u="none">
-              <a:solidFill>
-                <a:srgbClr val="ffffff"/>
-              </a:solidFill>
-              <a:effectLst/>
-              <a:uFillTx/>
-              <a:latin typeface="Arial"/>
-            </a:endParaRPr>
-          </a:p>
-        </p:txBody>
-      </p:sp>
-      <p:sp>
-        <p:nvSpPr>
-          <p:cNvPr id="36" name="Text 3"/>
-          <p:cNvSpPr/>
-          <p:nvPr/>
-        </p:nvSpPr>
-        <p:spPr>
-          <a:xfrm>
-            <a:off x="1531080" y="3906360"/>
-            <a:ext cx="2835000" cy="353880"/>
-          </a:xfrm>
-          <a:prstGeom prst="rect">
-            <a:avLst/>
-          </a:prstGeom>
-          <a:noFill/>
-          <a:ln w="0">
-            <a:noFill/>
-          </a:ln>
-        </p:spPr>
-        <p:style>
-          <a:lnRef idx="0"/>
-          <a:fillRef idx="0"/>
-          <a:effectRef idx="0"/>
-          <a:fontRef idx="minor"/>
-        </p:style>
-        <p:txBody>
-          <a:bodyPr wrap="none" lIns="0" rIns="0" tIns="0" bIns="0" anchor="t">
-            <a:noAutofit/>
-          </a:bodyPr>
-          <a:p>
-            <a:pPr>
-              <a:lnSpc>
-                <a:spcPts val="2750"/>
-              </a:lnSpc>
-              <a:tabLst>
-                <a:tab algn="l" pos="0"/>
-              </a:tabLst>
-            </a:pPr>
-            <a:r>
-              <a:rPr b="0" lang="en-US" sz="2200" strike="noStrike" u="none">
-                <a:solidFill>
-                  <a:srgbClr val="464646"/>
-                </a:solidFill>
-                <a:effectLst/>
-                <a:uFillTx/>
-                <a:latin typeface="DM Sans Semi Bold"/>
-                <a:ea typeface="DM Sans Semi Bold"/>
-              </a:rPr>
-              <a:t>Standards</a:t>
-            </a:r>
-            <a:endParaRPr b="0" lang="en-US" sz="2200" strike="noStrike" u="none">
-              <a:solidFill>
-                <a:srgbClr val="ffffff"/>
-              </a:solidFill>
-              <a:effectLst/>
-              <a:uFillTx/>
-              <a:latin typeface="Arial"/>
-            </a:endParaRPr>
-          </a:p>
-        </p:txBody>
-      </p:sp>
-      <p:sp>
-        <p:nvSpPr>
-          <p:cNvPr id="37" name="Text 4"/>
-          <p:cNvSpPr/>
-          <p:nvPr/>
-        </p:nvSpPr>
-        <p:spPr>
-          <a:xfrm>
-            <a:off x="1531080" y="4396680"/>
-            <a:ext cx="3458880" cy="725400"/>
-          </a:xfrm>
-          <a:prstGeom prst="rect">
-            <a:avLst/>
-          </a:prstGeom>
-          <a:noFill/>
-          <a:ln w="0">
-            <a:noFill/>
-          </a:ln>
-        </p:spPr>
-        <p:style>
-          <a:lnRef idx="0"/>
-          <a:fillRef idx="0"/>
-          <a:effectRef idx="0"/>
-          <a:fontRef idx="minor"/>
-        </p:style>
-        <p:txBody>
-          <a:bodyPr lIns="0" rIns="0" tIns="0" bIns="0" anchor="t">
-            <a:noAutofit/>
-          </a:bodyPr>
-          <a:p>
-            <a:pPr>
-              <a:lnSpc>
-                <a:spcPts val="2849"/>
-              </a:lnSpc>
-              <a:tabLst>
-                <a:tab algn="l" pos="0"/>
-              </a:tabLst>
-            </a:pPr>
-            <a:r>
-              <a:rPr b="0" lang="en-US" sz="1750" strike="noStrike" u="none">
-                <a:solidFill>
-                  <a:srgbClr val="464646"/>
-                </a:solidFill>
-                <a:effectLst/>
-                <a:uFillTx/>
-                <a:latin typeface="Inter Medium"/>
-                <a:ea typeface="Inter Medium"/>
-              </a:rPr>
-              <a:t>Fehlende Struktur in der Nachsorge.</a:t>
-            </a:r>
-            <a:endParaRPr b="0" lang="en-US" sz="1750" strike="noStrike" u="none">
-              <a:solidFill>
-                <a:srgbClr val="ffffff"/>
-              </a:solidFill>
-              <a:effectLst/>
-              <a:uFillTx/>
-              <a:latin typeface="Arial"/>
-            </a:endParaRPr>
-          </a:p>
-        </p:txBody>
-      </p:sp>
-      <p:sp>
-        <p:nvSpPr>
-          <p:cNvPr id="38" name="Shape 5"/>
-          <p:cNvSpPr/>
-          <p:nvPr/>
-        </p:nvSpPr>
-        <p:spPr>
-          <a:xfrm>
-            <a:off x="5217120" y="3906360"/>
-            <a:ext cx="510120" cy="510120"/>
-          </a:xfrm>
-          <a:prstGeom prst="roundRect">
-            <a:avLst>
-              <a:gd name="adj" fmla="val 6667"/>
-            </a:avLst>
-          </a:prstGeom>
-          <a:solidFill>
-            <a:srgbClr val="f2eeee"/>
-          </a:solidFill>
-          <a:ln w="0">
-            <a:noFill/>
-          </a:ln>
-        </p:spPr>
-        <p:style>
-          <a:lnRef idx="0"/>
-          <a:fillRef idx="0"/>
-          <a:effectRef idx="0"/>
-          <a:fontRef idx="minor"/>
-        </p:style>
-        <p:txBody>
-          <a:bodyPr lIns="90000" rIns="90000" tIns="45000" bIns="45000" anchor="t">
-            <a:noAutofit/>
-          </a:bodyPr>
-          <a:p>
-            <a:endParaRPr b="0" lang="en-US" sz="1800" strike="noStrike" u="none">
-              <a:solidFill>
-                <a:srgbClr val="000000"/>
-              </a:solidFill>
-              <a:effectLst/>
-              <a:uFillTx/>
-              <a:latin typeface="Arial"/>
-            </a:endParaRPr>
-          </a:p>
-        </p:txBody>
-      </p:sp>
-      <p:sp>
-        <p:nvSpPr>
-          <p:cNvPr id="39" name="Text 6"/>
-          <p:cNvSpPr/>
-          <p:nvPr/>
-        </p:nvSpPr>
-        <p:spPr>
-          <a:xfrm>
-            <a:off x="5302080" y="3948840"/>
-            <a:ext cx="339840" cy="424800"/>
-          </a:xfrm>
-          <a:prstGeom prst="rect">
-            <a:avLst/>
-          </a:prstGeom>
-          <a:noFill/>
-          <a:ln w="0">
-            <a:noFill/>
-          </a:ln>
-        </p:spPr>
-        <p:style>
-          <a:lnRef idx="0"/>
-          <a:fillRef idx="0"/>
-          <a:effectRef idx="0"/>
-          <a:fontRef idx="minor"/>
-        </p:style>
-        <p:txBody>
-          <a:bodyPr wrap="none" lIns="0" rIns="0" tIns="0" bIns="0" anchor="t">
-            <a:noAutofit/>
-          </a:bodyPr>
-          <a:p>
-            <a:pPr algn="ctr">
-              <a:lnSpc>
-                <a:spcPts val="2650"/>
-              </a:lnSpc>
-              <a:tabLst>
-                <a:tab algn="l" pos="0"/>
-              </a:tabLst>
-            </a:pPr>
-            <a:r>
-              <a:rPr b="0" lang="en-US" sz="2650" strike="noStrike" u="none">
-                <a:solidFill>
-                  <a:srgbClr val="464646"/>
-                </a:solidFill>
-                <a:effectLst/>
-                <a:uFillTx/>
-                <a:latin typeface="DM Sans Semi Bold"/>
-                <a:ea typeface="DM Sans Semi Bold"/>
-              </a:rPr>
-              <a:t>2</a:t>
-            </a:r>
-            <a:endParaRPr b="0" lang="en-US" sz="2650" strike="noStrike" u="none">
-              <a:solidFill>
-                <a:srgbClr val="ffffff"/>
-              </a:solidFill>
-              <a:effectLst/>
-              <a:uFillTx/>
-              <a:latin typeface="Arial"/>
-            </a:endParaRPr>
-          </a:p>
-        </p:txBody>
-      </p:sp>
-      <p:sp>
-        <p:nvSpPr>
-          <p:cNvPr id="40" name="Text 7"/>
-          <p:cNvSpPr/>
-          <p:nvPr/>
-        </p:nvSpPr>
-        <p:spPr>
-          <a:xfrm>
-            <a:off x="5954040" y="3906360"/>
-            <a:ext cx="2835000" cy="353880"/>
-          </a:xfrm>
-          <a:prstGeom prst="rect">
-            <a:avLst/>
-          </a:prstGeom>
-          <a:noFill/>
-          <a:ln w="0">
-            <a:noFill/>
-          </a:ln>
-        </p:spPr>
-        <p:style>
-          <a:lnRef idx="0"/>
-          <a:fillRef idx="0"/>
-          <a:effectRef idx="0"/>
-          <a:fontRef idx="minor"/>
-        </p:style>
-        <p:txBody>
-          <a:bodyPr wrap="none" lIns="0" rIns="0" tIns="0" bIns="0" anchor="t">
-            <a:noAutofit/>
-          </a:bodyPr>
-          <a:p>
-            <a:pPr>
-              <a:lnSpc>
-                <a:spcPts val="2750"/>
-              </a:lnSpc>
-              <a:tabLst>
-                <a:tab algn="l" pos="0"/>
-              </a:tabLst>
-            </a:pPr>
-            <a:r>
-              <a:rPr b="0" lang="en-US" sz="2200" strike="noStrike" u="none">
-                <a:solidFill>
-                  <a:srgbClr val="464646"/>
-                </a:solidFill>
-                <a:effectLst/>
-                <a:uFillTx/>
-                <a:latin typeface="DM Sans Semi Bold"/>
-                <a:ea typeface="DM Sans Semi Bold"/>
-              </a:rPr>
-              <a:t>Teilnahme</a:t>
-            </a:r>
-            <a:endParaRPr b="0" lang="en-US" sz="2200" strike="noStrike" u="none">
-              <a:solidFill>
-                <a:srgbClr val="ffffff"/>
-              </a:solidFill>
-              <a:effectLst/>
-              <a:uFillTx/>
-              <a:latin typeface="Arial"/>
-            </a:endParaRPr>
-          </a:p>
-        </p:txBody>
-      </p:sp>
-      <p:sp>
-        <p:nvSpPr>
-          <p:cNvPr id="41" name="Text 8"/>
-          <p:cNvSpPr/>
-          <p:nvPr/>
-        </p:nvSpPr>
-        <p:spPr>
-          <a:xfrm>
-            <a:off x="5954040" y="4396680"/>
-            <a:ext cx="3458880" cy="725400"/>
-          </a:xfrm>
-          <a:prstGeom prst="rect">
-            <a:avLst/>
-          </a:prstGeom>
-          <a:noFill/>
-          <a:ln w="0">
-            <a:noFill/>
-          </a:ln>
-        </p:spPr>
-        <p:style>
-          <a:lnRef idx="0"/>
-          <a:fillRef idx="0"/>
-          <a:effectRef idx="0"/>
-          <a:fontRef idx="minor"/>
-        </p:style>
-        <p:txBody>
-          <a:bodyPr lIns="0" rIns="0" tIns="0" bIns="0" anchor="t">
-            <a:noAutofit/>
-          </a:bodyPr>
-          <a:p>
-            <a:pPr>
-              <a:lnSpc>
-                <a:spcPts val="2849"/>
-              </a:lnSpc>
-              <a:tabLst>
-                <a:tab algn="l" pos="0"/>
-              </a:tabLst>
-            </a:pPr>
-            <a:r>
-              <a:rPr b="0" lang="en-US" sz="1750" strike="noStrike" u="none">
-                <a:solidFill>
-                  <a:srgbClr val="464646"/>
-                </a:solidFill>
-                <a:effectLst/>
-                <a:uFillTx/>
-                <a:latin typeface="Inter Medium"/>
-                <a:ea typeface="Inter Medium"/>
-              </a:rPr>
-              <a:t>Geringe Patientenbeteiligung durch persönliches Vorsprechen.</a:t>
-            </a:r>
-            <a:endParaRPr b="0" lang="en-US" sz="1750" strike="noStrike" u="none">
-              <a:solidFill>
-                <a:srgbClr val="ffffff"/>
-              </a:solidFill>
-              <a:effectLst/>
-              <a:uFillTx/>
-              <a:latin typeface="Arial"/>
-            </a:endParaRPr>
-          </a:p>
-        </p:txBody>
-      </p:sp>
-      <p:sp>
-        <p:nvSpPr>
-          <p:cNvPr id="42" name="Shape 9"/>
-          <p:cNvSpPr/>
-          <p:nvPr/>
-        </p:nvSpPr>
-        <p:spPr>
-          <a:xfrm>
-            <a:off x="9640080" y="3906360"/>
-            <a:ext cx="510120" cy="510120"/>
-          </a:xfrm>
-          <a:prstGeom prst="roundRect">
-            <a:avLst>
-              <a:gd name="adj" fmla="val 6667"/>
-            </a:avLst>
-          </a:prstGeom>
-          <a:solidFill>
-            <a:srgbClr val="f2eeee"/>
-          </a:solidFill>
-          <a:ln w="0">
-            <a:noFill/>
-          </a:ln>
-        </p:spPr>
-        <p:style>
-          <a:lnRef idx="0"/>
-          <a:fillRef idx="0"/>
-          <a:effectRef idx="0"/>
-          <a:fontRef idx="minor"/>
-        </p:style>
-        <p:txBody>
-          <a:bodyPr lIns="90000" rIns="90000" tIns="45000" bIns="45000" anchor="t">
-            <a:noAutofit/>
-          </a:bodyPr>
-          <a:p>
-            <a:endParaRPr b="0" lang="en-US" sz="1800" strike="noStrike" u="none">
-              <a:solidFill>
-                <a:srgbClr val="000000"/>
-              </a:solidFill>
-              <a:effectLst/>
-              <a:uFillTx/>
-              <a:latin typeface="Arial"/>
-            </a:endParaRPr>
-          </a:p>
-        </p:txBody>
-      </p:sp>
-      <p:sp>
-        <p:nvSpPr>
-          <p:cNvPr id="43" name="Text 10"/>
-          <p:cNvSpPr/>
-          <p:nvPr/>
-        </p:nvSpPr>
-        <p:spPr>
-          <a:xfrm>
-            <a:off x="9725040" y="3948840"/>
-            <a:ext cx="339840" cy="424800"/>
-          </a:xfrm>
-          <a:prstGeom prst="rect">
-            <a:avLst/>
-          </a:prstGeom>
-          <a:noFill/>
-          <a:ln w="0">
-            <a:noFill/>
-          </a:ln>
-        </p:spPr>
-        <p:style>
-          <a:lnRef idx="0"/>
-          <a:fillRef idx="0"/>
-          <a:effectRef idx="0"/>
-          <a:fontRef idx="minor"/>
-        </p:style>
-        <p:txBody>
-          <a:bodyPr wrap="none" lIns="0" rIns="0" tIns="0" bIns="0" anchor="t">
-            <a:noAutofit/>
-          </a:bodyPr>
-          <a:p>
-            <a:pPr algn="ctr">
-              <a:lnSpc>
-                <a:spcPts val="2650"/>
-              </a:lnSpc>
-              <a:tabLst>
-                <a:tab algn="l" pos="0"/>
-              </a:tabLst>
-            </a:pPr>
-            <a:r>
-              <a:rPr b="0" lang="en-US" sz="2650" strike="noStrike" u="none">
-                <a:solidFill>
-                  <a:srgbClr val="464646"/>
-                </a:solidFill>
-                <a:effectLst/>
-                <a:uFillTx/>
-                <a:latin typeface="DM Sans Semi Bold"/>
-                <a:ea typeface="DM Sans Semi Bold"/>
-              </a:rPr>
-              <a:t>3</a:t>
-            </a:r>
-            <a:endParaRPr b="0" lang="en-US" sz="2650" strike="noStrike" u="none">
-              <a:solidFill>
-                <a:srgbClr val="ffffff"/>
-              </a:solidFill>
-              <a:effectLst/>
-              <a:uFillTx/>
-              <a:latin typeface="Arial"/>
-            </a:endParaRPr>
-          </a:p>
-        </p:txBody>
-      </p:sp>
-      <p:sp>
-        <p:nvSpPr>
-          <p:cNvPr id="44" name="Text 11"/>
-          <p:cNvSpPr/>
-          <p:nvPr/>
-        </p:nvSpPr>
-        <p:spPr>
-          <a:xfrm>
-            <a:off x="10377360" y="3906360"/>
-            <a:ext cx="2835000" cy="353880"/>
-          </a:xfrm>
-          <a:prstGeom prst="rect">
-            <a:avLst/>
-          </a:prstGeom>
-          <a:noFill/>
-          <a:ln w="0">
-            <a:noFill/>
-          </a:ln>
-        </p:spPr>
-        <p:style>
-          <a:lnRef idx="0"/>
-          <a:fillRef idx="0"/>
-          <a:effectRef idx="0"/>
-          <a:fontRef idx="minor"/>
-        </p:style>
-        <p:txBody>
-          <a:bodyPr wrap="none" lIns="0" rIns="0" tIns="0" bIns="0" anchor="t">
-            <a:noAutofit/>
-          </a:bodyPr>
-          <a:p>
-            <a:pPr>
-              <a:lnSpc>
-                <a:spcPts val="2750"/>
-              </a:lnSpc>
-              <a:tabLst>
-                <a:tab algn="l" pos="0"/>
-              </a:tabLst>
-            </a:pPr>
-            <a:r>
-              <a:rPr b="0" lang="en-US" sz="2200" strike="noStrike" u="none">
-                <a:solidFill>
-                  <a:srgbClr val="464646"/>
-                </a:solidFill>
-                <a:effectLst/>
-                <a:uFillTx/>
-                <a:latin typeface="DM Sans Semi Bold"/>
-                <a:ea typeface="DM Sans Semi Bold"/>
-              </a:rPr>
-              <a:t>Rücklauf</a:t>
-            </a:r>
-            <a:endParaRPr b="0" lang="en-US" sz="2200" strike="noStrike" u="none">
-              <a:solidFill>
-                <a:srgbClr val="ffffff"/>
-              </a:solidFill>
-              <a:effectLst/>
-              <a:uFillTx/>
-              <a:latin typeface="Arial"/>
-            </a:endParaRPr>
-          </a:p>
-        </p:txBody>
-      </p:sp>
-      <p:sp>
-        <p:nvSpPr>
-          <p:cNvPr id="45" name="Text 12"/>
-          <p:cNvSpPr/>
-          <p:nvPr/>
-        </p:nvSpPr>
-        <p:spPr>
-          <a:xfrm>
-            <a:off x="10377360" y="4396680"/>
-            <a:ext cx="3458880" cy="725400"/>
-          </a:xfrm>
-          <a:prstGeom prst="rect">
-            <a:avLst/>
-          </a:prstGeom>
-          <a:noFill/>
-          <a:ln w="0">
-            <a:noFill/>
-          </a:ln>
-        </p:spPr>
-        <p:style>
-          <a:lnRef idx="0"/>
-          <a:fillRef idx="0"/>
-          <a:effectRef idx="0"/>
-          <a:fontRef idx="minor"/>
-        </p:style>
-        <p:txBody>
-          <a:bodyPr lIns="0" rIns="0" tIns="0" bIns="0" anchor="t">
-            <a:noAutofit/>
-          </a:bodyPr>
-          <a:p>
-            <a:pPr>
-              <a:lnSpc>
-                <a:spcPts val="2849"/>
-              </a:lnSpc>
-              <a:tabLst>
-                <a:tab algn="l" pos="0"/>
-              </a:tabLst>
-            </a:pPr>
-            <a:r>
-              <a:rPr b="0" lang="en-US" sz="1750" strike="noStrike" u="none">
-                <a:solidFill>
-                  <a:srgbClr val="464646"/>
-                </a:solidFill>
-                <a:effectLst/>
-                <a:uFillTx/>
-                <a:latin typeface="Inter Medium"/>
-                <a:ea typeface="Inter Medium"/>
-              </a:rPr>
-              <a:t>Schlechte Rücklaufquoten bei Papierfragebögen.</a:t>
-            </a:r>
-            <a:endParaRPr b="0" lang="en-US" sz="1750" strike="noStrike" u="none">
-              <a:solidFill>
-                <a:srgbClr val="ffffff"/>
-              </a:solidFill>
-              <a:effectLst/>
-              <a:uFillTx/>
-              <a:latin typeface="Arial"/>
-            </a:endParaRPr>
-          </a:p>
-        </p:txBody>
-      </p:sp>
-      <p:sp>
-        <p:nvSpPr>
-          <p:cNvPr id="46" name="Text 13"/>
-          <p:cNvSpPr/>
-          <p:nvPr/>
-        </p:nvSpPr>
-        <p:spPr>
-          <a:xfrm>
-            <a:off x="793800" y="5377680"/>
-            <a:ext cx="13042440" cy="362520"/>
-          </a:xfrm>
-          <a:prstGeom prst="rect">
-            <a:avLst/>
-          </a:prstGeom>
-          <a:noFill/>
-          <a:ln w="0">
-            <a:noFill/>
-          </a:ln>
-        </p:spPr>
-        <p:style>
-          <a:lnRef idx="0"/>
-          <a:fillRef idx="0"/>
-          <a:effectRef idx="0"/>
-          <a:fontRef idx="minor"/>
-        </p:style>
-        <p:txBody>
-          <a:bodyPr wrap="none" lIns="0" rIns="0" tIns="0" bIns="0" anchor="t">
-            <a:noAutofit/>
-          </a:bodyPr>
-          <a:p>
-            <a:pPr>
-              <a:lnSpc>
-                <a:spcPts val="2849"/>
-              </a:lnSpc>
-              <a:tabLst>
-                <a:tab algn="l" pos="0"/>
-              </a:tabLst>
-            </a:pPr>
-            <a:r>
-              <a:rPr b="0" lang="en-US" sz="1750" strike="noStrike" u="none">
-                <a:solidFill>
-                  <a:srgbClr val="464646"/>
-                </a:solidFill>
-                <a:effectLst/>
-                <a:uFillTx/>
-                <a:latin typeface="Inter Medium"/>
-                <a:ea typeface="Inter Medium"/>
-              </a:rPr>
-              <a:t>Verbesserung durch digitale PROMs in einheitlichem Format.</a:t>
-            </a:r>
-            <a:endParaRPr b="0" lang="en-US" sz="1750" strike="noStrike" u="none">
-              <a:solidFill>
-                <a:srgbClr val="ffffff"/>
-              </a:solidFill>
-              <a:effectLst/>
-              <a:uFillTx/>
-              <a:latin typeface="Arial"/>
+            <a:endParaRPr b="0" lang="en-GB" sz="1800" strike="noStrike" u="none">
+              <a:solidFill>
+                <a:schemeClr val="lt1"/>
+              </a:solidFill>
+              <a:effectLst/>
+              <a:uFillTx/>
+              <a:latin typeface="Aptos"/>
             </a:endParaRPr>
           </a:p>
         </p:txBody>
       </p:sp>
       <p:pic>
         <p:nvPicPr>
-          <p:cNvPr id="47" name="" descr=""/>
+          <p:cNvPr id="45" name="Grafik 2" descr=""/>
           <p:cNvPicPr/>
           <p:nvPr/>
         </p:nvPicPr>
         <p:blipFill>
           <a:blip r:embed="rId1"/>
+          <a:srcRect l="0" t="4266" r="0" b="0"/>
           <a:stretch/>
         </p:blipFill>
         <p:spPr>
           <a:xfrm>
-            <a:off x="10972800" y="6858360"/>
-            <a:ext cx="3657600" cy="1371960"/>
+            <a:off x="1642320" y="1827360"/>
+            <a:ext cx="11345040" cy="5384880"/>
           </a:xfrm>
           <a:prstGeom prst="rect">
             <a:avLst/>
@@ -5038,6 +5671,59 @@
           </a:ln>
         </p:spPr>
       </p:pic>
+      <p:sp>
+        <p:nvSpPr>
+          <p:cNvPr id="46" name="Rechteck 4"/>
+          <p:cNvSpPr/>
+          <p:nvPr/>
+        </p:nvSpPr>
+        <p:spPr>
+          <a:xfrm>
+            <a:off x="3539160" y="1637280"/>
+            <a:ext cx="6436800" cy="320040"/>
+          </a:xfrm>
+          <a:prstGeom prst="rect">
+            <a:avLst/>
+          </a:prstGeom>
+          <a:solidFill>
+            <a:schemeClr val="bg1"/>
+          </a:solidFill>
+          <a:ln>
+            <a:solidFill>
+              <a:srgbClr val="ffffff"/>
+            </a:solidFill>
+          </a:ln>
+        </p:spPr>
+        <p:style>
+          <a:lnRef idx="2">
+            <a:schemeClr val="accent1">
+              <a:shade val="15000"/>
+            </a:schemeClr>
+          </a:lnRef>
+          <a:fillRef idx="1">
+            <a:schemeClr val="accent1"/>
+          </a:fillRef>
+          <a:effectRef idx="0">
+            <a:schemeClr val="accent1"/>
+          </a:effectRef>
+          <a:fontRef idx="minor"/>
+        </p:style>
+        <p:txBody>
+          <a:bodyPr lIns="90000" rIns="90000" tIns="45000" bIns="45000" anchor="ctr">
+            <a:noAutofit/>
+          </a:bodyPr>
+          <a:p>
+            <a:endParaRPr b="0" lang="en-GB" sz="1800" strike="noStrike" u="none">
+              <a:solidFill>
+                <a:schemeClr val="lt1"/>
+              </a:solidFill>
+              <a:effectLst/>
+              <a:uFillTx/>
+              <a:latin typeface="Aptos"/>
+            </a:endParaRPr>
+          </a:p>
+        </p:txBody>
+      </p:sp>
     </p:spTree>
   </p:cSld>
   <mc:AlternateContent>
@@ -5070,14 +5756,14 @@
       </p:grpSpPr>
       <p:sp>
         <p:nvSpPr>
-          <p:cNvPr id="48" name="Text 0"/>
+          <p:cNvPr id="47" name="Text 0"/>
           <p:cNvSpPr/>
           <p:nvPr/>
         </p:nvSpPr>
         <p:spPr>
           <a:xfrm>
-            <a:off x="793800" y="1137960"/>
-            <a:ext cx="13042440" cy="1417320"/>
+            <a:off x="793800" y="2489040"/>
+            <a:ext cx="12541680" cy="708480"/>
           </a:xfrm>
           <a:prstGeom prst="rect">
             <a:avLst/>
@@ -5094,7 +5780,7 @@
           <a:fontRef idx="minor"/>
         </p:style>
         <p:txBody>
-          <a:bodyPr lIns="0" rIns="0" tIns="0" bIns="0" anchor="t">
+          <a:bodyPr wrap="none" lIns="0" rIns="0" tIns="0" bIns="0" anchor="t">
             <a:noAutofit/>
           </a:bodyPr>
           <a:p>
@@ -5116,7 +5802,7 @@
                 <a:latin typeface="DM Sans Semi Bold"/>
                 <a:ea typeface="DM Sans Semi Bold"/>
               </a:rPr>
-              <a:t>Lösungsansatz: Digitale Plattform zur PROMs-Erfassung</a:t>
+              <a:t>Hintergrund: Aktuelle Probleme der Nachsorge</a:t>
             </a:r>
             <a:endParaRPr b="0" lang="en-US" sz="4450" strike="noStrike" u="none">
               <a:solidFill>
@@ -5129,40 +5815,122 @@
           </a:p>
         </p:txBody>
       </p:sp>
-      <p:pic>
-        <p:nvPicPr>
-          <p:cNvPr id="49" name="Image 0" descr="preencoded.png"/>
-          <p:cNvPicPr/>
-          <p:nvPr/>
-        </p:nvPicPr>
-        <p:blipFill>
-          <a:blip r:embed="rId1"/>
-          <a:stretch/>
-        </p:blipFill>
-        <p:spPr>
-          <a:xfrm>
-            <a:off x="1621800" y="3009240"/>
-            <a:ext cx="1133640" cy="1360440"/>
-          </a:xfrm>
-          <a:prstGeom prst="rect">
-            <a:avLst/>
-          </a:prstGeom>
-          <a:noFill/>
-          <a:ln w="0">
-            <a:noFill/>
-          </a:ln>
-        </p:spPr>
-      </p:pic>
-      <p:sp>
-        <p:nvSpPr>
-          <p:cNvPr id="50" name="Text 1"/>
+      <p:sp>
+        <p:nvSpPr>
+          <p:cNvPr id="48" name="Shape 1"/>
           <p:cNvSpPr/>
           <p:nvPr/>
         </p:nvSpPr>
         <p:spPr>
           <a:xfrm>
-            <a:off x="3096000" y="3236040"/>
-            <a:ext cx="4137840" cy="353880"/>
+            <a:off x="793800" y="3906360"/>
+            <a:ext cx="510120" cy="510120"/>
+          </a:xfrm>
+          <a:prstGeom prst="roundRect">
+            <a:avLst>
+              <a:gd name="adj" fmla="val 6667"/>
+            </a:avLst>
+          </a:prstGeom>
+          <a:solidFill>
+            <a:srgbClr val="f2eeee"/>
+          </a:solidFill>
+          <a:ln w="0">
+            <a:noFill/>
+          </a:ln>
+        </p:spPr>
+        <p:style>
+          <a:lnRef idx="0"/>
+          <a:fillRef idx="0"/>
+          <a:effectRef idx="0"/>
+          <a:fontRef idx="minor"/>
+        </p:style>
+        <p:txBody>
+          <a:bodyPr lIns="90000" rIns="90000" tIns="45000" bIns="45000" anchor="t">
+            <a:noAutofit/>
+          </a:bodyPr>
+          <a:p>
+            <a:endParaRPr b="0" lang="en-US" sz="1800" strike="noStrike" u="none">
+              <a:solidFill>
+                <a:srgbClr val="000000"/>
+              </a:solidFill>
+              <a:effectLst/>
+              <a:uFillTx/>
+              <a:latin typeface="Arial"/>
+            </a:endParaRPr>
+          </a:p>
+        </p:txBody>
+      </p:sp>
+      <p:sp>
+        <p:nvSpPr>
+          <p:cNvPr id="49" name="Text 2"/>
+          <p:cNvSpPr/>
+          <p:nvPr/>
+        </p:nvSpPr>
+        <p:spPr>
+          <a:xfrm>
+            <a:off x="878760" y="3948840"/>
+            <a:ext cx="339840" cy="424800"/>
+          </a:xfrm>
+          <a:prstGeom prst="rect">
+            <a:avLst/>
+          </a:prstGeom>
+          <a:noFill/>
+          <a:ln w="0">
+            <a:noFill/>
+          </a:ln>
+        </p:spPr>
+        <p:style>
+          <a:lnRef idx="0"/>
+          <a:fillRef idx="0"/>
+          <a:effectRef idx="0"/>
+          <a:fontRef idx="minor"/>
+        </p:style>
+        <p:txBody>
+          <a:bodyPr wrap="none" lIns="0" rIns="0" tIns="0" bIns="0" anchor="t">
+            <a:noAutofit/>
+          </a:bodyPr>
+          <a:p>
+            <a:pPr algn="ctr">
+              <a:lnSpc>
+                <a:spcPts val="2650"/>
+              </a:lnSpc>
+              <a:tabLst>
+                <a:tab algn="l" pos="0"/>
+              </a:tabLst>
+            </a:pPr>
+            <a:r>
+              <a:rPr b="0" lang="en-US" sz="2650" strike="noStrike" u="none">
+                <a:solidFill>
+                  <a:srgbClr val="464646"/>
+                </a:solidFill>
+                <a:effectLst/>
+                <a:uFillTx/>
+                <a:latin typeface="DM Sans Semi Bold"/>
+                <a:ea typeface="DM Sans Semi Bold"/>
+              </a:rPr>
+              <a:t>1</a:t>
+            </a:r>
+            <a:endParaRPr b="0" lang="en-US" sz="2650" strike="noStrike" u="none">
+              <a:solidFill>
+                <a:srgbClr val="ffffff"/>
+              </a:solidFill>
+              <a:effectLst/>
+              <a:uFillTx/>
+              <a:latin typeface="Arial"/>
+            </a:endParaRPr>
+          </a:p>
+        </p:txBody>
+      </p:sp>
+      <p:sp>
+        <p:nvSpPr>
+          <p:cNvPr id="50" name="Text 3"/>
+          <p:cNvSpPr/>
+          <p:nvPr/>
+        </p:nvSpPr>
+        <p:spPr>
+          <a:xfrm>
+            <a:off x="1531080" y="3906360"/>
+            <a:ext cx="2835000" cy="353880"/>
           </a:xfrm>
           <a:prstGeom prst="rect">
             <a:avLst/>
@@ -5201,7 +5969,7 @@
                 <a:latin typeface="DM Sans Semi Bold"/>
                 <a:ea typeface="DM Sans Semi Bold"/>
               </a:rPr>
-              <a:t>Benutzerfreundliche Plattform</a:t>
+              <a:t>Standards</a:t>
             </a:r>
             <a:endParaRPr b="0" lang="en-US" sz="2200" strike="noStrike" u="none">
               <a:solidFill>
@@ -5216,14 +5984,14 @@
       </p:sp>
       <p:sp>
         <p:nvSpPr>
-          <p:cNvPr id="51" name="Text 2"/>
+          <p:cNvPr id="51" name="Text 4"/>
           <p:cNvSpPr/>
           <p:nvPr/>
         </p:nvSpPr>
         <p:spPr>
           <a:xfrm>
-            <a:off x="3096000" y="3726360"/>
-            <a:ext cx="4361400" cy="362520"/>
+            <a:off x="1531080" y="4396680"/>
+            <a:ext cx="3458880" cy="725400"/>
           </a:xfrm>
           <a:prstGeom prst="rect">
             <a:avLst/>
@@ -5240,7 +6008,7 @@
           <a:fontRef idx="minor"/>
         </p:style>
         <p:txBody>
-          <a:bodyPr wrap="none" lIns="0" rIns="0" tIns="0" bIns="0" anchor="t">
+          <a:bodyPr lIns="0" rIns="0" tIns="0" bIns="0" anchor="t">
             <a:noAutofit/>
           </a:bodyPr>
           <a:p>
@@ -5262,7 +6030,7 @@
                 <a:latin typeface="Inter Medium"/>
                 <a:ea typeface="Inter Medium"/>
               </a:rPr>
-              <a:t>Intuitive Bedienung für Kinder und Eltern.</a:t>
+              <a:t>Fehlende Struktur in der Nachsorge.</a:t>
             </a:r>
             <a:endParaRPr b="0" lang="en-US" sz="1750" strike="noStrike" u="none">
               <a:solidFill>
@@ -5275,40 +6043,122 @@
           </a:p>
         </p:txBody>
       </p:sp>
-      <p:pic>
-        <p:nvPicPr>
-          <p:cNvPr id="52" name="Image 1" descr="preencoded.png"/>
-          <p:cNvPicPr/>
-          <p:nvPr/>
-        </p:nvPicPr>
-        <p:blipFill>
-          <a:blip r:embed="rId2"/>
-          <a:stretch/>
-        </p:blipFill>
-        <p:spPr>
-          <a:xfrm>
-            <a:off x="1621800" y="4370040"/>
-            <a:ext cx="1133640" cy="1360440"/>
-          </a:xfrm>
-          <a:prstGeom prst="rect">
-            <a:avLst/>
-          </a:prstGeom>
-          <a:noFill/>
-          <a:ln w="0">
-            <a:noFill/>
-          </a:ln>
-        </p:spPr>
-      </p:pic>
-      <p:sp>
-        <p:nvSpPr>
-          <p:cNvPr id="53" name="Text 3"/>
+      <p:sp>
+        <p:nvSpPr>
+          <p:cNvPr id="52" name="Shape 5"/>
           <p:cNvSpPr/>
           <p:nvPr/>
         </p:nvSpPr>
         <p:spPr>
           <a:xfrm>
-            <a:off x="3096000" y="4596840"/>
-            <a:ext cx="3668400" cy="353880"/>
+            <a:off x="5217120" y="3906360"/>
+            <a:ext cx="510120" cy="510120"/>
+          </a:xfrm>
+          <a:prstGeom prst="roundRect">
+            <a:avLst>
+              <a:gd name="adj" fmla="val 6667"/>
+            </a:avLst>
+          </a:prstGeom>
+          <a:solidFill>
+            <a:srgbClr val="f2eeee"/>
+          </a:solidFill>
+          <a:ln w="0">
+            <a:noFill/>
+          </a:ln>
+        </p:spPr>
+        <p:style>
+          <a:lnRef idx="0"/>
+          <a:fillRef idx="0"/>
+          <a:effectRef idx="0"/>
+          <a:fontRef idx="minor"/>
+        </p:style>
+        <p:txBody>
+          <a:bodyPr lIns="90000" rIns="90000" tIns="45000" bIns="45000" anchor="t">
+            <a:noAutofit/>
+          </a:bodyPr>
+          <a:p>
+            <a:endParaRPr b="0" lang="en-US" sz="1800" strike="noStrike" u="none">
+              <a:solidFill>
+                <a:srgbClr val="000000"/>
+              </a:solidFill>
+              <a:effectLst/>
+              <a:uFillTx/>
+              <a:latin typeface="Arial"/>
+            </a:endParaRPr>
+          </a:p>
+        </p:txBody>
+      </p:sp>
+      <p:sp>
+        <p:nvSpPr>
+          <p:cNvPr id="53" name="Text 6"/>
+          <p:cNvSpPr/>
+          <p:nvPr/>
+        </p:nvSpPr>
+        <p:spPr>
+          <a:xfrm>
+            <a:off x="5302080" y="3948840"/>
+            <a:ext cx="339840" cy="424800"/>
+          </a:xfrm>
+          <a:prstGeom prst="rect">
+            <a:avLst/>
+          </a:prstGeom>
+          <a:noFill/>
+          <a:ln w="0">
+            <a:noFill/>
+          </a:ln>
+        </p:spPr>
+        <p:style>
+          <a:lnRef idx="0"/>
+          <a:fillRef idx="0"/>
+          <a:effectRef idx="0"/>
+          <a:fontRef idx="minor"/>
+        </p:style>
+        <p:txBody>
+          <a:bodyPr wrap="none" lIns="0" rIns="0" tIns="0" bIns="0" anchor="t">
+            <a:noAutofit/>
+          </a:bodyPr>
+          <a:p>
+            <a:pPr algn="ctr">
+              <a:lnSpc>
+                <a:spcPts val="2650"/>
+              </a:lnSpc>
+              <a:tabLst>
+                <a:tab algn="l" pos="0"/>
+              </a:tabLst>
+            </a:pPr>
+            <a:r>
+              <a:rPr b="0" lang="en-US" sz="2650" strike="noStrike" u="none">
+                <a:solidFill>
+                  <a:srgbClr val="464646"/>
+                </a:solidFill>
+                <a:effectLst/>
+                <a:uFillTx/>
+                <a:latin typeface="DM Sans Semi Bold"/>
+                <a:ea typeface="DM Sans Semi Bold"/>
+              </a:rPr>
+              <a:t>2</a:t>
+            </a:r>
+            <a:endParaRPr b="0" lang="en-US" sz="2650" strike="noStrike" u="none">
+              <a:solidFill>
+                <a:srgbClr val="ffffff"/>
+              </a:solidFill>
+              <a:effectLst/>
+              <a:uFillTx/>
+              <a:latin typeface="Arial"/>
+            </a:endParaRPr>
+          </a:p>
+        </p:txBody>
+      </p:sp>
+      <p:sp>
+        <p:nvSpPr>
+          <p:cNvPr id="54" name="Text 7"/>
+          <p:cNvSpPr/>
+          <p:nvPr/>
+        </p:nvSpPr>
+        <p:spPr>
+          <a:xfrm>
+            <a:off x="5954040" y="3906360"/>
+            <a:ext cx="2835000" cy="353880"/>
           </a:xfrm>
           <a:prstGeom prst="rect">
             <a:avLst/>
@@ -5347,7 +6197,7 @@
                 <a:latin typeface="DM Sans Semi Bold"/>
                 <a:ea typeface="DM Sans Semi Bold"/>
               </a:rPr>
-              <a:t>Nachhaltiger Genesungsverlauf</a:t>
+              <a:t>Teilnahme</a:t>
             </a:r>
             <a:endParaRPr b="0" lang="en-US" sz="2200" strike="noStrike" u="none">
               <a:solidFill>
@@ -5362,14 +6212,14 @@
       </p:sp>
       <p:sp>
         <p:nvSpPr>
-          <p:cNvPr id="54" name="Text 4"/>
+          <p:cNvPr id="55" name="Text 8"/>
           <p:cNvSpPr/>
           <p:nvPr/>
         </p:nvSpPr>
         <p:spPr>
           <a:xfrm>
-            <a:off x="3096000" y="5087160"/>
-            <a:ext cx="4590000" cy="362520"/>
+            <a:off x="5954040" y="4396680"/>
+            <a:ext cx="3458880" cy="725400"/>
           </a:xfrm>
           <a:prstGeom prst="rect">
             <a:avLst/>
@@ -5386,7 +6236,7 @@
           <a:fontRef idx="minor"/>
         </p:style>
         <p:txBody>
-          <a:bodyPr wrap="none" lIns="0" rIns="0" tIns="0" bIns="0" anchor="t">
+          <a:bodyPr lIns="0" rIns="0" tIns="0" bIns="0" anchor="t">
             <a:noAutofit/>
           </a:bodyPr>
           <a:p>
@@ -5408,7 +6258,7 @@
                 <a:latin typeface="Inter Medium"/>
                 <a:ea typeface="Inter Medium"/>
               </a:rPr>
-              <a:t>Patientenfeedback in relevanten Abständen</a:t>
+              <a:t>Geringe Patientenbeteiligung durch persönliches Vorsprechen.</a:t>
             </a:r>
             <a:endParaRPr b="0" lang="en-US" sz="1750" strike="noStrike" u="none">
               <a:solidFill>
@@ -5421,39 +6271,121 @@
           </a:p>
         </p:txBody>
       </p:sp>
-      <p:pic>
-        <p:nvPicPr>
-          <p:cNvPr id="55" name="Image 2" descr="preencoded.png"/>
-          <p:cNvPicPr/>
-          <p:nvPr/>
-        </p:nvPicPr>
-        <p:blipFill>
-          <a:blip r:embed="rId3"/>
-          <a:stretch/>
-        </p:blipFill>
-        <p:spPr>
-          <a:xfrm>
-            <a:off x="1621800" y="5730840"/>
-            <a:ext cx="1133640" cy="1360440"/>
-          </a:xfrm>
-          <a:prstGeom prst="rect">
-            <a:avLst/>
-          </a:prstGeom>
-          <a:noFill/>
-          <a:ln w="0">
-            <a:noFill/>
-          </a:ln>
-        </p:spPr>
-      </p:pic>
-      <p:sp>
-        <p:nvSpPr>
-          <p:cNvPr id="56" name="Text 5"/>
+      <p:sp>
+        <p:nvSpPr>
+          <p:cNvPr id="56" name="Shape 9"/>
           <p:cNvSpPr/>
           <p:nvPr/>
         </p:nvSpPr>
         <p:spPr>
           <a:xfrm>
-            <a:off x="3096000" y="5957640"/>
+            <a:off x="9640080" y="3906360"/>
+            <a:ext cx="510120" cy="510120"/>
+          </a:xfrm>
+          <a:prstGeom prst="roundRect">
+            <a:avLst>
+              <a:gd name="adj" fmla="val 6667"/>
+            </a:avLst>
+          </a:prstGeom>
+          <a:solidFill>
+            <a:srgbClr val="f2eeee"/>
+          </a:solidFill>
+          <a:ln w="0">
+            <a:noFill/>
+          </a:ln>
+        </p:spPr>
+        <p:style>
+          <a:lnRef idx="0"/>
+          <a:fillRef idx="0"/>
+          <a:effectRef idx="0"/>
+          <a:fontRef idx="minor"/>
+        </p:style>
+        <p:txBody>
+          <a:bodyPr lIns="90000" rIns="90000" tIns="45000" bIns="45000" anchor="t">
+            <a:noAutofit/>
+          </a:bodyPr>
+          <a:p>
+            <a:endParaRPr b="0" lang="en-US" sz="1800" strike="noStrike" u="none">
+              <a:solidFill>
+                <a:srgbClr val="000000"/>
+              </a:solidFill>
+              <a:effectLst/>
+              <a:uFillTx/>
+              <a:latin typeface="Arial"/>
+            </a:endParaRPr>
+          </a:p>
+        </p:txBody>
+      </p:sp>
+      <p:sp>
+        <p:nvSpPr>
+          <p:cNvPr id="57" name="Text 10"/>
+          <p:cNvSpPr/>
+          <p:nvPr/>
+        </p:nvSpPr>
+        <p:spPr>
+          <a:xfrm>
+            <a:off x="9725040" y="3948840"/>
+            <a:ext cx="339840" cy="424800"/>
+          </a:xfrm>
+          <a:prstGeom prst="rect">
+            <a:avLst/>
+          </a:prstGeom>
+          <a:noFill/>
+          <a:ln w="0">
+            <a:noFill/>
+          </a:ln>
+        </p:spPr>
+        <p:style>
+          <a:lnRef idx="0"/>
+          <a:fillRef idx="0"/>
+          <a:effectRef idx="0"/>
+          <a:fontRef idx="minor"/>
+        </p:style>
+        <p:txBody>
+          <a:bodyPr wrap="none" lIns="0" rIns="0" tIns="0" bIns="0" anchor="t">
+            <a:noAutofit/>
+          </a:bodyPr>
+          <a:p>
+            <a:pPr algn="ctr">
+              <a:lnSpc>
+                <a:spcPts val="2650"/>
+              </a:lnSpc>
+              <a:tabLst>
+                <a:tab algn="l" pos="0"/>
+              </a:tabLst>
+            </a:pPr>
+            <a:r>
+              <a:rPr b="0" lang="en-US" sz="2650" strike="noStrike" u="none">
+                <a:solidFill>
+                  <a:srgbClr val="464646"/>
+                </a:solidFill>
+                <a:effectLst/>
+                <a:uFillTx/>
+                <a:latin typeface="DM Sans Semi Bold"/>
+                <a:ea typeface="DM Sans Semi Bold"/>
+              </a:rPr>
+              <a:t>3</a:t>
+            </a:r>
+            <a:endParaRPr b="0" lang="en-US" sz="2650" strike="noStrike" u="none">
+              <a:solidFill>
+                <a:srgbClr val="ffffff"/>
+              </a:solidFill>
+              <a:effectLst/>
+              <a:uFillTx/>
+              <a:latin typeface="Arial"/>
+            </a:endParaRPr>
+          </a:p>
+        </p:txBody>
+      </p:sp>
+      <p:sp>
+        <p:nvSpPr>
+          <p:cNvPr id="58" name="Text 11"/>
+          <p:cNvSpPr/>
+          <p:nvPr/>
+        </p:nvSpPr>
+        <p:spPr>
+          <a:xfrm>
+            <a:off x="10377360" y="3906360"/>
             <a:ext cx="2835000" cy="353880"/>
           </a:xfrm>
           <a:prstGeom prst="rect">
@@ -5493,7 +6425,7 @@
                 <a:latin typeface="DM Sans Semi Bold"/>
                 <a:ea typeface="DM Sans Semi Bold"/>
               </a:rPr>
-              <a:t>Vergleichbarkeit</a:t>
+              <a:t>Rücklauf</a:t>
             </a:r>
             <a:endParaRPr b="0" lang="en-US" sz="2200" strike="noStrike" u="none">
               <a:solidFill>
@@ -5508,14 +6440,14 @@
       </p:sp>
       <p:sp>
         <p:nvSpPr>
-          <p:cNvPr id="57" name="Text 6"/>
+          <p:cNvPr id="59" name="Text 12"/>
           <p:cNvSpPr/>
           <p:nvPr/>
         </p:nvSpPr>
         <p:spPr>
           <a:xfrm>
-            <a:off x="3096000" y="6447960"/>
-            <a:ext cx="11568240" cy="362520"/>
+            <a:off x="10377360" y="4396680"/>
+            <a:ext cx="3458880" cy="725400"/>
           </a:xfrm>
           <a:prstGeom prst="rect">
             <a:avLst/>
@@ -5532,7 +6464,7 @@
           <a:fontRef idx="minor"/>
         </p:style>
         <p:txBody>
-          <a:bodyPr wrap="none" lIns="0" rIns="0" tIns="0" bIns="0" anchor="t">
+          <a:bodyPr lIns="0" rIns="0" tIns="0" bIns="0" anchor="t">
             <a:noAutofit/>
           </a:bodyPr>
           <a:p>
@@ -5554,7 +6486,7 @@
                 <a:latin typeface="Inter Medium"/>
                 <a:ea typeface="Inter Medium"/>
               </a:rPr>
-              <a:t>Auswirkungen der verschriebenen Nachsorgemaßnahmen</a:t>
+              <a:t>Schlechte Rücklaufquoten bei Papierfragebögen.</a:t>
             </a:r>
             <a:endParaRPr b="0" lang="en-US" sz="1750" strike="noStrike" u="none">
               <a:solidFill>
@@ -5565,6 +6497,37 @@
               <a:latin typeface="Arial"/>
             </a:endParaRPr>
           </a:p>
+        </p:txBody>
+      </p:sp>
+      <p:sp>
+        <p:nvSpPr>
+          <p:cNvPr id="60" name="Text 13"/>
+          <p:cNvSpPr/>
+          <p:nvPr/>
+        </p:nvSpPr>
+        <p:spPr>
+          <a:xfrm>
+            <a:off x="793800" y="5377680"/>
+            <a:ext cx="13042440" cy="362520"/>
+          </a:xfrm>
+          <a:prstGeom prst="rect">
+            <a:avLst/>
+          </a:prstGeom>
+          <a:noFill/>
+          <a:ln w="0">
+            <a:noFill/>
+          </a:ln>
+        </p:spPr>
+        <p:style>
+          <a:lnRef idx="0"/>
+          <a:fillRef idx="0"/>
+          <a:effectRef idx="0"/>
+          <a:fontRef idx="minor"/>
+        </p:style>
+        <p:txBody>
+          <a:bodyPr wrap="none" lIns="0" rIns="0" tIns="0" bIns="0" anchor="t">
+            <a:noAutofit/>
+          </a:bodyPr>
           <a:p>
             <a:pPr>
               <a:lnSpc>
@@ -5584,7 +6547,7 @@
                 <a:latin typeface="Inter Medium"/>
                 <a:ea typeface="Inter Medium"/>
               </a:rPr>
-              <a:t>von Patienten vergleichen</a:t>
+              <a:t>Verbesserung durch digitale PROMs in einheitlichem Format.</a:t>
             </a:r>
             <a:endParaRPr b="0" lang="en-US" sz="1750" strike="noStrike" u="none">
               <a:solidFill>
@@ -5599,12 +6562,12 @@
       </p:sp>
       <p:pic>
         <p:nvPicPr>
-          <p:cNvPr id="58" name="" descr=""/>
+          <p:cNvPr id="61" name="" descr=""/>
           <p:cNvPicPr/>
           <p:nvPr/>
         </p:nvPicPr>
         <p:blipFill>
-          <a:blip r:embed="rId4"/>
+          <a:blip r:embed="rId1"/>
           <a:stretch/>
         </p:blipFill>
         <p:spPr>
@@ -5653,13 +6616,13 @@
       </p:grpSpPr>
       <p:sp>
         <p:nvSpPr>
-          <p:cNvPr id="59" name="Text 0"/>
+          <p:cNvPr id="62" name="Text 0"/>
           <p:cNvSpPr/>
           <p:nvPr/>
         </p:nvSpPr>
         <p:spPr>
           <a:xfrm>
-            <a:off x="793800" y="2106360"/>
+            <a:off x="793800" y="1137960"/>
             <a:ext cx="13042440" cy="1417320"/>
           </a:xfrm>
           <a:prstGeom prst="rect">
@@ -5699,7 +6662,7 @@
                 <a:latin typeface="DM Sans Semi Bold"/>
                 <a:ea typeface="DM Sans Semi Bold"/>
               </a:rPr>
-              <a:t>Problemstellung für die Umsetzung </a:t>
+              <a:t>Lösungsansatz: Digitale Plattform zur PROMs-Erfassung</a:t>
             </a:r>
             <a:endParaRPr b="0" lang="en-US" sz="4450" strike="noStrike" u="none">
               <a:solidFill>
@@ -5712,16 +6675,40 @@
           </a:p>
         </p:txBody>
       </p:sp>
-      <p:sp>
-        <p:nvSpPr>
-          <p:cNvPr id="60" name="Text 1"/>
+      <p:pic>
+        <p:nvPicPr>
+          <p:cNvPr id="63" name="Image 0" descr="preencoded.png"/>
+          <p:cNvPicPr/>
+          <p:nvPr/>
+        </p:nvPicPr>
+        <p:blipFill>
+          <a:blip r:embed="rId1"/>
+          <a:stretch/>
+        </p:blipFill>
+        <p:spPr>
+          <a:xfrm>
+            <a:off x="1621800" y="3009240"/>
+            <a:ext cx="1133640" cy="1360440"/>
+          </a:xfrm>
+          <a:prstGeom prst="rect">
+            <a:avLst/>
+          </a:prstGeom>
+          <a:noFill/>
+          <a:ln w="0">
+            <a:noFill/>
+          </a:ln>
+        </p:spPr>
+      </p:pic>
+      <p:sp>
+        <p:nvSpPr>
+          <p:cNvPr id="64" name="Text 1"/>
           <p:cNvSpPr/>
           <p:nvPr/>
         </p:nvSpPr>
         <p:spPr>
           <a:xfrm>
-            <a:off x="793800" y="4090680"/>
-            <a:ext cx="2835000" cy="353880"/>
+            <a:off x="3096000" y="3236040"/>
+            <a:ext cx="4137840" cy="353880"/>
           </a:xfrm>
           <a:prstGeom prst="rect">
             <a:avLst/>
@@ -5753,14 +6740,14 @@
             <a:r>
               <a:rPr b="0" lang="en-US" sz="2200" strike="noStrike" u="none">
                 <a:solidFill>
-                  <a:srgbClr val="030303"/>
+                  <a:srgbClr val="464646"/>
                 </a:solidFill>
                 <a:effectLst/>
                 <a:uFillTx/>
                 <a:latin typeface="DM Sans Semi Bold"/>
                 <a:ea typeface="DM Sans Semi Bold"/>
               </a:rPr>
-              <a:t>Verarbeitung von personenbezogenen Daten</a:t>
+              <a:t>Benutzerfreundliche Plattform</a:t>
             </a:r>
             <a:endParaRPr b="0" lang="en-US" sz="2200" strike="noStrike" u="none">
               <a:solidFill>
@@ -5775,14 +6762,14 @@
       </p:sp>
       <p:sp>
         <p:nvSpPr>
-          <p:cNvPr id="61" name="Text 3"/>
+          <p:cNvPr id="65" name="Text 2"/>
           <p:cNvSpPr/>
           <p:nvPr/>
         </p:nvSpPr>
         <p:spPr>
           <a:xfrm>
-            <a:off x="793800" y="5238720"/>
-            <a:ext cx="6244200" cy="362520"/>
+            <a:off x="3096000" y="3726360"/>
+            <a:ext cx="4361400" cy="362520"/>
           </a:xfrm>
           <a:prstGeom prst="rect">
             <a:avLst/>
@@ -5803,15 +6790,13 @@
             <a:noAutofit/>
           </a:bodyPr>
           <a:p>
-            <a:pPr marL="343080" indent="-343080">
+            <a:pPr>
               <a:lnSpc>
                 <a:spcPts val="2849"/>
               </a:lnSpc>
-              <a:buClr>
-                <a:srgbClr val="464646"/>
-              </a:buClr>
-              <a:buFont typeface="Symbol" charset="2"/>
-              <a:buChar char=""/>
+              <a:tabLst>
+                <a:tab algn="l" pos="0"/>
+              </a:tabLst>
             </a:pPr>
             <a:r>
               <a:rPr b="0" lang="en-US" sz="1750" strike="noStrike" u="none">
@@ -5823,7 +6808,7 @@
                 <a:latin typeface="Inter Medium"/>
                 <a:ea typeface="Inter Medium"/>
               </a:rPr>
-              <a:t>Keine Diagnose/Handlungs-Empfehlung stellen</a:t>
+              <a:t>Intuitive Bedienung für Kinder und Eltern.</a:t>
             </a:r>
             <a:endParaRPr b="0" lang="en-US" sz="1750" strike="noStrike" u="none">
               <a:solidFill>
@@ -5836,79 +6821,40 @@
           </a:p>
         </p:txBody>
       </p:sp>
-      <p:sp>
-        <p:nvSpPr>
-          <p:cNvPr id="62" name="Text 4"/>
+      <p:pic>
+        <p:nvPicPr>
+          <p:cNvPr id="66" name="Image 1" descr="preencoded.png"/>
+          <p:cNvPicPr/>
+          <p:nvPr/>
+        </p:nvPicPr>
+        <p:blipFill>
+          <a:blip r:embed="rId2"/>
+          <a:stretch/>
+        </p:blipFill>
+        <p:spPr>
+          <a:xfrm>
+            <a:off x="1621800" y="4370040"/>
+            <a:ext cx="1133640" cy="1360440"/>
+          </a:xfrm>
+          <a:prstGeom prst="rect">
+            <a:avLst/>
+          </a:prstGeom>
+          <a:noFill/>
+          <a:ln w="0">
+            <a:noFill/>
+          </a:ln>
+        </p:spPr>
+      </p:pic>
+      <p:sp>
+        <p:nvSpPr>
+          <p:cNvPr id="67" name="Text 3"/>
           <p:cNvSpPr/>
           <p:nvPr/>
         </p:nvSpPr>
         <p:spPr>
           <a:xfrm>
-            <a:off x="793800" y="5681160"/>
-            <a:ext cx="6244200" cy="362520"/>
-          </a:xfrm>
-          <a:prstGeom prst="rect">
-            <a:avLst/>
-          </a:prstGeom>
-          <a:noFill/>
-          <a:ln w="0">
-            <a:noFill/>
-          </a:ln>
-        </p:spPr>
-        <p:style>
-          <a:lnRef idx="0"/>
-          <a:fillRef idx="0"/>
-          <a:effectRef idx="0"/>
-          <a:fontRef idx="minor"/>
-        </p:style>
-        <p:txBody>
-          <a:bodyPr wrap="none" lIns="0" rIns="0" tIns="0" bIns="0" anchor="t">
-            <a:noAutofit/>
-          </a:bodyPr>
-          <a:p>
-            <a:pPr marL="343080" indent="-343080">
-              <a:lnSpc>
-                <a:spcPts val="2849"/>
-              </a:lnSpc>
-              <a:buClr>
-                <a:srgbClr val="464646"/>
-              </a:buClr>
-              <a:buFont typeface="Symbol" charset="2"/>
-              <a:buChar char=""/>
-            </a:pPr>
-            <a:r>
-              <a:rPr b="0" lang="en-US" sz="1750" strike="noStrike" u="none">
-                <a:solidFill>
-                  <a:srgbClr val="464646"/>
-                </a:solidFill>
-                <a:effectLst/>
-                <a:uFillTx/>
-                <a:latin typeface="Inter Medium"/>
-                <a:ea typeface="Inter Medium"/>
-              </a:rPr>
-              <a:t>Anonymisierung von Forschungsdaten</a:t>
-            </a:r>
-            <a:endParaRPr b="0" lang="en-US" sz="1750" strike="noStrike" u="none">
-              <a:solidFill>
-                <a:srgbClr val="ffffff"/>
-              </a:solidFill>
-              <a:effectLst/>
-              <a:uFillTx/>
-              <a:latin typeface="Arial"/>
-            </a:endParaRPr>
-          </a:p>
-        </p:txBody>
-      </p:sp>
-      <p:sp>
-        <p:nvSpPr>
-          <p:cNvPr id="63" name="Text 5"/>
-          <p:cNvSpPr/>
-          <p:nvPr/>
-        </p:nvSpPr>
-        <p:spPr>
-          <a:xfrm>
-            <a:off x="7599600" y="4090680"/>
-            <a:ext cx="2835000" cy="353880"/>
+            <a:off x="3096000" y="4596840"/>
+            <a:ext cx="3668400" cy="353880"/>
           </a:xfrm>
           <a:prstGeom prst="rect">
             <a:avLst/>
@@ -5940,14 +6886,14 @@
             <a:r>
               <a:rPr b="0" lang="en-US" sz="2200" strike="noStrike" u="none">
                 <a:solidFill>
-                  <a:srgbClr val="030303"/>
+                  <a:srgbClr val="464646"/>
                 </a:solidFill>
                 <a:effectLst/>
                 <a:uFillTx/>
                 <a:latin typeface="DM Sans Semi Bold"/>
                 <a:ea typeface="DM Sans Semi Bold"/>
               </a:rPr>
-              <a:t>Vielseitige Einsetzbarkeit</a:t>
+              <a:t>Nachhaltiger Genesungsverlauf</a:t>
             </a:r>
             <a:endParaRPr b="0" lang="en-US" sz="2200" strike="noStrike" u="none">
               <a:solidFill>
@@ -5962,14 +6908,14 @@
       </p:sp>
       <p:sp>
         <p:nvSpPr>
-          <p:cNvPr id="64" name="Text 6"/>
+          <p:cNvPr id="68" name="Text 4"/>
           <p:cNvSpPr/>
           <p:nvPr/>
         </p:nvSpPr>
         <p:spPr>
           <a:xfrm>
-            <a:off x="7599600" y="4671720"/>
-            <a:ext cx="6244200" cy="362520"/>
+            <a:off x="3096000" y="5087160"/>
+            <a:ext cx="4590000" cy="362520"/>
           </a:xfrm>
           <a:prstGeom prst="rect">
             <a:avLst/>
@@ -6008,7 +6954,7 @@
                 <a:latin typeface="Inter Medium"/>
                 <a:ea typeface="Inter Medium"/>
               </a:rPr>
-              <a:t>Es existieren bereits verschiedene Daten</a:t>
+              <a:t>Patientenfeedback in relevanten Abständen</a:t>
             </a:r>
             <a:endParaRPr b="0" lang="en-US" sz="1750" strike="noStrike" u="none">
               <a:solidFill>
@@ -6021,16 +6967,40 @@
           </a:p>
         </p:txBody>
       </p:sp>
-      <p:sp>
-        <p:nvSpPr>
-          <p:cNvPr id="65" name="Text 7"/>
+      <p:pic>
+        <p:nvPicPr>
+          <p:cNvPr id="69" name="Image 2" descr="preencoded.png"/>
+          <p:cNvPicPr/>
+          <p:nvPr/>
+        </p:nvPicPr>
+        <p:blipFill>
+          <a:blip r:embed="rId3"/>
+          <a:stretch/>
+        </p:blipFill>
+        <p:spPr>
+          <a:xfrm>
+            <a:off x="1621800" y="5730840"/>
+            <a:ext cx="1133640" cy="1360440"/>
+          </a:xfrm>
+          <a:prstGeom prst="rect">
+            <a:avLst/>
+          </a:prstGeom>
+          <a:noFill/>
+          <a:ln w="0">
+            <a:noFill/>
+          </a:ln>
+        </p:spPr>
+      </p:pic>
+      <p:sp>
+        <p:nvSpPr>
+          <p:cNvPr id="70" name="Text 5"/>
           <p:cNvSpPr/>
           <p:nvPr/>
         </p:nvSpPr>
         <p:spPr>
           <a:xfrm>
-            <a:off x="7599600" y="5238720"/>
-            <a:ext cx="6244200" cy="362520"/>
+            <a:off x="3096000" y="5957640"/>
+            <a:ext cx="2835000" cy="353880"/>
           </a:xfrm>
           <a:prstGeom prst="rect">
             <a:avLst/>
@@ -6051,29 +7021,27 @@
             <a:noAutofit/>
           </a:bodyPr>
           <a:p>
-            <a:pPr marL="343080" indent="-343080">
+            <a:pPr>
               <a:lnSpc>
-                <a:spcPts val="2849"/>
+                <a:spcPts val="2750"/>
               </a:lnSpc>
-              <a:buClr>
-                <a:srgbClr val="464646"/>
-              </a:buClr>
-              <a:buFont typeface="Symbol" charset="2"/>
-              <a:buChar char=""/>
-            </a:pPr>
-            <a:r>
-              <a:rPr b="0" lang="en-US" sz="1750" strike="noStrike" u="none">
+              <a:tabLst>
+                <a:tab algn="l" pos="0"/>
+              </a:tabLst>
+            </a:pPr>
+            <a:r>
+              <a:rPr b="0" lang="en-US" sz="2200" strike="noStrike" u="none">
                 <a:solidFill>
                   <a:srgbClr val="464646"/>
                 </a:solidFill>
                 <a:effectLst/>
                 <a:uFillTx/>
-                <a:latin typeface="Inter Medium"/>
-                <a:ea typeface="Inter Medium"/>
-              </a:rPr>
-              <a:t>Daten sollen austauschbar sein</a:t>
-            </a:r>
-            <a:endParaRPr b="0" lang="en-US" sz="1750" strike="noStrike" u="none">
+                <a:latin typeface="DM Sans Semi Bold"/>
+                <a:ea typeface="DM Sans Semi Bold"/>
+              </a:rPr>
+              <a:t>Vergleichbarkeit</a:t>
+            </a:r>
+            <a:endParaRPr b="0" lang="en-US" sz="2200" strike="noStrike" u="none">
               <a:solidFill>
                 <a:srgbClr val="ffffff"/>
               </a:solidFill>
@@ -6086,14 +7054,14 @@
       </p:sp>
       <p:sp>
         <p:nvSpPr>
-          <p:cNvPr id="66" name="Text 8"/>
+          <p:cNvPr id="71" name="Text 6"/>
           <p:cNvSpPr/>
           <p:nvPr/>
         </p:nvSpPr>
         <p:spPr>
           <a:xfrm>
-            <a:off x="7599600" y="5681160"/>
-            <a:ext cx="6244200" cy="362520"/>
+            <a:off x="3096000" y="6447960"/>
+            <a:ext cx="11568240" cy="362520"/>
           </a:xfrm>
           <a:prstGeom prst="rect">
             <a:avLst/>
@@ -6114,15 +7082,13 @@
             <a:noAutofit/>
           </a:bodyPr>
           <a:p>
-            <a:pPr marL="343080" indent="-343080">
+            <a:pPr>
               <a:lnSpc>
                 <a:spcPts val="2849"/>
               </a:lnSpc>
-              <a:buClr>
-                <a:srgbClr val="464646"/>
-              </a:buClr>
-              <a:buFont typeface="Symbol" charset="2"/>
-              <a:buChar char=""/>
+              <a:tabLst>
+                <a:tab algn="l" pos="0"/>
+              </a:tabLst>
             </a:pPr>
             <a:r>
               <a:rPr b="0" lang="en-US" sz="1750" strike="noStrike" u="none">
@@ -6134,7 +7100,7 @@
                 <a:latin typeface="Inter Medium"/>
                 <a:ea typeface="Inter Medium"/>
               </a:rPr>
-              <a:t>Erweiterbarkeit</a:t>
+              <a:t>Auswirkungen der verschriebenen Nachsorgemaßnahmen</a:t>
             </a:r>
             <a:endParaRPr b="0" lang="en-US" sz="1750" strike="noStrike" u="none">
               <a:solidFill>
@@ -6145,47 +7111,11 @@
               <a:latin typeface="Arial"/>
             </a:endParaRPr>
           </a:p>
-        </p:txBody>
-      </p:sp>
-      <p:sp>
-        <p:nvSpPr>
-          <p:cNvPr id="67" name="Text 22"/>
-          <p:cNvSpPr/>
-          <p:nvPr/>
-        </p:nvSpPr>
-        <p:spPr>
-          <a:xfrm>
-            <a:off x="793800" y="4772520"/>
-            <a:ext cx="6244200" cy="362520"/>
-          </a:xfrm>
-          <a:prstGeom prst="rect">
-            <a:avLst/>
-          </a:prstGeom>
-          <a:noFill/>
-          <a:ln w="0">
-            <a:noFill/>
-          </a:ln>
-        </p:spPr>
-        <p:style>
-          <a:lnRef idx="0"/>
-          <a:fillRef idx="0"/>
-          <a:effectRef idx="0"/>
-          <a:fontRef idx="minor"/>
-        </p:style>
-        <p:txBody>
-          <a:bodyPr wrap="none" lIns="0" rIns="0" tIns="0" bIns="0" anchor="t">
-            <a:noAutofit/>
-          </a:bodyPr>
-          <a:p>
-            <a:pPr marL="343080" indent="-343080">
+          <a:p>
+            <a:pPr>
               <a:lnSpc>
                 <a:spcPts val="2849"/>
               </a:lnSpc>
-              <a:buClr>
-                <a:srgbClr val="464646"/>
-              </a:buClr>
-              <a:buFont typeface="Symbol" charset="2"/>
-              <a:buChar char=""/>
               <a:tabLst>
                 <a:tab algn="l" pos="0"/>
               </a:tabLst>
@@ -6200,7 +7130,7 @@
                 <a:latin typeface="Inter Medium"/>
                 <a:ea typeface="Inter Medium"/>
               </a:rPr>
-              <a:t>App soll kein Medizinprodukt sein</a:t>
+              <a:t>von Patienten vergleichen</a:t>
             </a:r>
             <a:endParaRPr b="0" lang="en-US" sz="1750" strike="noStrike" u="none">
               <a:solidFill>
@@ -6215,12 +7145,12 @@
       </p:sp>
       <p:pic>
         <p:nvPicPr>
-          <p:cNvPr id="68" name="" descr=""/>
+          <p:cNvPr id="72" name="" descr=""/>
           <p:cNvPicPr/>
           <p:nvPr/>
         </p:nvPicPr>
         <p:blipFill>
-          <a:blip r:embed="rId1"/>
+          <a:blip r:embed="rId4"/>
           <a:stretch/>
         </p:blipFill>
         <p:spPr>
@@ -6269,13 +7199,13 @@
       </p:grpSpPr>
       <p:sp>
         <p:nvSpPr>
-          <p:cNvPr id="69" name="Text 14"/>
+          <p:cNvPr id="73" name="Text 0"/>
           <p:cNvSpPr/>
           <p:nvPr/>
         </p:nvSpPr>
         <p:spPr>
           <a:xfrm>
-            <a:off x="793800" y="1137960"/>
+            <a:off x="793800" y="2106360"/>
             <a:ext cx="13042440" cy="1417320"/>
           </a:xfrm>
           <a:prstGeom prst="rect">
@@ -6315,7 +7245,7 @@
                 <a:latin typeface="DM Sans Semi Bold"/>
                 <a:ea typeface="DM Sans Semi Bold"/>
               </a:rPr>
-              <a:t>Weitere Schritte: Zugänglichkeit und Flexibilität verbessern</a:t>
+              <a:t>Problemstellung für die Umsetzung </a:t>
             </a:r>
             <a:endParaRPr b="0" lang="en-US" sz="4450" strike="noStrike" u="none">
               <a:solidFill>
@@ -6328,40 +7258,16 @@
           </a:p>
         </p:txBody>
       </p:sp>
-      <p:pic>
-        <p:nvPicPr>
-          <p:cNvPr id="70" name="" descr=""/>
-          <p:cNvPicPr/>
-          <p:nvPr/>
-        </p:nvPicPr>
-        <p:blipFill>
-          <a:blip r:embed="rId1"/>
-          <a:stretch/>
-        </p:blipFill>
-        <p:spPr>
-          <a:xfrm>
-            <a:off x="4572000" y="2971800"/>
-            <a:ext cx="3886200" cy="3886200"/>
-          </a:xfrm>
-          <a:prstGeom prst="rect">
-            <a:avLst/>
-          </a:prstGeom>
-          <a:noFill/>
-          <a:ln w="0">
-            <a:noFill/>
-          </a:ln>
-        </p:spPr>
-      </p:pic>
-      <p:sp>
-        <p:nvSpPr>
-          <p:cNvPr id="71" name="Text 9"/>
+      <p:sp>
+        <p:nvSpPr>
+          <p:cNvPr id="74" name="Text 1"/>
           <p:cNvSpPr/>
           <p:nvPr/>
         </p:nvSpPr>
         <p:spPr>
           <a:xfrm>
-            <a:off x="1577160" y="3200400"/>
-            <a:ext cx="3223440" cy="353880"/>
+            <a:off x="793800" y="4090680"/>
+            <a:ext cx="2835000" cy="353880"/>
           </a:xfrm>
           <a:prstGeom prst="rect">
             <a:avLst/>
@@ -6393,14 +7299,14 @@
             <a:r>
               <a:rPr b="0" lang="en-US" sz="2200" strike="noStrike" u="none">
                 <a:solidFill>
-                  <a:srgbClr val="464646"/>
+                  <a:srgbClr val="030303"/>
                 </a:solidFill>
                 <a:effectLst/>
                 <a:uFillTx/>
                 <a:latin typeface="DM Sans Semi Bold"/>
                 <a:ea typeface="DM Sans Semi Bold"/>
               </a:rPr>
-              <a:t>Internationalization</a:t>
+              <a:t>Verarbeitung von personenbezogenen Daten</a:t>
             </a:r>
             <a:endParaRPr b="0" lang="en-US" sz="2200" strike="noStrike" u="none">
               <a:solidFill>
@@ -6415,14 +7321,14 @@
       </p:sp>
       <p:sp>
         <p:nvSpPr>
-          <p:cNvPr id="72" name="Text 15"/>
+          <p:cNvPr id="75" name="Text 3"/>
           <p:cNvSpPr/>
           <p:nvPr/>
         </p:nvSpPr>
         <p:spPr>
           <a:xfrm>
-            <a:off x="1755360" y="3626280"/>
-            <a:ext cx="2943000" cy="362520"/>
+            <a:off x="793800" y="5238720"/>
+            <a:ext cx="6244200" cy="362520"/>
           </a:xfrm>
           <a:prstGeom prst="rect">
             <a:avLst/>
@@ -6463,7 +7369,7 @@
                 <a:latin typeface="Inter Medium"/>
                 <a:ea typeface="Inter Medium"/>
               </a:rPr>
-              <a:t>Angepasste Sprache</a:t>
+              <a:t>Keine Diagnose/Handlungs-Empfehlung stellen</a:t>
             </a:r>
             <a:endParaRPr b="0" lang="en-US" sz="1750" strike="noStrike" u="none">
               <a:solidFill>
@@ -6478,14 +7384,14 @@
       </p:sp>
       <p:sp>
         <p:nvSpPr>
-          <p:cNvPr id="73" name="Text 16"/>
+          <p:cNvPr id="76" name="Text 4"/>
           <p:cNvSpPr/>
           <p:nvPr/>
         </p:nvSpPr>
         <p:spPr>
           <a:xfrm>
-            <a:off x="1755360" y="3996720"/>
-            <a:ext cx="2943000" cy="362520"/>
+            <a:off x="793800" y="5681160"/>
+            <a:ext cx="6244200" cy="362520"/>
           </a:xfrm>
           <a:prstGeom prst="rect">
             <a:avLst/>
@@ -6526,7 +7432,7 @@
                 <a:latin typeface="Inter Medium"/>
                 <a:ea typeface="Inter Medium"/>
               </a:rPr>
-              <a:t>User-Guidance</a:t>
+              <a:t>Anonymisierung von Forschungsdaten</a:t>
             </a:r>
             <a:endParaRPr b="0" lang="en-US" sz="1750" strike="noStrike" u="none">
               <a:solidFill>
@@ -6541,14 +7447,14 @@
       </p:sp>
       <p:sp>
         <p:nvSpPr>
-          <p:cNvPr id="74" name="Text 17"/>
+          <p:cNvPr id="77" name="Text 5"/>
           <p:cNvSpPr/>
           <p:nvPr/>
         </p:nvSpPr>
         <p:spPr>
           <a:xfrm>
-            <a:off x="4572000" y="7050600"/>
-            <a:ext cx="4137840" cy="353880"/>
+            <a:off x="7599600" y="4090680"/>
+            <a:ext cx="2835000" cy="353880"/>
           </a:xfrm>
           <a:prstGeom prst="rect">
             <a:avLst/>
@@ -6580,14 +7486,14 @@
             <a:r>
               <a:rPr b="0" lang="en-US" sz="2200" strike="noStrike" u="none">
                 <a:solidFill>
-                  <a:srgbClr val="464646"/>
+                  <a:srgbClr val="030303"/>
                 </a:solidFill>
                 <a:effectLst/>
                 <a:uFillTx/>
                 <a:latin typeface="DM Sans Semi Bold"/>
                 <a:ea typeface="DM Sans Semi Bold"/>
               </a:rPr>
-              <a:t>verschiedene Backend-Lösungen</a:t>
+              <a:t>Vielseitige Einsetzbarkeit</a:t>
             </a:r>
             <a:endParaRPr b="0" lang="en-US" sz="2200" strike="noStrike" u="none">
               <a:solidFill>
@@ -6602,14 +7508,14 @@
       </p:sp>
       <p:sp>
         <p:nvSpPr>
-          <p:cNvPr id="75" name="Text 18"/>
+          <p:cNvPr id="78" name="Text 6"/>
           <p:cNvSpPr/>
           <p:nvPr/>
         </p:nvSpPr>
         <p:spPr>
           <a:xfrm>
-            <a:off x="8663760" y="3097080"/>
-            <a:ext cx="3223440" cy="353880"/>
+            <a:off x="7599600" y="4671720"/>
+            <a:ext cx="6244200" cy="362520"/>
           </a:xfrm>
           <a:prstGeom prst="rect">
             <a:avLst/>
@@ -6632,25 +7538,25 @@
           <a:p>
             <a:pPr>
               <a:lnSpc>
-                <a:spcPts val="2750"/>
+                <a:spcPts val="2849"/>
               </a:lnSpc>
               <a:tabLst>
                 <a:tab algn="l" pos="0"/>
               </a:tabLst>
             </a:pPr>
             <a:r>
-              <a:rPr b="0" lang="en-US" sz="2200" strike="noStrike" u="none">
+              <a:rPr b="0" lang="en-US" sz="1750" strike="noStrike" u="none">
                 <a:solidFill>
                   <a:srgbClr val="464646"/>
                 </a:solidFill>
                 <a:effectLst/>
                 <a:uFillTx/>
-                <a:latin typeface="DM Sans Semi Bold"/>
-                <a:ea typeface="DM Sans Semi Bold"/>
-              </a:rPr>
-              <a:t>Optimierung der Eingaben</a:t>
-            </a:r>
-            <a:endParaRPr b="0" lang="en-US" sz="2200" strike="noStrike" u="none">
+                <a:latin typeface="Inter Medium"/>
+                <a:ea typeface="Inter Medium"/>
+              </a:rPr>
+              <a:t>Es existieren bereits verschiedene Daten</a:t>
+            </a:r>
+            <a:endParaRPr b="0" lang="en-US" sz="1750" strike="noStrike" u="none">
               <a:solidFill>
                 <a:srgbClr val="ffffff"/>
               </a:solidFill>
@@ -6663,14 +7569,14 @@
       </p:sp>
       <p:sp>
         <p:nvSpPr>
-          <p:cNvPr id="76" name="Text 19"/>
+          <p:cNvPr id="79" name="Text 7"/>
           <p:cNvSpPr/>
           <p:nvPr/>
         </p:nvSpPr>
         <p:spPr>
           <a:xfrm>
-            <a:off x="8841960" y="3522960"/>
-            <a:ext cx="2943000" cy="362520"/>
+            <a:off x="7599600" y="5238720"/>
+            <a:ext cx="6244200" cy="362520"/>
           </a:xfrm>
           <a:prstGeom prst="rect">
             <a:avLst/>
@@ -6711,7 +7617,7 @@
                 <a:latin typeface="Inter Medium"/>
                 <a:ea typeface="Inter Medium"/>
               </a:rPr>
-              <a:t>Vereinfachtes Anlegen von Nutzern</a:t>
+              <a:t>Daten sollen austauschbar sein</a:t>
             </a:r>
             <a:endParaRPr b="0" lang="en-US" sz="1750" strike="noStrike" u="none">
               <a:solidFill>
@@ -6726,14 +7632,14 @@
       </p:sp>
       <p:sp>
         <p:nvSpPr>
-          <p:cNvPr id="77" name="Text 20"/>
+          <p:cNvPr id="80" name="Text 8"/>
           <p:cNvSpPr/>
           <p:nvPr/>
         </p:nvSpPr>
         <p:spPr>
           <a:xfrm>
-            <a:off x="8841960" y="3893400"/>
-            <a:ext cx="2943000" cy="362520"/>
+            <a:off x="7599600" y="5681160"/>
+            <a:ext cx="6244200" cy="362520"/>
           </a:xfrm>
           <a:prstGeom prst="rect">
             <a:avLst/>
@@ -6774,7 +7680,7 @@
                 <a:latin typeface="Inter Medium"/>
                 <a:ea typeface="Inter Medium"/>
               </a:rPr>
-              <a:t>Einheitliches Profil der Surveys</a:t>
+              <a:t>Erweiterbarkeit</a:t>
             </a:r>
             <a:endParaRPr b="0" lang="en-US" sz="1750" strike="noStrike" u="none">
               <a:solidFill>
@@ -6789,14 +7695,14 @@
       </p:sp>
       <p:sp>
         <p:nvSpPr>
-          <p:cNvPr id="78" name="Text 21"/>
+          <p:cNvPr id="81" name="Text 22"/>
           <p:cNvSpPr/>
           <p:nvPr/>
         </p:nvSpPr>
         <p:spPr>
           <a:xfrm>
-            <a:off x="8843760" y="4291200"/>
-            <a:ext cx="2943000" cy="362520"/>
+            <a:off x="793800" y="4772520"/>
+            <a:ext cx="6244200" cy="362520"/>
           </a:xfrm>
           <a:prstGeom prst="rect">
             <a:avLst/>
@@ -6826,6 +7732,9 @@
               </a:buClr>
               <a:buFont typeface="Symbol" charset="2"/>
               <a:buChar char=""/>
+              <a:tabLst>
+                <a:tab algn="l" pos="0"/>
+              </a:tabLst>
             </a:pPr>
             <a:r>
               <a:rPr b="0" lang="en-US" sz="1750" strike="noStrike" u="none">
@@ -6837,7 +7746,7 @@
                 <a:latin typeface="Inter Medium"/>
                 <a:ea typeface="Inter Medium"/>
               </a:rPr>
-              <a:t>Gamifiziertes Design von Surveys</a:t>
+              <a:t>App soll kein Medizinprodukt sein</a:t>
             </a:r>
             <a:endParaRPr b="0" lang="en-US" sz="1750" strike="noStrike" u="none">
               <a:solidFill>
@@ -6852,12 +7761,12 @@
       </p:sp>
       <p:pic>
         <p:nvPicPr>
-          <p:cNvPr id="79" name="" descr=""/>
+          <p:cNvPr id="82" name="" descr=""/>
           <p:cNvPicPr/>
           <p:nvPr/>
         </p:nvPicPr>
         <p:blipFill>
-          <a:blip r:embed="rId2"/>
+          <a:blip r:embed="rId1"/>
           <a:stretch/>
         </p:blipFill>
         <p:spPr>
@@ -6890,13 +7799,6 @@
 <file path=ppt/slides/slide6.xml><?xml version="1.0" encoding="utf-8"?>
 <p:sld xmlns:a="http://schemas.openxmlformats.org/drawingml/2006/main" xmlns:p="http://schemas.openxmlformats.org/presentationml/2006/main" xmlns:r="http://schemas.openxmlformats.org/officeDocument/2006/relationships" xmlns:p14="http://schemas.microsoft.com/office/powerpoint/2010/main" xmlns:p15="http://schemas.microsoft.com/office/powerpoint/2012/main" xmlns:mc="http://schemas.openxmlformats.org/markup-compatibility/2006">
   <p:cSld>
-    <p:bg>
-      <p:bgPr>
-        <a:solidFill>
-          <a:srgbClr val="729fcf"/>
-        </a:solidFill>
-      </p:bgPr>
-    </p:bg>
     <p:spTree>
       <p:nvGrpSpPr>
         <p:cNvPr id="1" name=""/>
@@ -6911,6 +7813,613 @@
           <a:chExt cx="0" cy="0"/>
         </a:xfrm>
       </p:grpSpPr>
+      <p:sp>
+        <p:nvSpPr>
+          <p:cNvPr id="83" name="Text 14"/>
+          <p:cNvSpPr/>
+          <p:nvPr/>
+        </p:nvSpPr>
+        <p:spPr>
+          <a:xfrm>
+            <a:off x="793800" y="1137960"/>
+            <a:ext cx="13042440" cy="1417320"/>
+          </a:xfrm>
+          <a:prstGeom prst="rect">
+            <a:avLst/>
+          </a:prstGeom>
+          <a:noFill/>
+          <a:ln w="0">
+            <a:noFill/>
+          </a:ln>
+        </p:spPr>
+        <p:style>
+          <a:lnRef idx="0"/>
+          <a:fillRef idx="0"/>
+          <a:effectRef idx="0"/>
+          <a:fontRef idx="minor"/>
+        </p:style>
+        <p:txBody>
+          <a:bodyPr lIns="0" rIns="0" tIns="0" bIns="0" anchor="t">
+            <a:noAutofit/>
+          </a:bodyPr>
+          <a:p>
+            <a:pPr>
+              <a:lnSpc>
+                <a:spcPts val="5550"/>
+              </a:lnSpc>
+              <a:tabLst>
+                <a:tab algn="l" pos="0"/>
+              </a:tabLst>
+            </a:pPr>
+            <a:r>
+              <a:rPr b="0" lang="en-US" sz="4450" strike="noStrike" u="none">
+                <a:solidFill>
+                  <a:srgbClr val="030303"/>
+                </a:solidFill>
+                <a:effectLst/>
+                <a:uFillTx/>
+                <a:latin typeface="DM Sans Semi Bold"/>
+                <a:ea typeface="DM Sans Semi Bold"/>
+              </a:rPr>
+              <a:t>Weitere Schritte: Zugänglichkeit und Flexibilität verbessern</a:t>
+            </a:r>
+            <a:endParaRPr b="0" lang="en-US" sz="4450" strike="noStrike" u="none">
+              <a:solidFill>
+                <a:srgbClr val="ffffff"/>
+              </a:solidFill>
+              <a:effectLst/>
+              <a:uFillTx/>
+              <a:latin typeface="Arial"/>
+            </a:endParaRPr>
+          </a:p>
+        </p:txBody>
+      </p:sp>
+      <p:pic>
+        <p:nvPicPr>
+          <p:cNvPr id="84" name="" descr=""/>
+          <p:cNvPicPr/>
+          <p:nvPr/>
+        </p:nvPicPr>
+        <p:blipFill>
+          <a:blip r:embed="rId1"/>
+          <a:stretch/>
+        </p:blipFill>
+        <p:spPr>
+          <a:xfrm>
+            <a:off x="4572000" y="2971800"/>
+            <a:ext cx="3886200" cy="3886200"/>
+          </a:xfrm>
+          <a:prstGeom prst="rect">
+            <a:avLst/>
+          </a:prstGeom>
+          <a:noFill/>
+          <a:ln w="0">
+            <a:noFill/>
+          </a:ln>
+        </p:spPr>
+      </p:pic>
+      <p:sp>
+        <p:nvSpPr>
+          <p:cNvPr id="85" name="Text 9"/>
+          <p:cNvSpPr/>
+          <p:nvPr/>
+        </p:nvSpPr>
+        <p:spPr>
+          <a:xfrm>
+            <a:off x="1577160" y="3200400"/>
+            <a:ext cx="3223440" cy="353880"/>
+          </a:xfrm>
+          <a:prstGeom prst="rect">
+            <a:avLst/>
+          </a:prstGeom>
+          <a:noFill/>
+          <a:ln w="0">
+            <a:noFill/>
+          </a:ln>
+        </p:spPr>
+        <p:style>
+          <a:lnRef idx="0"/>
+          <a:fillRef idx="0"/>
+          <a:effectRef idx="0"/>
+          <a:fontRef idx="minor"/>
+        </p:style>
+        <p:txBody>
+          <a:bodyPr wrap="none" lIns="0" rIns="0" tIns="0" bIns="0" anchor="t">
+            <a:noAutofit/>
+          </a:bodyPr>
+          <a:p>
+            <a:pPr>
+              <a:lnSpc>
+                <a:spcPts val="2750"/>
+              </a:lnSpc>
+              <a:tabLst>
+                <a:tab algn="l" pos="0"/>
+              </a:tabLst>
+            </a:pPr>
+            <a:r>
+              <a:rPr b="0" lang="en-US" sz="2200" strike="noStrike" u="none">
+                <a:solidFill>
+                  <a:srgbClr val="464646"/>
+                </a:solidFill>
+                <a:effectLst/>
+                <a:uFillTx/>
+                <a:latin typeface="DM Sans Semi Bold"/>
+                <a:ea typeface="DM Sans Semi Bold"/>
+              </a:rPr>
+              <a:t>Internationalization</a:t>
+            </a:r>
+            <a:endParaRPr b="0" lang="en-US" sz="2200" strike="noStrike" u="none">
+              <a:solidFill>
+                <a:srgbClr val="ffffff"/>
+              </a:solidFill>
+              <a:effectLst/>
+              <a:uFillTx/>
+              <a:latin typeface="Arial"/>
+            </a:endParaRPr>
+          </a:p>
+        </p:txBody>
+      </p:sp>
+      <p:sp>
+        <p:nvSpPr>
+          <p:cNvPr id="86" name="Text 15"/>
+          <p:cNvSpPr/>
+          <p:nvPr/>
+        </p:nvSpPr>
+        <p:spPr>
+          <a:xfrm>
+            <a:off x="1755360" y="3626280"/>
+            <a:ext cx="2943000" cy="362520"/>
+          </a:xfrm>
+          <a:prstGeom prst="rect">
+            <a:avLst/>
+          </a:prstGeom>
+          <a:noFill/>
+          <a:ln w="0">
+            <a:noFill/>
+          </a:ln>
+        </p:spPr>
+        <p:style>
+          <a:lnRef idx="0"/>
+          <a:fillRef idx="0"/>
+          <a:effectRef idx="0"/>
+          <a:fontRef idx="minor"/>
+        </p:style>
+        <p:txBody>
+          <a:bodyPr wrap="none" lIns="0" rIns="0" tIns="0" bIns="0" anchor="t">
+            <a:noAutofit/>
+          </a:bodyPr>
+          <a:p>
+            <a:pPr marL="343080" indent="-343080">
+              <a:lnSpc>
+                <a:spcPts val="2849"/>
+              </a:lnSpc>
+              <a:buClr>
+                <a:srgbClr val="464646"/>
+              </a:buClr>
+              <a:buFont typeface="Symbol" charset="2"/>
+              <a:buChar char=""/>
+            </a:pPr>
+            <a:r>
+              <a:rPr b="0" lang="en-US" sz="1750" strike="noStrike" u="none">
+                <a:solidFill>
+                  <a:srgbClr val="464646"/>
+                </a:solidFill>
+                <a:effectLst/>
+                <a:uFillTx/>
+                <a:latin typeface="Inter Medium"/>
+                <a:ea typeface="Inter Medium"/>
+              </a:rPr>
+              <a:t>Angepasste Sprache</a:t>
+            </a:r>
+            <a:endParaRPr b="0" lang="en-US" sz="1750" strike="noStrike" u="none">
+              <a:solidFill>
+                <a:srgbClr val="ffffff"/>
+              </a:solidFill>
+              <a:effectLst/>
+              <a:uFillTx/>
+              <a:latin typeface="Arial"/>
+            </a:endParaRPr>
+          </a:p>
+        </p:txBody>
+      </p:sp>
+      <p:sp>
+        <p:nvSpPr>
+          <p:cNvPr id="87" name="Text 16"/>
+          <p:cNvSpPr/>
+          <p:nvPr/>
+        </p:nvSpPr>
+        <p:spPr>
+          <a:xfrm>
+            <a:off x="1755360" y="3996720"/>
+            <a:ext cx="2943000" cy="362520"/>
+          </a:xfrm>
+          <a:prstGeom prst="rect">
+            <a:avLst/>
+          </a:prstGeom>
+          <a:noFill/>
+          <a:ln w="0">
+            <a:noFill/>
+          </a:ln>
+        </p:spPr>
+        <p:style>
+          <a:lnRef idx="0"/>
+          <a:fillRef idx="0"/>
+          <a:effectRef idx="0"/>
+          <a:fontRef idx="minor"/>
+        </p:style>
+        <p:txBody>
+          <a:bodyPr wrap="none" lIns="0" rIns="0" tIns="0" bIns="0" anchor="t">
+            <a:noAutofit/>
+          </a:bodyPr>
+          <a:p>
+            <a:pPr marL="343080" indent="-343080">
+              <a:lnSpc>
+                <a:spcPts val="2849"/>
+              </a:lnSpc>
+              <a:buClr>
+                <a:srgbClr val="464646"/>
+              </a:buClr>
+              <a:buFont typeface="Symbol" charset="2"/>
+              <a:buChar char=""/>
+            </a:pPr>
+            <a:r>
+              <a:rPr b="0" lang="en-US" sz="1750" strike="noStrike" u="none">
+                <a:solidFill>
+                  <a:srgbClr val="464646"/>
+                </a:solidFill>
+                <a:effectLst/>
+                <a:uFillTx/>
+                <a:latin typeface="Inter Medium"/>
+                <a:ea typeface="Inter Medium"/>
+              </a:rPr>
+              <a:t>User-Guidance</a:t>
+            </a:r>
+            <a:endParaRPr b="0" lang="en-US" sz="1750" strike="noStrike" u="none">
+              <a:solidFill>
+                <a:srgbClr val="ffffff"/>
+              </a:solidFill>
+              <a:effectLst/>
+              <a:uFillTx/>
+              <a:latin typeface="Arial"/>
+            </a:endParaRPr>
+          </a:p>
+        </p:txBody>
+      </p:sp>
+      <p:sp>
+        <p:nvSpPr>
+          <p:cNvPr id="88" name="Text 17"/>
+          <p:cNvSpPr/>
+          <p:nvPr/>
+        </p:nvSpPr>
+        <p:spPr>
+          <a:xfrm>
+            <a:off x="4572000" y="7050600"/>
+            <a:ext cx="4137840" cy="353880"/>
+          </a:xfrm>
+          <a:prstGeom prst="rect">
+            <a:avLst/>
+          </a:prstGeom>
+          <a:noFill/>
+          <a:ln w="0">
+            <a:noFill/>
+          </a:ln>
+        </p:spPr>
+        <p:style>
+          <a:lnRef idx="0"/>
+          <a:fillRef idx="0"/>
+          <a:effectRef idx="0"/>
+          <a:fontRef idx="minor"/>
+        </p:style>
+        <p:txBody>
+          <a:bodyPr wrap="none" lIns="0" rIns="0" tIns="0" bIns="0" anchor="t">
+            <a:noAutofit/>
+          </a:bodyPr>
+          <a:p>
+            <a:pPr>
+              <a:lnSpc>
+                <a:spcPts val="2750"/>
+              </a:lnSpc>
+              <a:tabLst>
+                <a:tab algn="l" pos="0"/>
+              </a:tabLst>
+            </a:pPr>
+            <a:r>
+              <a:rPr b="0" lang="en-US" sz="2200" strike="noStrike" u="none">
+                <a:solidFill>
+                  <a:srgbClr val="464646"/>
+                </a:solidFill>
+                <a:effectLst/>
+                <a:uFillTx/>
+                <a:latin typeface="DM Sans Semi Bold"/>
+                <a:ea typeface="DM Sans Semi Bold"/>
+              </a:rPr>
+              <a:t>verschiedene Backend-Lösungen</a:t>
+            </a:r>
+            <a:endParaRPr b="0" lang="en-US" sz="2200" strike="noStrike" u="none">
+              <a:solidFill>
+                <a:srgbClr val="ffffff"/>
+              </a:solidFill>
+              <a:effectLst/>
+              <a:uFillTx/>
+              <a:latin typeface="Arial"/>
+            </a:endParaRPr>
+          </a:p>
+        </p:txBody>
+      </p:sp>
+      <p:sp>
+        <p:nvSpPr>
+          <p:cNvPr id="89" name="Text 18"/>
+          <p:cNvSpPr/>
+          <p:nvPr/>
+        </p:nvSpPr>
+        <p:spPr>
+          <a:xfrm>
+            <a:off x="8663760" y="3097080"/>
+            <a:ext cx="3223440" cy="353880"/>
+          </a:xfrm>
+          <a:prstGeom prst="rect">
+            <a:avLst/>
+          </a:prstGeom>
+          <a:noFill/>
+          <a:ln w="0">
+            <a:noFill/>
+          </a:ln>
+        </p:spPr>
+        <p:style>
+          <a:lnRef idx="0"/>
+          <a:fillRef idx="0"/>
+          <a:effectRef idx="0"/>
+          <a:fontRef idx="minor"/>
+        </p:style>
+        <p:txBody>
+          <a:bodyPr wrap="none" lIns="0" rIns="0" tIns="0" bIns="0" anchor="t">
+            <a:noAutofit/>
+          </a:bodyPr>
+          <a:p>
+            <a:pPr>
+              <a:lnSpc>
+                <a:spcPts val="2750"/>
+              </a:lnSpc>
+              <a:tabLst>
+                <a:tab algn="l" pos="0"/>
+              </a:tabLst>
+            </a:pPr>
+            <a:r>
+              <a:rPr b="0" lang="en-US" sz="2200" strike="noStrike" u="none">
+                <a:solidFill>
+                  <a:srgbClr val="464646"/>
+                </a:solidFill>
+                <a:effectLst/>
+                <a:uFillTx/>
+                <a:latin typeface="DM Sans Semi Bold"/>
+                <a:ea typeface="DM Sans Semi Bold"/>
+              </a:rPr>
+              <a:t>Optimierung der Eingaben</a:t>
+            </a:r>
+            <a:endParaRPr b="0" lang="en-US" sz="2200" strike="noStrike" u="none">
+              <a:solidFill>
+                <a:srgbClr val="ffffff"/>
+              </a:solidFill>
+              <a:effectLst/>
+              <a:uFillTx/>
+              <a:latin typeface="Arial"/>
+            </a:endParaRPr>
+          </a:p>
+        </p:txBody>
+      </p:sp>
+      <p:sp>
+        <p:nvSpPr>
+          <p:cNvPr id="90" name="Text 19"/>
+          <p:cNvSpPr/>
+          <p:nvPr/>
+        </p:nvSpPr>
+        <p:spPr>
+          <a:xfrm>
+            <a:off x="8841960" y="3522960"/>
+            <a:ext cx="2943000" cy="362520"/>
+          </a:xfrm>
+          <a:prstGeom prst="rect">
+            <a:avLst/>
+          </a:prstGeom>
+          <a:noFill/>
+          <a:ln w="0">
+            <a:noFill/>
+          </a:ln>
+        </p:spPr>
+        <p:style>
+          <a:lnRef idx="0"/>
+          <a:fillRef idx="0"/>
+          <a:effectRef idx="0"/>
+          <a:fontRef idx="minor"/>
+        </p:style>
+        <p:txBody>
+          <a:bodyPr wrap="none" lIns="0" rIns="0" tIns="0" bIns="0" anchor="t">
+            <a:noAutofit/>
+          </a:bodyPr>
+          <a:p>
+            <a:pPr marL="343080" indent="-343080">
+              <a:lnSpc>
+                <a:spcPts val="2849"/>
+              </a:lnSpc>
+              <a:buClr>
+                <a:srgbClr val="464646"/>
+              </a:buClr>
+              <a:buFont typeface="Symbol" charset="2"/>
+              <a:buChar char=""/>
+            </a:pPr>
+            <a:r>
+              <a:rPr b="0" lang="en-US" sz="1750" strike="noStrike" u="none">
+                <a:solidFill>
+                  <a:srgbClr val="464646"/>
+                </a:solidFill>
+                <a:effectLst/>
+                <a:uFillTx/>
+                <a:latin typeface="Inter Medium"/>
+                <a:ea typeface="Inter Medium"/>
+              </a:rPr>
+              <a:t>Vereinfachtes Anlegen von Nutzern</a:t>
+            </a:r>
+            <a:endParaRPr b="0" lang="en-US" sz="1750" strike="noStrike" u="none">
+              <a:solidFill>
+                <a:srgbClr val="ffffff"/>
+              </a:solidFill>
+              <a:effectLst/>
+              <a:uFillTx/>
+              <a:latin typeface="Arial"/>
+            </a:endParaRPr>
+          </a:p>
+        </p:txBody>
+      </p:sp>
+      <p:sp>
+        <p:nvSpPr>
+          <p:cNvPr id="91" name="Text 20"/>
+          <p:cNvSpPr/>
+          <p:nvPr/>
+        </p:nvSpPr>
+        <p:spPr>
+          <a:xfrm>
+            <a:off x="8841960" y="3893400"/>
+            <a:ext cx="2943000" cy="362520"/>
+          </a:xfrm>
+          <a:prstGeom prst="rect">
+            <a:avLst/>
+          </a:prstGeom>
+          <a:noFill/>
+          <a:ln w="0">
+            <a:noFill/>
+          </a:ln>
+        </p:spPr>
+        <p:style>
+          <a:lnRef idx="0"/>
+          <a:fillRef idx="0"/>
+          <a:effectRef idx="0"/>
+          <a:fontRef idx="minor"/>
+        </p:style>
+        <p:txBody>
+          <a:bodyPr wrap="none" lIns="0" rIns="0" tIns="0" bIns="0" anchor="t">
+            <a:noAutofit/>
+          </a:bodyPr>
+          <a:p>
+            <a:pPr marL="343080" indent="-343080">
+              <a:lnSpc>
+                <a:spcPts val="2849"/>
+              </a:lnSpc>
+              <a:buClr>
+                <a:srgbClr val="464646"/>
+              </a:buClr>
+              <a:buFont typeface="Symbol" charset="2"/>
+              <a:buChar char=""/>
+            </a:pPr>
+            <a:r>
+              <a:rPr b="0" lang="en-US" sz="1750" strike="noStrike" u="none">
+                <a:solidFill>
+                  <a:srgbClr val="464646"/>
+                </a:solidFill>
+                <a:effectLst/>
+                <a:uFillTx/>
+                <a:latin typeface="Inter Medium"/>
+                <a:ea typeface="Inter Medium"/>
+              </a:rPr>
+              <a:t>Einheitliches Profil der Surveys</a:t>
+            </a:r>
+            <a:endParaRPr b="0" lang="en-US" sz="1750" strike="noStrike" u="none">
+              <a:solidFill>
+                <a:srgbClr val="ffffff"/>
+              </a:solidFill>
+              <a:effectLst/>
+              <a:uFillTx/>
+              <a:latin typeface="Arial"/>
+            </a:endParaRPr>
+          </a:p>
+        </p:txBody>
+      </p:sp>
+      <p:sp>
+        <p:nvSpPr>
+          <p:cNvPr id="92" name="Text 21"/>
+          <p:cNvSpPr/>
+          <p:nvPr/>
+        </p:nvSpPr>
+        <p:spPr>
+          <a:xfrm>
+            <a:off x="8843760" y="4291200"/>
+            <a:ext cx="2943000" cy="362520"/>
+          </a:xfrm>
+          <a:prstGeom prst="rect">
+            <a:avLst/>
+          </a:prstGeom>
+          <a:noFill/>
+          <a:ln w="0">
+            <a:noFill/>
+          </a:ln>
+        </p:spPr>
+        <p:style>
+          <a:lnRef idx="0"/>
+          <a:fillRef idx="0"/>
+          <a:effectRef idx="0"/>
+          <a:fontRef idx="minor"/>
+        </p:style>
+        <p:txBody>
+          <a:bodyPr wrap="none" lIns="0" rIns="0" tIns="0" bIns="0" anchor="t">
+            <a:noAutofit/>
+          </a:bodyPr>
+          <a:p>
+            <a:pPr marL="343080" indent="-343080">
+              <a:lnSpc>
+                <a:spcPts val="2849"/>
+              </a:lnSpc>
+              <a:buClr>
+                <a:srgbClr val="464646"/>
+              </a:buClr>
+              <a:buFont typeface="Symbol" charset="2"/>
+              <a:buChar char=""/>
+            </a:pPr>
+            <a:r>
+              <a:rPr b="0" lang="en-US" sz="1750" strike="noStrike" u="none">
+                <a:solidFill>
+                  <a:srgbClr val="464646"/>
+                </a:solidFill>
+                <a:effectLst/>
+                <a:uFillTx/>
+                <a:latin typeface="Inter Medium"/>
+                <a:ea typeface="Inter Medium"/>
+              </a:rPr>
+              <a:t>Gamifiziertes Design von Surveys</a:t>
+            </a:r>
+            <a:endParaRPr b="0" lang="en-US" sz="1750" strike="noStrike" u="none">
+              <a:solidFill>
+                <a:srgbClr val="ffffff"/>
+              </a:solidFill>
+              <a:effectLst/>
+              <a:uFillTx/>
+              <a:latin typeface="Arial"/>
+            </a:endParaRPr>
+          </a:p>
+        </p:txBody>
+      </p:sp>
+      <p:pic>
+        <p:nvPicPr>
+          <p:cNvPr id="93" name="" descr=""/>
+          <p:cNvPicPr/>
+          <p:nvPr/>
+        </p:nvPicPr>
+        <p:blipFill>
+          <a:blip r:embed="rId2"/>
+          <a:stretch/>
+        </p:blipFill>
+        <p:spPr>
+          <a:xfrm>
+            <a:off x="10972800" y="6858360"/>
+            <a:ext cx="3657600" cy="1371960"/>
+          </a:xfrm>
+          <a:prstGeom prst="rect">
+            <a:avLst/>
+          </a:prstGeom>
+          <a:noFill/>
+          <a:ln w="0">
+            <a:noFill/>
+          </a:ln>
+        </p:spPr>
+      </p:pic>
     </p:spTree>
   </p:cSld>
   <mc:AlternateContent>
@@ -7096,7 +8605,179 @@
 </a:theme>
 </file>
 
-<file path=ppt/theme/theme7.xml><?xml version="1.0" encoding="utf-8"?>
+<file path=ppt/theme/theme2.xml><?xml version="1.0" encoding="utf-8"?>
+<a:theme xmlns:a="http://schemas.openxmlformats.org/drawingml/2006/main" xmlns:r="http://schemas.openxmlformats.org/officeDocument/2006/relationships" name="Office">
+  <a:themeElements>
+    <a:clrScheme name="Office">
+      <a:dk1>
+        <a:srgbClr val="000000"/>
+      </a:dk1>
+      <a:lt1>
+        <a:srgbClr val="ffffff"/>
+      </a:lt1>
+      <a:dk2>
+        <a:srgbClr val="0e2841"/>
+      </a:dk2>
+      <a:lt2>
+        <a:srgbClr val="e8e8e8"/>
+      </a:lt2>
+      <a:accent1>
+        <a:srgbClr val="156082"/>
+      </a:accent1>
+      <a:accent2>
+        <a:srgbClr val="e97132"/>
+      </a:accent2>
+      <a:accent3>
+        <a:srgbClr val="196b24"/>
+      </a:accent3>
+      <a:accent4>
+        <a:srgbClr val="0f9ed5"/>
+      </a:accent4>
+      <a:accent5>
+        <a:srgbClr val="a02b93"/>
+      </a:accent5>
+      <a:accent6>
+        <a:srgbClr val="4ea72e"/>
+      </a:accent6>
+      <a:hlink>
+        <a:srgbClr val="467886"/>
+      </a:hlink>
+      <a:folHlink>
+        <a:srgbClr val="96607d"/>
+      </a:folHlink>
+    </a:clrScheme>
+    <a:fontScheme name="Office">
+      <a:majorFont>
+        <a:latin typeface="Aptos Display" panose="02110004020202020204" pitchFamily="0" charset="1"/>
+        <a:ea typeface=""/>
+        <a:cs typeface=""/>
+      </a:majorFont>
+      <a:minorFont>
+        <a:latin typeface="Aptos" panose="02110004020202020204" pitchFamily="0" charset="1"/>
+        <a:ea typeface=""/>
+        <a:cs typeface=""/>
+      </a:minorFont>
+    </a:fontScheme>
+    <a:fmtScheme>
+      <a:fillStyleLst>
+        <a:solidFill>
+          <a:schemeClr val="phClr"/>
+        </a:solidFill>
+        <a:gradFill>
+          <a:gsLst>
+            <a:gs pos="0">
+              <a:schemeClr val="phClr">
+                <a:lumMod val="110000"/>
+                <a:tint val="67000"/>
+              </a:schemeClr>
+            </a:gs>
+            <a:gs pos="50000">
+              <a:schemeClr val="phClr">
+                <a:lumMod val="105000"/>
+                <a:tint val="73000"/>
+              </a:schemeClr>
+            </a:gs>
+            <a:gs pos="100000">
+              <a:schemeClr val="phClr">
+                <a:lumMod val="105000"/>
+                <a:tint val="81000"/>
+              </a:schemeClr>
+            </a:gs>
+          </a:gsLst>
+          <a:lin ang="5400000" scaled="0"/>
+          <a:tileRect l="0" t="0" r="0" b="0"/>
+        </a:gradFill>
+        <a:gradFill>
+          <a:gsLst>
+            <a:gs pos="0">
+              <a:schemeClr val="phClr">
+                <a:lumMod val="102000"/>
+                <a:tint val="94000"/>
+              </a:schemeClr>
+            </a:gs>
+            <a:gs pos="50000">
+              <a:schemeClr val="phClr">
+                <a:lumMod val="100000"/>
+                <a:shade val="100000"/>
+              </a:schemeClr>
+            </a:gs>
+            <a:gs pos="100000">
+              <a:schemeClr val="phClr">
+                <a:lumMod val="99000"/>
+                <a:shade val="78000"/>
+              </a:schemeClr>
+            </a:gs>
+          </a:gsLst>
+          <a:lin ang="5400000" scaled="0"/>
+          <a:tileRect l="0" t="0" r="0" b="0"/>
+        </a:gradFill>
+      </a:fillStyleLst>
+      <a:lnStyleLst>
+        <a:ln w="12700" cap="flat" cmpd="sng" algn="ctr">
+          <a:prstDash val="solid"/>
+          <a:miter lim="800000"/>
+        </a:ln>
+        <a:ln w="19050" cap="flat" cmpd="sng" algn="ctr">
+          <a:prstDash val="solid"/>
+          <a:miter lim="800000"/>
+        </a:ln>
+        <a:ln w="25400" cap="flat" cmpd="sng" algn="ctr">
+          <a:prstDash val="solid"/>
+          <a:miter lim="800000"/>
+        </a:ln>
+      </a:lnStyleLst>
+      <a:effectStyleLst>
+        <a:effectStyle>
+          <a:effectLst/>
+        </a:effectStyle>
+        <a:effectStyle>
+          <a:effectLst/>
+        </a:effectStyle>
+        <a:effectStyle>
+          <a:effectLst/>
+        </a:effectStyle>
+      </a:effectStyleLst>
+      <a:bgFillStyleLst>
+        <a:solidFill>
+          <a:schemeClr val="phClr"/>
+        </a:solidFill>
+        <a:solidFill>
+          <a:schemeClr val="phClr">
+            <a:tint val="95000"/>
+          </a:schemeClr>
+        </a:solidFill>
+        <a:gradFill>
+          <a:gsLst>
+            <a:gs pos="0">
+              <a:schemeClr val="phClr">
+                <a:tint val="93000"/>
+                <a:shade val="98000"/>
+                <a:lumMod val="102000"/>
+              </a:schemeClr>
+            </a:gs>
+            <a:gs pos="50000">
+              <a:schemeClr val="phClr">
+                <a:tint val="98000"/>
+                <a:shade val="90000"/>
+                <a:lumMod val="103000"/>
+              </a:schemeClr>
+            </a:gs>
+            <a:gs pos="100000">
+              <a:schemeClr val="phClr">
+                <a:shade val="63000"/>
+              </a:schemeClr>
+            </a:gs>
+          </a:gsLst>
+          <a:lin ang="5400000" scaled="0"/>
+          <a:tileRect l="0" t="0" r="0" b="0"/>
+        </a:gradFill>
+      </a:bgFillStyleLst>
+    </a:fmtScheme>
+  </a:themeElements>
+</a:theme>
+</file>
+
+<file path=ppt/theme/theme8.xml><?xml version="1.0" encoding="utf-8"?>
 <a:theme xmlns:a="http://schemas.openxmlformats.org/drawingml/2006/main" xmlns:r="http://schemas.openxmlformats.org/officeDocument/2006/relationships" name="Office Theme">
   <a:themeElements>
     <a:clrScheme name="LibreOffice">
